--- a/논문데이터분석(Comparison of algorithm for dominant species classification in water source site in Yeongsan river basin using statistical machine learning technique)/통계학회 관련(2023년 하계)/2023년 하계 통계학회 포스터 논문_황성윤_과학원.pptx
+++ b/논문데이터분석(Comparison of algorithm for dominant species classification in water source site in Yeongsan river basin using statistical machine learning technique)/통계학회 관련(2023년 하계)/2023년 하계 통계학회 포스터 논문_황성윤_과학원.pptx
@@ -254,7 +254,7 @@
           <a:p>
             <a:fld id="{B8F6B9A3-BAD0-4D3D-96AC-195AD465836F}" type="datetimeFigureOut">
               <a:rPr lang="ko-KR" altLang="en-US" smtClean="0"/>
-              <a:t>2022-11-27</a:t>
+              <a:t>2022-12-04</a:t>
             </a:fld>
             <a:endParaRPr lang="ko-KR" altLang="en-US"/>
           </a:p>
@@ -424,7 +424,7 @@
           <a:p>
             <a:fld id="{B8F6B9A3-BAD0-4D3D-96AC-195AD465836F}" type="datetimeFigureOut">
               <a:rPr lang="ko-KR" altLang="en-US" smtClean="0"/>
-              <a:t>2022-11-27</a:t>
+              <a:t>2022-12-04</a:t>
             </a:fld>
             <a:endParaRPr lang="ko-KR" altLang="en-US"/>
           </a:p>
@@ -604,7 +604,7 @@
           <a:p>
             <a:fld id="{B8F6B9A3-BAD0-4D3D-96AC-195AD465836F}" type="datetimeFigureOut">
               <a:rPr lang="ko-KR" altLang="en-US" smtClean="0"/>
-              <a:t>2022-11-27</a:t>
+              <a:t>2022-12-04</a:t>
             </a:fld>
             <a:endParaRPr lang="ko-KR" altLang="en-US"/>
           </a:p>
@@ -774,7 +774,7 @@
           <a:p>
             <a:fld id="{B8F6B9A3-BAD0-4D3D-96AC-195AD465836F}" type="datetimeFigureOut">
               <a:rPr lang="ko-KR" altLang="en-US" smtClean="0"/>
-              <a:t>2022-11-27</a:t>
+              <a:t>2022-12-04</a:t>
             </a:fld>
             <a:endParaRPr lang="ko-KR" altLang="en-US"/>
           </a:p>
@@ -1018,7 +1018,7 @@
           <a:p>
             <a:fld id="{B8F6B9A3-BAD0-4D3D-96AC-195AD465836F}" type="datetimeFigureOut">
               <a:rPr lang="ko-KR" altLang="en-US" smtClean="0"/>
-              <a:t>2022-11-27</a:t>
+              <a:t>2022-12-04</a:t>
             </a:fld>
             <a:endParaRPr lang="ko-KR" altLang="en-US"/>
           </a:p>
@@ -1250,7 +1250,7 @@
           <a:p>
             <a:fld id="{B8F6B9A3-BAD0-4D3D-96AC-195AD465836F}" type="datetimeFigureOut">
               <a:rPr lang="ko-KR" altLang="en-US" smtClean="0"/>
-              <a:t>2022-11-27</a:t>
+              <a:t>2022-12-04</a:t>
             </a:fld>
             <a:endParaRPr lang="ko-KR" altLang="en-US"/>
           </a:p>
@@ -1617,7 +1617,7 @@
           <a:p>
             <a:fld id="{B8F6B9A3-BAD0-4D3D-96AC-195AD465836F}" type="datetimeFigureOut">
               <a:rPr lang="ko-KR" altLang="en-US" smtClean="0"/>
-              <a:t>2022-11-27</a:t>
+              <a:t>2022-12-04</a:t>
             </a:fld>
             <a:endParaRPr lang="ko-KR" altLang="en-US"/>
           </a:p>
@@ -1735,7 +1735,7 @@
           <a:p>
             <a:fld id="{B8F6B9A3-BAD0-4D3D-96AC-195AD465836F}" type="datetimeFigureOut">
               <a:rPr lang="ko-KR" altLang="en-US" smtClean="0"/>
-              <a:t>2022-11-27</a:t>
+              <a:t>2022-12-04</a:t>
             </a:fld>
             <a:endParaRPr lang="ko-KR" altLang="en-US"/>
           </a:p>
@@ -1830,7 +1830,7 @@
           <a:p>
             <a:fld id="{B8F6B9A3-BAD0-4D3D-96AC-195AD465836F}" type="datetimeFigureOut">
               <a:rPr lang="ko-KR" altLang="en-US" smtClean="0"/>
-              <a:t>2022-11-27</a:t>
+              <a:t>2022-12-04</a:t>
             </a:fld>
             <a:endParaRPr lang="ko-KR" altLang="en-US"/>
           </a:p>
@@ -2107,7 +2107,7 @@
           <a:p>
             <a:fld id="{B8F6B9A3-BAD0-4D3D-96AC-195AD465836F}" type="datetimeFigureOut">
               <a:rPr lang="ko-KR" altLang="en-US" smtClean="0"/>
-              <a:t>2022-11-27</a:t>
+              <a:t>2022-12-04</a:t>
             </a:fld>
             <a:endParaRPr lang="ko-KR" altLang="en-US"/>
           </a:p>
@@ -2364,7 +2364,7 @@
           <a:p>
             <a:fld id="{B8F6B9A3-BAD0-4D3D-96AC-195AD465836F}" type="datetimeFigureOut">
               <a:rPr lang="ko-KR" altLang="en-US" smtClean="0"/>
-              <a:t>2022-11-27</a:t>
+              <a:t>2022-12-04</a:t>
             </a:fld>
             <a:endParaRPr lang="ko-KR" altLang="en-US"/>
           </a:p>
@@ -2577,7 +2577,7 @@
           <a:p>
             <a:fld id="{B8F6B9A3-BAD0-4D3D-96AC-195AD465836F}" type="datetimeFigureOut">
               <a:rPr lang="ko-KR" altLang="en-US" smtClean="0"/>
-              <a:t>2022-11-27</a:t>
+              <a:t>2022-12-04</a:t>
             </a:fld>
             <a:endParaRPr lang="ko-KR" altLang="en-US"/>
           </a:p>
@@ -3093,7 +3093,7 @@
                 <a:latin typeface="나눔바른고딕" panose="020B0603020101020101" pitchFamily="50" charset="-127"/>
                 <a:ea typeface="나눔바른고딕" panose="020B0603020101020101" pitchFamily="50" charset="-127"/>
               </a:rPr>
-              <a:t>우점종</a:t>
+              <a:t>우점조류</a:t>
             </a:r>
             <a:r>
               <a:rPr lang="ko-KR" altLang="en-US" sz="5400" b="1" dirty="0">
@@ -3110,7 +3110,7 @@
                 <a:latin typeface="나눔바른고딕" panose="020B0603020101020101" pitchFamily="50" charset="-127"/>
                 <a:ea typeface="나눔바른고딕" panose="020B0603020101020101" pitchFamily="50" charset="-127"/>
               </a:rPr>
-              <a:t> 분류 알고리즘 비교 연구</a:t>
+              <a:t> 분류에 대한 알고리즘 비교 연구</a:t>
             </a:r>
             <a:endParaRPr lang="en-US" altLang="ko-KR" sz="5400" b="1" dirty="0">
               <a:solidFill>
@@ -3144,7 +3144,7 @@
                 <a:latin typeface="나눔바른고딕" panose="020B0603020101020101" pitchFamily="50" charset="-127"/>
                 <a:ea typeface="나눔바른고딕" panose="020B0603020101020101" pitchFamily="50" charset="-127"/>
               </a:rPr>
-              <a:t>Comparison of algorithm for dominant species classification in water source site in </a:t>
+              <a:t>Comparison of algorithm for dominant algae classification in water source site in </a:t>
             </a:r>
             <a:r>
               <a:rPr lang="en-US" altLang="ko-KR" sz="4400" b="1" dirty="0" err="1">
@@ -3234,6 +3234,57 @@
               </a:rPr>
               <a:t>황성윤ㆍ황순홍ㆍ박종환ㆍ이영재ㆍ김태성ㆍ이영미ㆍ최병웅ㆍ최지연ㆍ강태우ㆍ신동석</a:t>
             </a:r>
+            <a:r>
+              <a:rPr lang="ko-KR" altLang="en-US" sz="4000" b="1" dirty="0">
+                <a:solidFill>
+                  <a:srgbClr val="002060"/>
+                </a:solidFill>
+                <a:effectLst>
+                  <a:outerShdw blurRad="38100" dist="38100" dir="2700000" algn="tl">
+                    <a:srgbClr val="000000">
+                      <a:alpha val="43137"/>
+                    </a:srgbClr>
+                  </a:outerShdw>
+                </a:effectLst>
+                <a:latin typeface="나눔바른고딕" panose="020B0603020101020101" pitchFamily="50" charset="-127"/>
+                <a:ea typeface="나눔바른고딕" panose="020B0603020101020101" pitchFamily="50" charset="-127"/>
+              </a:rPr>
+              <a:t> </a:t>
+            </a:r>
+            <a:r>
+              <a:rPr lang="en-US" altLang="ko-KR" sz="4000" b="1" dirty="0">
+                <a:solidFill>
+                  <a:srgbClr val="002060"/>
+                </a:solidFill>
+                <a:effectLst>
+                  <a:outerShdw blurRad="38100" dist="38100" dir="2700000" algn="tl">
+                    <a:srgbClr val="000000">
+                      <a:alpha val="43137"/>
+                    </a:srgbClr>
+                  </a:outerShdw>
+                </a:effectLst>
+                <a:latin typeface="나눔바른고딕" panose="020B0603020101020101" pitchFamily="50" charset="-127"/>
+                <a:ea typeface="나눔바른고딕" panose="020B0603020101020101" pitchFamily="50" charset="-127"/>
+              </a:rPr>
+              <a:t>/ </a:t>
+            </a:r>
+            <a:r>
+              <a:rPr lang="ko-KR" altLang="en-US" sz="4000" b="1" dirty="0" err="1">
+                <a:solidFill>
+                  <a:srgbClr val="002060"/>
+                </a:solidFill>
+                <a:effectLst>
+                  <a:outerShdw blurRad="38100" dist="38100" dir="2700000" algn="tl">
+                    <a:srgbClr val="000000">
+                      <a:alpha val="43137"/>
+                    </a:srgbClr>
+                  </a:outerShdw>
+                </a:effectLst>
+                <a:latin typeface="나눔바른고딕" panose="020B0603020101020101" pitchFamily="50" charset="-127"/>
+                <a:ea typeface="나눔바른고딕" panose="020B0603020101020101" pitchFamily="50" charset="-127"/>
+              </a:rPr>
+              <a:t>정강영</a:t>
+            </a:r>
             <a:endParaRPr lang="en-US" altLang="ko-KR" sz="4000" b="1" dirty="0">
               <a:solidFill>
                 <a:srgbClr val="002060"/>
@@ -3283,8 +3334,73 @@
                 <a:latin typeface="나눔바른고딕" panose="020B0603020101020101" pitchFamily="50" charset="-127"/>
                 <a:ea typeface="나눔바른고딕" panose="020B0603020101020101" pitchFamily="50" charset="-127"/>
               </a:rPr>
-              <a:t>환경부 국립환경과학원 영산강물환경연구소</a:t>
+              <a:t>환경부 국립환경과학원 영산강물환경연구소 </a:t>
             </a:r>
+            <a:r>
+              <a:rPr lang="en-US" altLang="ko-KR" sz="4000" b="1" dirty="0">
+                <a:solidFill>
+                  <a:srgbClr val="002060"/>
+                </a:solidFill>
+                <a:effectLst>
+                  <a:outerShdw blurRad="38100" dist="38100" dir="2700000" algn="tl">
+                    <a:srgbClr val="000000">
+                      <a:alpha val="43137"/>
+                    </a:srgbClr>
+                  </a:outerShdw>
+                </a:effectLst>
+                <a:latin typeface="나눔바른고딕" panose="020B0603020101020101" pitchFamily="50" charset="-127"/>
+                <a:ea typeface="나눔바른고딕" panose="020B0603020101020101" pitchFamily="50" charset="-127"/>
+              </a:rPr>
+              <a:t>/ </a:t>
+            </a:r>
+            <a:r>
+              <a:rPr lang="ko-KR" altLang="en-US" sz="4000" b="1" dirty="0">
+                <a:solidFill>
+                  <a:srgbClr val="002060"/>
+                </a:solidFill>
+                <a:effectLst>
+                  <a:outerShdw blurRad="38100" dist="38100" dir="2700000" algn="tl">
+                    <a:srgbClr val="000000">
+                      <a:alpha val="43137"/>
+                    </a:srgbClr>
+                  </a:outerShdw>
+                </a:effectLst>
+                <a:latin typeface="나눔바른고딕" panose="020B0603020101020101" pitchFamily="50" charset="-127"/>
+                <a:ea typeface="나눔바른고딕" panose="020B0603020101020101" pitchFamily="50" charset="-127"/>
+              </a:rPr>
+              <a:t>환경부 국립환경인재개발원 </a:t>
+            </a:r>
+            <a:r>
+              <a:rPr lang="ko-KR" altLang="en-US" sz="4000" b="1" dirty="0" err="1">
+                <a:solidFill>
+                  <a:srgbClr val="002060"/>
+                </a:solidFill>
+                <a:effectLst>
+                  <a:outerShdw blurRad="38100" dist="38100" dir="2700000" algn="tl">
+                    <a:srgbClr val="000000">
+                      <a:alpha val="43137"/>
+                    </a:srgbClr>
+                  </a:outerShdw>
+                </a:effectLst>
+                <a:latin typeface="나눔바른고딕" panose="020B0603020101020101" pitchFamily="50" charset="-127"/>
+                <a:ea typeface="나눔바른고딕" panose="020B0603020101020101" pitchFamily="50" charset="-127"/>
+              </a:rPr>
+              <a:t>교육기획과</a:t>
+            </a:r>
+            <a:endParaRPr lang="ko-KR" altLang="en-US" sz="4000" b="1" dirty="0">
+              <a:solidFill>
+                <a:srgbClr val="002060"/>
+              </a:solidFill>
+              <a:effectLst>
+                <a:outerShdw blurRad="38100" dist="38100" dir="2700000" algn="tl">
+                  <a:srgbClr val="000000">
+                    <a:alpha val="43137"/>
+                  </a:srgbClr>
+                </a:outerShdw>
+              </a:effectLst>
+              <a:latin typeface="나눔바른고딕" panose="020B0603020101020101" pitchFamily="50" charset="-127"/>
+              <a:ea typeface="나눔바른고딕" panose="020B0603020101020101" pitchFamily="50" charset="-127"/>
+            </a:endParaRPr>
           </a:p>
         </p:txBody>
       </p:sp>
@@ -3303,7 +3419,7 @@
         <p:grpSpPr>
           <a:xfrm>
             <a:off x="409805" y="3802513"/>
-            <a:ext cx="15695553" cy="3004532"/>
+            <a:ext cx="15695553" cy="2315377"/>
             <a:chOff x="640199" y="691728"/>
             <a:chExt cx="7848872" cy="2360695"/>
           </a:xfrm>
@@ -3504,10 +3620,10 @@
         </p:nvGrpSpPr>
         <p:grpSpPr>
           <a:xfrm>
-            <a:off x="422186" y="6947758"/>
-            <a:ext cx="15695553" cy="6423700"/>
+            <a:off x="422186" y="6197946"/>
+            <a:ext cx="15695553" cy="7823061"/>
             <a:chOff x="514124" y="2066267"/>
-            <a:chExt cx="13554809" cy="13024534"/>
+            <a:chExt cx="13554809" cy="14341543"/>
           </a:xfrm>
         </p:grpSpPr>
         <p:grpSp>
@@ -3525,9 +3641,9 @@
           <p:grpSpPr>
             <a:xfrm>
               <a:off x="514124" y="2066267"/>
-              <a:ext cx="13554809" cy="12882195"/>
+              <a:ext cx="13554809" cy="11791408"/>
               <a:chOff x="646393" y="-491393"/>
-              <a:chExt cx="7848872" cy="5914415"/>
+              <a:chExt cx="7848872" cy="5413618"/>
             </a:xfrm>
           </p:grpSpPr>
           <p:sp>
@@ -3545,7 +3661,7 @@
             <p:spPr>
               <a:xfrm>
                 <a:off x="646393" y="-491393"/>
-                <a:ext cx="7848872" cy="5914415"/>
+                <a:ext cx="7848872" cy="5413618"/>
               </a:xfrm>
               <a:prstGeom prst="rect">
                 <a:avLst/>
@@ -3716,7 +3832,7 @@
           <p:spPr>
             <a:xfrm>
               <a:off x="556880" y="3203122"/>
-              <a:ext cx="13278023" cy="11887679"/>
+              <a:ext cx="13278023" cy="13204688"/>
             </a:xfrm>
             <a:prstGeom prst="rect">
               <a:avLst/>
@@ -4724,7 +4840,7 @@
                   <a:ea typeface="나눔바른고딕" panose="020B0603020101020101" pitchFamily="50" charset="-127"/>
                   <a:cs typeface="Arial" charset="0"/>
                 </a:rPr>
-                <a:t>    2) Compare 10 Statistical Machine Learning algorithm for classification based misclassification rate</a:t>
+                <a:t>    2) Compare 11 Statistical Machine Learning algorithm for classification based misclassification rate</a:t>
               </a:r>
             </a:p>
             <a:p>
@@ -4813,7 +4929,7 @@
                   <a:ea typeface="나눔바른고딕" panose="020B0603020101020101" pitchFamily="50" charset="-127"/>
                   <a:cs typeface="Arial" charset="0"/>
                 </a:rPr>
-                <a:t> `22</a:t>
+                <a:t> `21</a:t>
               </a:r>
               <a:r>
                 <a:rPr lang="ko-KR" altLang="en-US" dirty="0">
@@ -4946,7 +5062,7 @@
                   <a:ea typeface="나눔바른고딕" panose="020B0603020101020101" pitchFamily="50" charset="-127"/>
                   <a:cs typeface="Arial" charset="0"/>
                 </a:rPr>
-                <a:t>`21</a:t>
+                <a:t>`20</a:t>
               </a:r>
               <a:r>
                 <a:rPr lang="ko-KR" altLang="en-US" dirty="0">
@@ -5002,7 +5118,7 @@
                   <a:ea typeface="나눔바른고딕" panose="020B0603020101020101" pitchFamily="50" charset="-127"/>
                   <a:cs typeface="Arial" charset="0"/>
                 </a:rPr>
-                <a:t>`22</a:t>
+                <a:t>`21</a:t>
               </a:r>
               <a:r>
                 <a:rPr lang="ko-KR" altLang="en-US" dirty="0">
@@ -5307,7 +5423,7 @@
         <p:grpSpPr>
           <a:xfrm>
             <a:off x="16298704" y="3816116"/>
-            <a:ext cx="15695553" cy="31373795"/>
+            <a:ext cx="15695553" cy="31613255"/>
             <a:chOff x="504091" y="6686446"/>
             <a:chExt cx="13554809" cy="8021713"/>
           </a:xfrm>
@@ -5452,10 +5568,10 @@
         </p:nvGrpSpPr>
         <p:grpSpPr>
           <a:xfrm>
-            <a:off x="16298705" y="35330626"/>
-            <a:ext cx="15695553" cy="2695097"/>
-            <a:chOff x="504091" y="7372311"/>
-            <a:chExt cx="13554809" cy="3276676"/>
+            <a:off x="16298705" y="35429371"/>
+            <a:ext cx="15695553" cy="2596357"/>
+            <a:chOff x="504091" y="6579120"/>
+            <a:chExt cx="13554809" cy="4287180"/>
           </a:xfrm>
         </p:grpSpPr>
         <p:grpSp>
@@ -5472,10 +5588,10 @@
           </p:nvGrpSpPr>
           <p:grpSpPr>
             <a:xfrm>
-              <a:off x="504091" y="7372311"/>
-              <a:ext cx="13554809" cy="3276676"/>
-              <a:chOff x="640583" y="1944693"/>
-              <a:chExt cx="7848872" cy="1504372"/>
+              <a:off x="504091" y="6579120"/>
+              <a:ext cx="13554809" cy="4287180"/>
+              <a:chOff x="640583" y="1580527"/>
+              <a:chExt cx="7848872" cy="1968310"/>
             </a:xfrm>
           </p:grpSpPr>
           <p:sp>
@@ -5492,8 +5608,8 @@
             </p:nvSpPr>
             <p:spPr>
               <a:xfrm>
-                <a:off x="640583" y="1944693"/>
-                <a:ext cx="7848872" cy="1504372"/>
+                <a:off x="640583" y="1630257"/>
+                <a:ext cx="7848872" cy="1918580"/>
               </a:xfrm>
               <a:prstGeom prst="rect">
                 <a:avLst/>
@@ -5566,8 +5682,8 @@
             </p:nvSpPr>
             <p:spPr>
               <a:xfrm>
-                <a:off x="677276" y="1959777"/>
-                <a:ext cx="5219843" cy="321681"/>
+                <a:off x="677276" y="1580527"/>
+                <a:ext cx="5219843" cy="490710"/>
               </a:xfrm>
               <a:prstGeom prst="round2SameRect">
                 <a:avLst>
@@ -5648,8 +5764,8 @@
           </p:nvSpPr>
           <p:spPr>
             <a:xfrm>
-              <a:off x="567458" y="8119669"/>
-              <a:ext cx="13242244" cy="1470031"/>
+              <a:off x="549630" y="7647936"/>
+              <a:ext cx="13242244" cy="2636867"/>
             </a:xfrm>
             <a:prstGeom prst="rect">
               <a:avLst/>
@@ -5672,7 +5788,7 @@
                 </a:tabLst>
               </a:pPr>
               <a:r>
-                <a:rPr lang="en-US" altLang="ko-KR" dirty="0">
+                <a:rPr lang="ko-KR" altLang="en-US" dirty="0" err="1">
                   <a:solidFill>
                     <a:prstClr val="black">
                       <a:lumMod val="65000"/>
@@ -5683,7 +5799,7 @@
                   <a:ea typeface="나눔바른고딕" panose="020B0603020101020101" pitchFamily="50" charset="-127"/>
                   <a:cs typeface="Arial" charset="0"/>
                 </a:rPr>
-                <a:t>`22</a:t>
+                <a:t>오분류율을</a:t>
               </a:r>
               <a:r>
                 <a:rPr lang="ko-KR" altLang="en-US" dirty="0">
@@ -5697,7 +5813,156 @@
                   <a:ea typeface="나눔바른고딕" panose="020B0603020101020101" pitchFamily="50" charset="-127"/>
                   <a:cs typeface="Arial" charset="0"/>
                 </a:rPr>
-                <a:t>년 상반기 영산강 수계 지점의 수질악화의 주된 요인은 강수량 감소보다는 도시</a:t>
+                <a:t> 기준으로 판단했을 때 </a:t>
+              </a:r>
+              <a:r>
+                <a:rPr lang="ko-KR" altLang="en-US" dirty="0" err="1">
+                  <a:solidFill>
+                    <a:prstClr val="black">
+                      <a:lumMod val="65000"/>
+                      <a:lumOff val="35000"/>
+                    </a:prstClr>
+                  </a:solidFill>
+                  <a:latin typeface="나눔바른고딕" panose="020B0603020101020101" pitchFamily="50" charset="-127"/>
+                  <a:ea typeface="나눔바른고딕" panose="020B0603020101020101" pitchFamily="50" charset="-127"/>
+                  <a:cs typeface="Arial" charset="0"/>
+                </a:rPr>
+                <a:t>우점조류</a:t>
+              </a:r>
+              <a:r>
+                <a:rPr lang="ko-KR" altLang="en-US" dirty="0">
+                  <a:solidFill>
+                    <a:prstClr val="black">
+                      <a:lumMod val="65000"/>
+                      <a:lumOff val="35000"/>
+                    </a:prstClr>
+                  </a:solidFill>
+                  <a:latin typeface="나눔바른고딕" panose="020B0603020101020101" pitchFamily="50" charset="-127"/>
+                  <a:ea typeface="나눔바른고딕" panose="020B0603020101020101" pitchFamily="50" charset="-127"/>
+                  <a:cs typeface="Arial" charset="0"/>
+                </a:rPr>
+                <a:t> 분류에 대한 최적의 알고리즘은 조사대상지점에 따라 상이한 차이가 있었음</a:t>
+              </a:r>
+              <a:r>
+                <a:rPr lang="en-US" altLang="ko-KR" dirty="0">
+                  <a:solidFill>
+                    <a:prstClr val="black">
+                      <a:lumMod val="65000"/>
+                      <a:lumOff val="35000"/>
+                    </a:prstClr>
+                  </a:solidFill>
+                  <a:latin typeface="나눔바른고딕" panose="020B0603020101020101" pitchFamily="50" charset="-127"/>
+                  <a:ea typeface="나눔바른고딕" panose="020B0603020101020101" pitchFamily="50" charset="-127"/>
+                  <a:cs typeface="Arial" charset="0"/>
+                </a:rPr>
+                <a:t>. </a:t>
+              </a:r>
+              <a:r>
+                <a:rPr lang="ko-KR" altLang="en-US" dirty="0">
+                  <a:solidFill>
+                    <a:prstClr val="black">
+                      <a:lumMod val="65000"/>
+                      <a:lumOff val="35000"/>
+                    </a:prstClr>
+                  </a:solidFill>
+                  <a:latin typeface="나눔바른고딕" panose="020B0603020101020101" pitchFamily="50" charset="-127"/>
+                  <a:ea typeface="나눔바른고딕" panose="020B0603020101020101" pitchFamily="50" charset="-127"/>
+                  <a:cs typeface="Arial" charset="0"/>
+                </a:rPr>
+                <a:t>이는 각 지점마다 조사변수의 분포와 흐름에 차이가 존재하기 때문인 것으로 판단됨</a:t>
+              </a:r>
+              <a:r>
+                <a:rPr lang="en-US" altLang="ko-KR" dirty="0">
+                  <a:solidFill>
+                    <a:prstClr val="black">
+                      <a:lumMod val="65000"/>
+                      <a:lumOff val="35000"/>
+                    </a:prstClr>
+                  </a:solidFill>
+                  <a:latin typeface="나눔바른고딕" panose="020B0603020101020101" pitchFamily="50" charset="-127"/>
+                  <a:ea typeface="나눔바른고딕" panose="020B0603020101020101" pitchFamily="50" charset="-127"/>
+                  <a:cs typeface="Arial" charset="0"/>
+                </a:rPr>
+                <a:t>.</a:t>
+              </a:r>
+              <a:r>
+                <a:rPr lang="ko-KR" altLang="en-US" dirty="0">
+                  <a:solidFill>
+                    <a:prstClr val="black">
+                      <a:lumMod val="65000"/>
+                      <a:lumOff val="35000"/>
+                    </a:prstClr>
+                  </a:solidFill>
+                  <a:latin typeface="나눔바른고딕" panose="020B0603020101020101" pitchFamily="50" charset="-127"/>
+                  <a:ea typeface="나눔바른고딕" panose="020B0603020101020101" pitchFamily="50" charset="-127"/>
+                  <a:cs typeface="Arial" charset="0"/>
+                </a:rPr>
+                <a:t> </a:t>
+              </a:r>
+              <a:endParaRPr lang="en-US" altLang="ko-KR" dirty="0">
+                <a:solidFill>
+                  <a:prstClr val="black">
+                    <a:lumMod val="65000"/>
+                    <a:lumOff val="35000"/>
+                  </a:prstClr>
+                </a:solidFill>
+                <a:latin typeface="나눔바른고딕" panose="020B0603020101020101" pitchFamily="50" charset="-127"/>
+                <a:ea typeface="나눔바른고딕" panose="020B0603020101020101" pitchFamily="50" charset="-127"/>
+                <a:cs typeface="Arial" charset="0"/>
+              </a:endParaRPr>
+            </a:p>
+            <a:p>
+              <a:pPr marL="361950" indent="-361950" defTabSz="914400" fontAlgn="base">
+                <a:lnSpc>
+                  <a:spcPct val="140000"/>
+                </a:lnSpc>
+                <a:buFont typeface="Arial" panose="020B0604020202020204" pitchFamily="34" charset="0"/>
+                <a:buChar char="•"/>
+                <a:tabLst>
+                  <a:tab pos="4823460" algn="r"/>
+                </a:tabLst>
+              </a:pPr>
+              <a:r>
+                <a:rPr lang="ko-KR" altLang="en-US" dirty="0">
+                  <a:solidFill>
+                    <a:prstClr val="black">
+                      <a:lumMod val="65000"/>
+                      <a:lumOff val="35000"/>
+                    </a:prstClr>
+                  </a:solidFill>
+                  <a:latin typeface="나눔바른고딕" panose="020B0603020101020101" pitchFamily="50" charset="-127"/>
+                  <a:ea typeface="나눔바른고딕" panose="020B0603020101020101" pitchFamily="50" charset="-127"/>
+                  <a:cs typeface="Arial" charset="0"/>
+                </a:rPr>
+                <a:t>본 연구에 적용된 </a:t>
+              </a:r>
+              <a:r>
+                <a:rPr lang="ko-KR" altLang="en-US" dirty="0" err="1">
+                  <a:solidFill>
+                    <a:prstClr val="black">
+                      <a:lumMod val="65000"/>
+                      <a:lumOff val="35000"/>
+                    </a:prstClr>
+                  </a:solidFill>
+                  <a:latin typeface="나눔바른고딕" panose="020B0603020101020101" pitchFamily="50" charset="-127"/>
+                  <a:ea typeface="나눔바른고딕" panose="020B0603020101020101" pitchFamily="50" charset="-127"/>
+                  <a:cs typeface="Arial" charset="0"/>
+                </a:rPr>
+                <a:t>수질항목</a:t>
+              </a:r>
+              <a:r>
+                <a:rPr lang="ko-KR" altLang="en-US" dirty="0">
+                  <a:solidFill>
+                    <a:prstClr val="black">
+                      <a:lumMod val="65000"/>
+                      <a:lumOff val="35000"/>
+                    </a:prstClr>
+                  </a:solidFill>
+                  <a:latin typeface="나눔바른고딕" panose="020B0603020101020101" pitchFamily="50" charset="-127"/>
+                  <a:ea typeface="나눔바른고딕" panose="020B0603020101020101" pitchFamily="50" charset="-127"/>
+                  <a:cs typeface="Arial" charset="0"/>
+                </a:rPr>
+                <a:t> 및 수리</a:t>
               </a:r>
               <a:r>
                 <a:rPr lang="en-US" altLang="ko-KR" dirty="0">
@@ -5725,7 +5990,7 @@
                   <a:ea typeface="나눔바른고딕" panose="020B0603020101020101" pitchFamily="50" charset="-127"/>
                   <a:cs typeface="Arial" charset="0"/>
                 </a:rPr>
-                <a:t>농업지역을 중심으로 나타나는 비점오염원과 이를 처리하는 하수처리장에서 나오는 </a:t>
+                <a:t>수문 관련 변수 이외에 더 다양한 측정변수를 적용하여 분석한다면 좀 더 신뢰성 있는 데이터에 대한 분석을 통해 </a:t>
               </a:r>
               <a:r>
                 <a:rPr lang="ko-KR" altLang="en-US" dirty="0" err="1">
@@ -5739,7 +6004,7 @@
                   <a:ea typeface="나눔바른고딕" panose="020B0603020101020101" pitchFamily="50" charset="-127"/>
                   <a:cs typeface="Arial" charset="0"/>
                 </a:rPr>
-                <a:t>방류수라고</a:t>
+                <a:t>우점조류를</a:t>
               </a:r>
               <a:r>
                 <a:rPr lang="ko-KR" altLang="en-US" dirty="0">
@@ -5753,47 +6018,7 @@
                   <a:ea typeface="나눔바른고딕" panose="020B0603020101020101" pitchFamily="50" charset="-127"/>
                   <a:cs typeface="Arial" charset="0"/>
                 </a:rPr>
-                <a:t> 판단됨</a:t>
-              </a:r>
-              <a:r>
-                <a:rPr lang="en-US" altLang="ko-KR" dirty="0">
-                  <a:solidFill>
-                    <a:prstClr val="black">
-                      <a:lumMod val="65000"/>
-                      <a:lumOff val="35000"/>
-                    </a:prstClr>
-                  </a:solidFill>
-                  <a:latin typeface="나눔바른고딕" panose="020B0603020101020101" pitchFamily="50" charset="-127"/>
-                  <a:ea typeface="나눔바른고딕" panose="020B0603020101020101" pitchFamily="50" charset="-127"/>
-                  <a:cs typeface="Arial" charset="0"/>
-                </a:rPr>
-                <a:t>.</a:t>
-              </a:r>
-            </a:p>
-            <a:p>
-              <a:pPr marL="361950" indent="-361950" defTabSz="914400" fontAlgn="base">
-                <a:lnSpc>
-                  <a:spcPct val="140000"/>
-                </a:lnSpc>
-                <a:buFont typeface="Arial" panose="020B0604020202020204" pitchFamily="34" charset="0"/>
-                <a:buChar char="•"/>
-                <a:tabLst>
-                  <a:tab pos="4823460" algn="r"/>
-                </a:tabLst>
-              </a:pPr>
-              <a:r>
-                <a:rPr lang="ko-KR" altLang="en-US" dirty="0">
-                  <a:solidFill>
-                    <a:prstClr val="black">
-                      <a:lumMod val="65000"/>
-                      <a:lumOff val="35000"/>
-                    </a:prstClr>
-                  </a:solidFill>
-                  <a:latin typeface="나눔바른고딕" panose="020B0603020101020101" pitchFamily="50" charset="-127"/>
-                  <a:ea typeface="나눔바른고딕" panose="020B0603020101020101" pitchFamily="50" charset="-127"/>
-                  <a:cs typeface="Arial" charset="0"/>
-                </a:rPr>
-                <a:t>이러한 분석 결과를 바탕으로 수질개선을 위해 비점오염원에 대한 관리방안을 수립할 필요성이 있다고 볼 수 있음</a:t>
+                <a:t> 분류하는 데 있어 더 좋은 알고리즘을 제안할 수 있을 것으로 여겨짐</a:t>
               </a:r>
               <a:r>
                 <a:rPr lang="en-US" altLang="ko-KR" dirty="0">
@@ -5878,7 +6103,7 @@
         </p:blipFill>
         <p:spPr>
           <a:xfrm>
-            <a:off x="12824038" y="8077199"/>
+            <a:off x="12717418" y="7382789"/>
             <a:ext cx="3228365" cy="4657325"/>
           </a:xfrm>
           <a:prstGeom prst="rect">
@@ -5894,7 +6119,7 @@
         </p:nvSpPr>
         <p:spPr>
           <a:xfrm>
-            <a:off x="12914242" y="12716869"/>
+            <a:off x="12840501" y="12006034"/>
             <a:ext cx="3072039" cy="461665"/>
           </a:xfrm>
           <a:prstGeom prst="rect">
@@ -5981,10 +6206,10 @@
         </p:nvGrpSpPr>
         <p:grpSpPr>
           <a:xfrm>
-            <a:off x="409804" y="13371458"/>
-            <a:ext cx="15695553" cy="24654269"/>
-            <a:chOff x="590431" y="4235035"/>
-            <a:chExt cx="13554809" cy="18030975"/>
+            <a:off x="409802" y="12710010"/>
+            <a:ext cx="15695555" cy="25315718"/>
+            <a:chOff x="590429" y="4235035"/>
+            <a:chExt cx="13554811" cy="18030975"/>
           </a:xfrm>
         </p:grpSpPr>
         <p:grpSp>
@@ -6179,8 +6404,8 @@
               </p:nvSpPr>
               <p:spPr>
                 <a:xfrm>
-                  <a:off x="618412" y="4850168"/>
-                  <a:ext cx="13242244" cy="12774234"/>
+                  <a:off x="590429" y="4744270"/>
+                  <a:ext cx="13242244" cy="11673775"/>
                 </a:xfrm>
                 <a:prstGeom prst="rect">
                   <a:avLst/>
@@ -6322,7 +6547,7 @@
                       <a:ea typeface="나눔바른고딕" panose="020B0603020101020101" pitchFamily="50" charset="-127"/>
                       <a:cs typeface="Arial" charset="0"/>
                     </a:rPr>
-                    <a:t>  - `17~`22</a:t>
+                    <a:t>  - `17~`21</a:t>
                   </a:r>
                   <a:r>
                     <a:rPr lang="ko-KR" altLang="en-US" dirty="0">
@@ -6457,7 +6682,7 @@
                       <a:ea typeface="나눔바른고딕" panose="020B0603020101020101" pitchFamily="50" charset="-127"/>
                       <a:cs typeface="Arial" charset="0"/>
                     </a:rPr>
-                    <a:t> 생물화학적 산소요구량</a:t>
+                    <a:t> 수질의 상태를 파악하는 데 필요한 대표적인 수질항목들 중 생물화학적 산소요구량</a:t>
                   </a:r>
                   <a:r>
                     <a:rPr lang="en-US" altLang="ko-KR" dirty="0">
@@ -6471,7 +6696,7 @@
                       <a:ea typeface="나눔바른고딕" panose="020B0603020101020101" pitchFamily="50" charset="-127"/>
                       <a:cs typeface="Arial" charset="0"/>
                     </a:rPr>
-                    <a:t>(BOD)</a:t>
+                    <a:t>(BOD),</a:t>
                   </a:r>
                   <a:r>
                     <a:rPr lang="ko-KR" altLang="en-US" dirty="0">
@@ -6485,7 +6710,7 @@
                       <a:ea typeface="나눔바른고딕" panose="020B0603020101020101" pitchFamily="50" charset="-127"/>
                       <a:cs typeface="Arial" charset="0"/>
                     </a:rPr>
-                    <a:t>과 생화학적 산소요구량</a:t>
+                    <a:t> 생화학적 산소요구량</a:t>
                   </a:r>
                   <a:r>
                     <a:rPr lang="en-US" altLang="ko-KR" dirty="0">
@@ -6499,7 +6724,35 @@
                       <a:ea typeface="나눔바른고딕" panose="020B0603020101020101" pitchFamily="50" charset="-127"/>
                       <a:cs typeface="Arial" charset="0"/>
                     </a:rPr>
-                    <a:t>(COD)</a:t>
+                    <a:t>(COD), </a:t>
+                  </a:r>
+                  <a:r>
+                    <a:rPr lang="ko-KR" altLang="en-US" dirty="0" err="1">
+                      <a:solidFill>
+                        <a:prstClr val="black">
+                          <a:lumMod val="65000"/>
+                          <a:lumOff val="35000"/>
+                        </a:prstClr>
+                      </a:solidFill>
+                      <a:latin typeface="나눔바른고딕" panose="020B0603020101020101" pitchFamily="50" charset="-127"/>
+                      <a:ea typeface="나눔바른고딕" panose="020B0603020101020101" pitchFamily="50" charset="-127"/>
+                      <a:cs typeface="Arial" charset="0"/>
+                    </a:rPr>
+                    <a:t>총질소</a:t>
+                  </a:r>
+                  <a:r>
+                    <a:rPr lang="en-US" altLang="ko-KR" dirty="0">
+                      <a:solidFill>
+                        <a:prstClr val="black">
+                          <a:lumMod val="65000"/>
+                          <a:lumOff val="35000"/>
+                        </a:prstClr>
+                      </a:solidFill>
+                      <a:latin typeface="나눔바른고딕" panose="020B0603020101020101" pitchFamily="50" charset="-127"/>
+                      <a:ea typeface="나눔바른고딕" panose="020B0603020101020101" pitchFamily="50" charset="-127"/>
+                      <a:cs typeface="Arial" charset="0"/>
+                    </a:rPr>
+                    <a:t>(T-N),</a:t>
                   </a:r>
                   <a:r>
                     <a:rPr lang="ko-KR" altLang="en-US" dirty="0">
@@ -6513,7 +6766,147 @@
                       <a:ea typeface="나눔바른고딕" panose="020B0603020101020101" pitchFamily="50" charset="-127"/>
                       <a:cs typeface="Arial" charset="0"/>
                     </a:rPr>
-                    <a:t>은 이 시기에 서로 비슷한 패턴을 보이고 있음</a:t>
+                    <a:t> 총인</a:t>
+                  </a:r>
+                  <a:r>
+                    <a:rPr lang="en-US" altLang="ko-KR" dirty="0">
+                      <a:solidFill>
+                        <a:prstClr val="black">
+                          <a:lumMod val="65000"/>
+                          <a:lumOff val="35000"/>
+                        </a:prstClr>
+                      </a:solidFill>
+                      <a:latin typeface="나눔바른고딕" panose="020B0603020101020101" pitchFamily="50" charset="-127"/>
+                      <a:ea typeface="나눔바른고딕" panose="020B0603020101020101" pitchFamily="50" charset="-127"/>
+                      <a:cs typeface="Arial" charset="0"/>
+                    </a:rPr>
+                    <a:t>(T-N), </a:t>
+                  </a:r>
+                  <a:r>
+                    <a:rPr lang="ko-KR" altLang="en-US" dirty="0">
+                      <a:solidFill>
+                        <a:prstClr val="black">
+                          <a:lumMod val="65000"/>
+                          <a:lumOff val="35000"/>
+                        </a:prstClr>
+                      </a:solidFill>
+                      <a:latin typeface="나눔바른고딕" panose="020B0603020101020101" pitchFamily="50" charset="-127"/>
+                      <a:ea typeface="나눔바른고딕" panose="020B0603020101020101" pitchFamily="50" charset="-127"/>
+                      <a:cs typeface="Arial" charset="0"/>
+                    </a:rPr>
+                    <a:t>총유기탄소</a:t>
+                  </a:r>
+                  <a:r>
+                    <a:rPr lang="en-US" altLang="ko-KR" dirty="0">
+                      <a:solidFill>
+                        <a:prstClr val="black">
+                          <a:lumMod val="65000"/>
+                          <a:lumOff val="35000"/>
+                        </a:prstClr>
+                      </a:solidFill>
+                      <a:latin typeface="나눔바른고딕" panose="020B0603020101020101" pitchFamily="50" charset="-127"/>
+                      <a:ea typeface="나눔바른고딕" panose="020B0603020101020101" pitchFamily="50" charset="-127"/>
+                      <a:cs typeface="Arial" charset="0"/>
+                    </a:rPr>
+                    <a:t>(TOC), </a:t>
+                  </a:r>
+                  <a:r>
+                    <a:rPr lang="ko-KR" altLang="en-US" dirty="0">
+                      <a:solidFill>
+                        <a:prstClr val="black">
+                          <a:lumMod val="65000"/>
+                          <a:lumOff val="35000"/>
+                        </a:prstClr>
+                      </a:solidFill>
+                      <a:latin typeface="나눔바른고딕" panose="020B0603020101020101" pitchFamily="50" charset="-127"/>
+                      <a:ea typeface="나눔바른고딕" panose="020B0603020101020101" pitchFamily="50" charset="-127"/>
+                      <a:cs typeface="Arial" charset="0"/>
+                    </a:rPr>
+                    <a:t>부유물질량</a:t>
+                  </a:r>
+                  <a:r>
+                    <a:rPr lang="en-US" altLang="ko-KR" dirty="0">
+                      <a:solidFill>
+                        <a:prstClr val="black">
+                          <a:lumMod val="65000"/>
+                          <a:lumOff val="35000"/>
+                        </a:prstClr>
+                      </a:solidFill>
+                      <a:latin typeface="나눔바른고딕" panose="020B0603020101020101" pitchFamily="50" charset="-127"/>
+                      <a:ea typeface="나눔바른고딕" panose="020B0603020101020101" pitchFamily="50" charset="-127"/>
+                      <a:cs typeface="Arial" charset="0"/>
+                    </a:rPr>
+                    <a:t>(SS), </a:t>
+                  </a:r>
+                  <a:r>
+                    <a:rPr lang="ko-KR" altLang="en-US" dirty="0">
+                      <a:solidFill>
+                        <a:prstClr val="black">
+                          <a:lumMod val="65000"/>
+                          <a:lumOff val="35000"/>
+                        </a:prstClr>
+                      </a:solidFill>
+                      <a:latin typeface="나눔바른고딕" panose="020B0603020101020101" pitchFamily="50" charset="-127"/>
+                      <a:ea typeface="나눔바른고딕" panose="020B0603020101020101" pitchFamily="50" charset="-127"/>
+                      <a:cs typeface="Arial" charset="0"/>
+                    </a:rPr>
+                    <a:t>그리고 전기전도도</a:t>
+                  </a:r>
+                  <a:r>
+                    <a:rPr lang="en-US" altLang="ko-KR" dirty="0">
+                      <a:solidFill>
+                        <a:prstClr val="black">
+                          <a:lumMod val="65000"/>
+                          <a:lumOff val="35000"/>
+                        </a:prstClr>
+                      </a:solidFill>
+                      <a:latin typeface="나눔바른고딕" panose="020B0603020101020101" pitchFamily="50" charset="-127"/>
+                      <a:ea typeface="나눔바른고딕" panose="020B0603020101020101" pitchFamily="50" charset="-127"/>
+                      <a:cs typeface="Arial" charset="0"/>
+                    </a:rPr>
+                    <a:t>(EC)</a:t>
+                  </a:r>
+                  <a:r>
+                    <a:rPr lang="ko-KR" altLang="en-US" dirty="0">
+                      <a:solidFill>
+                        <a:prstClr val="black">
+                          <a:lumMod val="65000"/>
+                          <a:lumOff val="35000"/>
+                        </a:prstClr>
+                      </a:solidFill>
+                      <a:latin typeface="나눔바른고딕" panose="020B0603020101020101" pitchFamily="50" charset="-127"/>
+                      <a:ea typeface="나눔바른고딕" panose="020B0603020101020101" pitchFamily="50" charset="-127"/>
+                      <a:cs typeface="Arial" charset="0"/>
+                    </a:rPr>
+                    <a:t>가 이 시기에 서로 비슷한 패턴을 나타내는 것으로 보아 서로 관련성이 있는 </a:t>
+                  </a:r>
+                  <a:r>
+                    <a:rPr lang="ko-KR" altLang="en-US" dirty="0" err="1">
+                      <a:solidFill>
+                        <a:prstClr val="black">
+                          <a:lumMod val="65000"/>
+                          <a:lumOff val="35000"/>
+                        </a:prstClr>
+                      </a:solidFill>
+                      <a:latin typeface="나눔바른고딕" panose="020B0603020101020101" pitchFamily="50" charset="-127"/>
+                      <a:ea typeface="나눔바른고딕" panose="020B0603020101020101" pitchFamily="50" charset="-127"/>
+                      <a:cs typeface="Arial" charset="0"/>
+                    </a:rPr>
+                    <a:t>수질항목들끼리는</a:t>
+                  </a:r>
+                  <a:r>
+                    <a:rPr lang="ko-KR" altLang="en-US" dirty="0">
+                      <a:solidFill>
+                        <a:prstClr val="black">
+                          <a:lumMod val="65000"/>
+                          <a:lumOff val="35000"/>
+                        </a:prstClr>
+                      </a:solidFill>
+                      <a:latin typeface="나눔바른고딕" panose="020B0603020101020101" pitchFamily="50" charset="-127"/>
+                      <a:ea typeface="나눔바른고딕" panose="020B0603020101020101" pitchFamily="50" charset="-127"/>
+                      <a:cs typeface="Arial" charset="0"/>
+                    </a:rPr>
+                    <a:t> 비슷한 변화를 보인다고 판단할 수 있음</a:t>
                   </a:r>
                   <a:r>
                     <a:rPr lang="en-US" altLang="ko-KR" dirty="0">
@@ -6531,7 +6924,7 @@
                   </a:r>
                 </a:p>
                 <a:p>
-                  <a:pPr marL="457200" indent="-14288" defTabSz="914400" fontAlgn="base">
+                  <a:pPr marL="457200" lvl="0" indent="-14288" defTabSz="914400" fontAlgn="base">
                     <a:lnSpc>
                       <a:spcPct val="140000"/>
                     </a:lnSpc>
@@ -6567,7 +6960,35 @@
                       <a:ea typeface="나눔바른고딕" panose="020B0603020101020101" pitchFamily="50" charset="-127"/>
                       <a:cs typeface="Arial" charset="0"/>
                     </a:rPr>
-                    <a:t>그리고 </a:t>
+                    <a:t>그리고 수리</a:t>
+                  </a:r>
+                  <a:r>
+                    <a:rPr lang="en-US" altLang="ko-KR" dirty="0">
+                      <a:solidFill>
+                        <a:prstClr val="black">
+                          <a:lumMod val="65000"/>
+                          <a:lumOff val="35000"/>
+                        </a:prstClr>
+                      </a:solidFill>
+                      <a:latin typeface="나눔바른고딕" panose="020B0603020101020101" pitchFamily="50" charset="-127"/>
+                      <a:ea typeface="나눔바른고딕" panose="020B0603020101020101" pitchFamily="50" charset="-127"/>
+                      <a:cs typeface="Arial" charset="0"/>
+                    </a:rPr>
+                    <a:t>, </a:t>
+                  </a:r>
+                  <a:r>
+                    <a:rPr lang="ko-KR" altLang="en-US" dirty="0">
+                      <a:solidFill>
+                        <a:prstClr val="black">
+                          <a:lumMod val="65000"/>
+                          <a:lumOff val="35000"/>
+                        </a:prstClr>
+                      </a:solidFill>
+                      <a:latin typeface="나눔바른고딕" panose="020B0603020101020101" pitchFamily="50" charset="-127"/>
+                      <a:ea typeface="나눔바른고딕" panose="020B0603020101020101" pitchFamily="50" charset="-127"/>
+                      <a:cs typeface="Arial" charset="0"/>
+                    </a:rPr>
+                    <a:t>수문 관련 변수인 </a:t>
                   </a:r>
                   <a:r>
                     <a:rPr lang="ko-KR" altLang="en-US" dirty="0" err="1">
@@ -6581,7 +7002,7 @@
                       <a:ea typeface="나눔바른고딕" panose="020B0603020101020101" pitchFamily="50" charset="-127"/>
                       <a:cs typeface="Arial" charset="0"/>
                     </a:rPr>
-                    <a:t>총질소</a:t>
+                    <a:t>저수위</a:t>
                   </a:r>
                   <a:r>
                     <a:rPr lang="en-US" altLang="ko-KR" dirty="0">
@@ -6595,7 +7016,7 @@
                       <a:ea typeface="나눔바른고딕" panose="020B0603020101020101" pitchFamily="50" charset="-127"/>
                       <a:cs typeface="Arial" charset="0"/>
                     </a:rPr>
-                    <a:t>(T-N)</a:t>
+                    <a:t>(low)</a:t>
                   </a:r>
                   <a:r>
                     <a:rPr lang="ko-KR" altLang="en-US" dirty="0">
@@ -6609,7 +7030,7 @@
                       <a:ea typeface="나눔바른고딕" panose="020B0603020101020101" pitchFamily="50" charset="-127"/>
                       <a:cs typeface="Arial" charset="0"/>
                     </a:rPr>
-                    <a:t>와 총인</a:t>
+                    <a:t>와 저수량</a:t>
                   </a:r>
                   <a:r>
                     <a:rPr lang="en-US" altLang="ko-KR" dirty="0">
@@ -6623,7 +7044,7 @@
                       <a:ea typeface="나눔바른고딕" panose="020B0603020101020101" pitchFamily="50" charset="-127"/>
                       <a:cs typeface="Arial" charset="0"/>
                     </a:rPr>
-                    <a:t>(T-P)</a:t>
+                    <a:t>(reservoir)</a:t>
                   </a:r>
                   <a:r>
                     <a:rPr lang="ko-KR" altLang="en-US" dirty="0">
@@ -6637,61 +7058,7 @@
                       <a:ea typeface="나눔바른고딕" panose="020B0603020101020101" pitchFamily="50" charset="-127"/>
                       <a:cs typeface="Arial" charset="0"/>
                     </a:rPr>
-                    <a:t>의 경우도 이 시기에 서로 비슷한 패턴을 나타냄</a:t>
-                  </a:r>
-                  <a:r>
-                    <a:rPr lang="en-US" altLang="ko-KR" dirty="0">
-                      <a:solidFill>
-                        <a:prstClr val="black">
-                          <a:lumMod val="65000"/>
-                          <a:lumOff val="35000"/>
-                        </a:prstClr>
-                      </a:solidFill>
-                      <a:latin typeface="나눔바른고딕" panose="020B0603020101020101" pitchFamily="50" charset="-127"/>
-                      <a:ea typeface="나눔바른고딕" panose="020B0603020101020101" pitchFamily="50" charset="-127"/>
-                      <a:cs typeface="Arial" charset="0"/>
-                    </a:rPr>
-                    <a:t>. </a:t>
-                  </a:r>
-                </a:p>
-                <a:p>
-                  <a:pPr marL="457200" indent="-14288" defTabSz="914400" fontAlgn="base">
-                    <a:lnSpc>
-                      <a:spcPct val="140000"/>
-                    </a:lnSpc>
-                    <a:buFont typeface="Wingdings" panose="05000000000000000000" pitchFamily="2" charset="2"/>
-                    <a:buChar char="ü"/>
-                    <a:tabLst>
-                      <a:tab pos="4823460" algn="r"/>
-                    </a:tabLst>
-                  </a:pPr>
-                  <a:r>
-                    <a:rPr lang="en-US" altLang="ko-KR" dirty="0">
-                      <a:solidFill>
-                        <a:prstClr val="black">
-                          <a:lumMod val="65000"/>
-                          <a:lumOff val="35000"/>
-                        </a:prstClr>
-                      </a:solidFill>
-                      <a:latin typeface="나눔바른고딕" panose="020B0603020101020101" pitchFamily="50" charset="-127"/>
-                      <a:ea typeface="나눔바른고딕" panose="020B0603020101020101" pitchFamily="50" charset="-127"/>
-                      <a:cs typeface="Arial" charset="0"/>
-                    </a:rPr>
-                    <a:t> </a:t>
-                  </a:r>
-                  <a:r>
-                    <a:rPr lang="ko-KR" altLang="en-US" dirty="0">
-                      <a:solidFill>
-                        <a:prstClr val="black">
-                          <a:lumMod val="65000"/>
-                          <a:lumOff val="35000"/>
-                        </a:prstClr>
-                      </a:solidFill>
-                      <a:latin typeface="나눔바른고딕" panose="020B0603020101020101" pitchFamily="50" charset="-127"/>
-                      <a:ea typeface="나눔바른고딕" panose="020B0603020101020101" pitchFamily="50" charset="-127"/>
-                      <a:cs typeface="Arial" charset="0"/>
-                    </a:rPr>
-                    <a:t>결과적으로 수질의 상태를 파악하는 데 필요한 대표적인 수질항목들은 전체적으로 서로 관련성이 있는 항목들끼리 비슷한 변화를 보인다고 판단할 수 있음</a:t>
+                    <a:t>도 이 시기에 서로 비슷한 패턴을 나타내고 있음을 확인할 수 있음</a:t>
                   </a:r>
                   <a:r>
                     <a:rPr lang="en-US" altLang="ko-KR" dirty="0">
@@ -6707,29 +7074,6 @@
                     </a:rPr>
                     <a:t>.</a:t>
                   </a:r>
-                </a:p>
-                <a:p>
-                  <a:pPr marL="457200" indent="-14288" defTabSz="914400" fontAlgn="base">
-                    <a:lnSpc>
-                      <a:spcPct val="140000"/>
-                    </a:lnSpc>
-                    <a:buFont typeface="Wingdings" panose="05000000000000000000" pitchFamily="2" charset="2"/>
-                    <a:buChar char="ü"/>
-                    <a:tabLst>
-                      <a:tab pos="4823460" algn="r"/>
-                    </a:tabLst>
-                  </a:pPr>
-                  <a:endParaRPr lang="en-US" altLang="ko-KR" sz="3200" dirty="0">
-                    <a:solidFill>
-                      <a:prstClr val="black">
-                        <a:lumMod val="65000"/>
-                        <a:lumOff val="35000"/>
-                      </a:prstClr>
-                    </a:solidFill>
-                    <a:latin typeface="나눔바른고딕" panose="020B0603020101020101" pitchFamily="50" charset="-127"/>
-                    <a:ea typeface="나눔바른고딕" panose="020B0603020101020101" pitchFamily="50" charset="-127"/>
-                    <a:cs typeface="Arial" charset="0"/>
-                  </a:endParaRPr>
                 </a:p>
                 <a:p>
                   <a:pPr marL="457200" indent="-14288" defTabSz="914400" fontAlgn="base">
@@ -6868,73 +7212,12 @@
                   </a:endParaRPr>
                 </a:p>
                 <a:p>
-                  <a:pPr lvl="0" defTabSz="914400" fontAlgn="base">
+                  <a:pPr marL="361950" lvl="0" indent="-361950" defTabSz="914400" fontAlgn="base">
                     <a:lnSpc>
                       <a:spcPct val="140000"/>
                     </a:lnSpc>
-                    <a:tabLst>
-                      <a:tab pos="4823460" algn="r"/>
-                    </a:tabLst>
-                  </a:pPr>
-                  <a:endParaRPr lang="en-US" altLang="ko-KR" dirty="0">
-                    <a:solidFill>
-                      <a:prstClr val="black">
-                        <a:lumMod val="65000"/>
-                        <a:lumOff val="35000"/>
-                      </a:prstClr>
-                    </a:solidFill>
-                    <a:latin typeface="나눔바른고딕" panose="020B0603020101020101" pitchFamily="50" charset="-127"/>
-                    <a:ea typeface="나눔바른고딕" panose="020B0603020101020101" pitchFamily="50" charset="-127"/>
-                    <a:cs typeface="Arial" charset="0"/>
-                  </a:endParaRPr>
-                </a:p>
-                <a:p>
-                  <a:pPr lvl="0" defTabSz="914400" fontAlgn="base">
-                    <a:lnSpc>
-                      <a:spcPct val="140000"/>
-                    </a:lnSpc>
-                    <a:tabLst>
-                      <a:tab pos="4823460" algn="r"/>
-                    </a:tabLst>
-                  </a:pPr>
-                  <a:endParaRPr lang="en-US" altLang="ko-KR" dirty="0">
-                    <a:solidFill>
-                      <a:prstClr val="black">
-                        <a:lumMod val="65000"/>
-                        <a:lumOff val="35000"/>
-                      </a:prstClr>
-                    </a:solidFill>
-                    <a:latin typeface="나눔바른고딕" panose="020B0603020101020101" pitchFamily="50" charset="-127"/>
-                    <a:ea typeface="나눔바른고딕" panose="020B0603020101020101" pitchFamily="50" charset="-127"/>
-                    <a:cs typeface="Arial" charset="0"/>
-                  </a:endParaRPr>
-                </a:p>
-                <a:p>
-                  <a:pPr lvl="0" defTabSz="914400" fontAlgn="base">
-                    <a:lnSpc>
-                      <a:spcPct val="140000"/>
-                    </a:lnSpc>
-                    <a:tabLst>
-                      <a:tab pos="4823460" algn="r"/>
-                    </a:tabLst>
-                  </a:pPr>
-                  <a:endParaRPr lang="en-US" altLang="ko-KR" dirty="0">
-                    <a:solidFill>
-                      <a:prstClr val="black">
-                        <a:lumMod val="65000"/>
-                        <a:lumOff val="35000"/>
-                      </a:prstClr>
-                    </a:solidFill>
-                    <a:latin typeface="나눔바른고딕" panose="020B0603020101020101" pitchFamily="50" charset="-127"/>
-                    <a:ea typeface="나눔바른고딕" panose="020B0603020101020101" pitchFamily="50" charset="-127"/>
-                    <a:cs typeface="Arial" charset="0"/>
-                  </a:endParaRPr>
-                </a:p>
-                <a:p>
-                  <a:pPr lvl="0" defTabSz="914400" fontAlgn="base">
-                    <a:lnSpc>
-                      <a:spcPct val="140000"/>
-                    </a:lnSpc>
+                    <a:buFont typeface="Arial" panose="020B0604020202020204" pitchFamily="34" charset="0"/>
+                    <a:buChar char="•"/>
                     <a:tabLst>
                       <a:tab pos="4823460" algn="r"/>
                     </a:tabLst>
@@ -6974,7 +7257,7 @@
                       <a:ea typeface="나눔바른고딕" panose="020B0603020101020101" pitchFamily="50" charset="-127"/>
                       <a:cs typeface="Arial" charset="0"/>
                     </a:rPr>
-                    <a:t>Compare 10 Statistical Machine Learning algorithm for classification based misclassification rate</a:t>
+                    <a:t>Compare 11 Statistical Machine Learning algorithm for classification based misclassification rate</a:t>
                   </a:r>
                 </a:p>
                 <a:p>
@@ -10599,7 +10882,119 @@
                       <a:ea typeface="나눔바른고딕" panose="020B0603020101020101" pitchFamily="50" charset="-127"/>
                       <a:cs typeface="Arial" charset="0"/>
                     </a:rPr>
-                    <a:t>을 적용하였음</a:t>
+                    <a:t>을 적용하였으며</a:t>
+                  </a:r>
+                  <a:r>
+                    <a:rPr lang="en-US" altLang="ko-KR" dirty="0">
+                      <a:solidFill>
+                        <a:prstClr val="black">
+                          <a:lumMod val="65000"/>
+                          <a:lumOff val="35000"/>
+                        </a:prstClr>
+                      </a:solidFill>
+                      <a:latin typeface="나눔바른고딕" panose="020B0603020101020101" pitchFamily="50" charset="-127"/>
+                      <a:ea typeface="나눔바른고딕" panose="020B0603020101020101" pitchFamily="50" charset="-127"/>
+                      <a:cs typeface="Arial" charset="0"/>
+                    </a:rPr>
+                    <a:t>,</a:t>
+                  </a:r>
+                  <a:r>
+                    <a:rPr lang="ko-KR" altLang="en-US" dirty="0">
+                      <a:solidFill>
+                        <a:prstClr val="black">
+                          <a:lumMod val="65000"/>
+                          <a:lumOff val="35000"/>
+                        </a:prstClr>
+                      </a:solidFill>
+                      <a:latin typeface="나눔바른고딕" panose="020B0603020101020101" pitchFamily="50" charset="-127"/>
+                      <a:ea typeface="나눔바른고딕" panose="020B0603020101020101" pitchFamily="50" charset="-127"/>
+                      <a:cs typeface="Arial" charset="0"/>
+                    </a:rPr>
+                    <a:t> </a:t>
+                  </a:r>
+                  <a:r>
+                    <a:rPr lang="en-US" altLang="ko-KR" dirty="0">
+                      <a:solidFill>
+                        <a:prstClr val="black">
+                          <a:lumMod val="65000"/>
+                          <a:lumOff val="35000"/>
+                        </a:prstClr>
+                      </a:solidFill>
+                      <a:latin typeface="나눔바른고딕" panose="020B0603020101020101" pitchFamily="50" charset="-127"/>
+                      <a:ea typeface="나눔바른고딕" panose="020B0603020101020101" pitchFamily="50" charset="-127"/>
+                      <a:cs typeface="Arial" charset="0"/>
+                    </a:rPr>
+                    <a:t>test data</a:t>
+                  </a:r>
+                  <a:r>
+                    <a:rPr lang="ko-KR" altLang="en-US" dirty="0">
+                      <a:solidFill>
+                        <a:prstClr val="black">
+                          <a:lumMod val="65000"/>
+                          <a:lumOff val="35000"/>
+                        </a:prstClr>
+                      </a:solidFill>
+                      <a:latin typeface="나눔바른고딕" panose="020B0603020101020101" pitchFamily="50" charset="-127"/>
+                      <a:ea typeface="나눔바른고딕" panose="020B0603020101020101" pitchFamily="50" charset="-127"/>
+                      <a:cs typeface="Arial" charset="0"/>
+                    </a:rPr>
+                    <a:t>에 대한 </a:t>
+                  </a:r>
+                  <a:r>
+                    <a:rPr lang="en-US" altLang="ko-KR" dirty="0" err="1">
+                      <a:solidFill>
+                        <a:prstClr val="black">
+                          <a:lumMod val="65000"/>
+                          <a:lumOff val="35000"/>
+                        </a:prstClr>
+                      </a:solidFill>
+                      <a:latin typeface="나눔바른고딕" panose="020B0603020101020101" pitchFamily="50" charset="-127"/>
+                      <a:ea typeface="나눔바른고딕" panose="020B0603020101020101" pitchFamily="50" charset="-127"/>
+                      <a:cs typeface="Arial" charset="0"/>
+                    </a:rPr>
+                    <a:t>mlogloss</a:t>
+                  </a:r>
+                  <a:r>
+                    <a:rPr lang="ko-KR" altLang="en-US" dirty="0">
+                      <a:solidFill>
+                        <a:prstClr val="black">
+                          <a:lumMod val="65000"/>
+                          <a:lumOff val="35000"/>
+                        </a:prstClr>
+                      </a:solidFill>
+                      <a:latin typeface="나눔바른고딕" panose="020B0603020101020101" pitchFamily="50" charset="-127"/>
+                      <a:ea typeface="나눔바른고딕" panose="020B0603020101020101" pitchFamily="50" charset="-127"/>
+                      <a:cs typeface="Arial" charset="0"/>
+                    </a:rPr>
+                    <a:t>의 값이 가장 작은 시점을 </a:t>
+                  </a:r>
+                  <a:r>
+                    <a:rPr lang="en-US" altLang="ko-KR" dirty="0">
+                      <a:solidFill>
+                        <a:prstClr val="black">
+                          <a:lumMod val="65000"/>
+                          <a:lumOff val="35000"/>
+                        </a:prstClr>
+                      </a:solidFill>
+                      <a:latin typeface="나눔바른고딕" panose="020B0603020101020101" pitchFamily="50" charset="-127"/>
+                      <a:ea typeface="나눔바른고딕" panose="020B0603020101020101" pitchFamily="50" charset="-127"/>
+                      <a:cs typeface="Arial" charset="0"/>
+                    </a:rPr>
+                    <a:t>best iteration</a:t>
+                  </a:r>
+                  <a:r>
+                    <a:rPr lang="ko-KR" altLang="en-US" dirty="0">
+                      <a:solidFill>
+                        <a:prstClr val="black">
+                          <a:lumMod val="65000"/>
+                          <a:lumOff val="35000"/>
+                        </a:prstClr>
+                      </a:solidFill>
+                      <a:latin typeface="나눔바른고딕" panose="020B0603020101020101" pitchFamily="50" charset="-127"/>
+                      <a:ea typeface="나눔바른고딕" panose="020B0603020101020101" pitchFamily="50" charset="-127"/>
+                      <a:cs typeface="Arial" charset="0"/>
+                    </a:rPr>
+                    <a:t>으로 판단하였음</a:t>
                   </a:r>
                   <a:r>
                     <a:rPr lang="en-US" altLang="ko-KR" dirty="0">
@@ -11792,7 +12187,95 @@
                       <a:ea typeface="나눔바른고딕" panose="020B0603020101020101" pitchFamily="50" charset="-127"/>
                       <a:cs typeface="Arial" charset="0"/>
                     </a:rPr>
-                    <a:t>.</a:t>
+                    <a:t>. (</a:t>
+                  </a:r>
+                  <a:r>
+                    <a:rPr lang="ko-KR" altLang="en-US" dirty="0">
+                      <a:solidFill>
+                        <a:prstClr val="black">
+                          <a:lumMod val="65000"/>
+                          <a:lumOff val="35000"/>
+                        </a:prstClr>
+                      </a:solidFill>
+                      <a:latin typeface="나눔바른고딕" panose="020B0603020101020101" pitchFamily="50" charset="-127"/>
+                      <a:ea typeface="나눔바른고딕" panose="020B0603020101020101" pitchFamily="50" charset="-127"/>
+                      <a:cs typeface="Arial" charset="0"/>
+                    </a:rPr>
+                    <a:t>본 연구에서는 은닉층의 배열을 </a:t>
+                  </a:r>
+                  <a14:m>
+                    <m:oMath xmlns:m="http://schemas.openxmlformats.org/officeDocument/2006/math">
+                      <m:r>
+                        <a:rPr lang="en-US" altLang="ko-KR" b="0" i="1" smtClean="0">
+                          <a:solidFill>
+                            <a:prstClr val="black">
+                              <a:lumMod val="65000"/>
+                              <a:lumOff val="35000"/>
+                            </a:prstClr>
+                          </a:solidFill>
+                          <a:latin typeface="Cambria Math" panose="02040503050406030204" pitchFamily="18" charset="0"/>
+                          <a:ea typeface="나눔바른고딕" panose="020B0603020101020101" pitchFamily="50" charset="-127"/>
+                          <a:cs typeface="Arial" charset="0"/>
+                        </a:rPr>
+                        <m:t>3</m:t>
+                      </m:r>
+                      <m:r>
+                        <a:rPr lang="en-US" altLang="ko-KR" b="0" i="1" smtClean="0">
+                          <a:solidFill>
+                            <a:prstClr val="black">
+                              <a:lumMod val="65000"/>
+                              <a:lumOff val="35000"/>
+                            </a:prstClr>
+                          </a:solidFill>
+                          <a:latin typeface="Cambria Math" panose="02040503050406030204" pitchFamily="18" charset="0"/>
+                          <a:ea typeface="Cambria Math" panose="02040503050406030204" pitchFamily="18" charset="0"/>
+                          <a:cs typeface="Arial" charset="0"/>
+                        </a:rPr>
+                        <m:t>×3</m:t>
+                      </m:r>
+                    </m:oMath>
+                  </a14:m>
+                  <a:r>
+                    <a:rPr lang="en-US" altLang="ko-KR" dirty="0">
+                      <a:solidFill>
+                        <a:prstClr val="black">
+                          <a:lumMod val="65000"/>
+                          <a:lumOff val="35000"/>
+                        </a:prstClr>
+                      </a:solidFill>
+                      <a:latin typeface="나눔바른고딕" panose="020B0603020101020101" pitchFamily="50" charset="-127"/>
+                      <a:ea typeface="나눔바른고딕" panose="020B0603020101020101" pitchFamily="50" charset="-127"/>
+                      <a:cs typeface="Arial" charset="0"/>
+                    </a:rPr>
+                    <a:t> </a:t>
+                  </a:r>
+                  <a:r>
+                    <a:rPr lang="ko-KR" altLang="en-US" dirty="0">
+                      <a:solidFill>
+                        <a:prstClr val="black">
+                          <a:lumMod val="65000"/>
+                          <a:lumOff val="35000"/>
+                        </a:prstClr>
+                      </a:solidFill>
+                      <a:latin typeface="나눔바른고딕" panose="020B0603020101020101" pitchFamily="50" charset="-127"/>
+                      <a:ea typeface="나눔바른고딕" panose="020B0603020101020101" pitchFamily="50" charset="-127"/>
+                      <a:cs typeface="Arial" charset="0"/>
+                    </a:rPr>
+                    <a:t>으로 설정함</a:t>
+                  </a:r>
+                  <a:r>
+                    <a:rPr lang="en-US" altLang="ko-KR" dirty="0">
+                      <a:solidFill>
+                        <a:prstClr val="black">
+                          <a:lumMod val="65000"/>
+                          <a:lumOff val="35000"/>
+                        </a:prstClr>
+                      </a:solidFill>
+                      <a:latin typeface="나눔바른고딕" panose="020B0603020101020101" pitchFamily="50" charset="-127"/>
+                      <a:ea typeface="나눔바른고딕" panose="020B0603020101020101" pitchFamily="50" charset="-127"/>
+                      <a:cs typeface="Arial" charset="0"/>
+                    </a:rPr>
+                    <a:t>.)</a:t>
                   </a:r>
                 </a:p>
               </p:txBody>
@@ -11815,8 +12298,8 @@
               </p:nvSpPr>
               <p:spPr>
                 <a:xfrm>
-                  <a:off x="618412" y="4850168"/>
-                  <a:ext cx="13242244" cy="12774234"/>
+                  <a:off x="590429" y="4744270"/>
+                  <a:ext cx="13242244" cy="11673775"/>
                 </a:xfrm>
                 <a:prstGeom prst="rect">
                   <a:avLst/>
@@ -11824,7 +12307,7 @@
                 <a:blipFill>
                   <a:blip r:embed="rId5"/>
                   <a:stretch>
-                    <a:fillRect l="-358"/>
+                    <a:fillRect l="-318"/>
                   </a:stretch>
                 </a:blipFill>
               </p:spPr>
@@ -11853,7 +12336,7 @@
         <p:spPr>
           <a:xfrm>
             <a:off x="16281596" y="3761630"/>
-            <a:ext cx="15514590" cy="31629749"/>
+            <a:ext cx="15514590" cy="32534612"/>
           </a:xfrm>
           <a:prstGeom prst="rect">
             <a:avLst/>
@@ -13359,27 +13842,6 @@
                 <a:tab pos="4823460" algn="r"/>
               </a:tabLst>
             </a:pPr>
-            <a:endParaRPr lang="en-US" altLang="ko-KR" dirty="0">
-              <a:solidFill>
-                <a:prstClr val="black">
-                  <a:lumMod val="65000"/>
-                  <a:lumOff val="35000"/>
-                </a:prstClr>
-              </a:solidFill>
-              <a:latin typeface="나눔바른고딕" panose="020B0603020101020101" pitchFamily="50" charset="-127"/>
-              <a:ea typeface="나눔바른고딕" panose="020B0603020101020101" pitchFamily="50" charset="-127"/>
-              <a:cs typeface="Arial" charset="0"/>
-            </a:endParaRPr>
-          </a:p>
-          <a:p>
-            <a:pPr lvl="0" defTabSz="914400" fontAlgn="base">
-              <a:lnSpc>
-                <a:spcPct val="140000"/>
-              </a:lnSpc>
-              <a:tabLst>
-                <a:tab pos="4823460" algn="r"/>
-              </a:tabLst>
-            </a:pPr>
             <a:r>
               <a:rPr lang="en-US" altLang="ko-KR" dirty="0">
                 <a:solidFill>
@@ -13462,7 +13924,7 @@
                 <a:ea typeface="나눔바른고딕" panose="020B0603020101020101" pitchFamily="50" charset="-127"/>
                 <a:cs typeface="Arial" charset="0"/>
               </a:rPr>
-              <a:t>전체적으로는 조류의 </a:t>
+              <a:t>전체적으로는 </a:t>
             </a:r>
             <a:r>
               <a:rPr lang="ko-KR" altLang="en-US" dirty="0" err="1">
@@ -13476,7 +13938,7 @@
                 <a:ea typeface="나눔바른고딕" panose="020B0603020101020101" pitchFamily="50" charset="-127"/>
                 <a:cs typeface="Arial" charset="0"/>
               </a:rPr>
-              <a:t>우점종을</a:t>
+              <a:t>우점조류를</a:t>
             </a:r>
             <a:r>
               <a:rPr lang="ko-KR" altLang="en-US" dirty="0">
@@ -13518,7 +13980,7 @@
                 <a:ea typeface="나눔바른고딕" panose="020B0603020101020101" pitchFamily="50" charset="-127"/>
                 <a:cs typeface="Arial" charset="0"/>
               </a:rPr>
-              <a:t>와 용존산소량</a:t>
+              <a:t>과 용존산소량</a:t>
             </a:r>
             <a:r>
               <a:rPr lang="en-US" altLang="ko-KR" dirty="0">
@@ -13604,27 +14066,6 @@
               </a:rPr>
               <a:t>.</a:t>
             </a:r>
-          </a:p>
-          <a:p>
-            <a:pPr lvl="0" defTabSz="914400" fontAlgn="base">
-              <a:lnSpc>
-                <a:spcPct val="140000"/>
-              </a:lnSpc>
-              <a:tabLst>
-                <a:tab pos="4823460" algn="r"/>
-              </a:tabLst>
-            </a:pPr>
-            <a:endParaRPr lang="en-US" altLang="ko-KR" dirty="0">
-              <a:solidFill>
-                <a:prstClr val="black">
-                  <a:lumMod val="65000"/>
-                  <a:lumOff val="35000"/>
-                </a:prstClr>
-              </a:solidFill>
-              <a:latin typeface="나눔바른고딕" panose="020B0603020101020101" pitchFamily="50" charset="-127"/>
-              <a:ea typeface="나눔바른고딕" panose="020B0603020101020101" pitchFamily="50" charset="-127"/>
-              <a:cs typeface="Arial" charset="0"/>
-            </a:endParaRPr>
           </a:p>
           <a:p>
             <a:pPr lvl="0" defTabSz="914400" fontAlgn="base">
@@ -13892,7 +14333,7 @@
                 <a:ea typeface="나눔바른고딕" panose="020B0603020101020101" pitchFamily="50" charset="-127"/>
                 <a:cs typeface="Arial" charset="0"/>
               </a:rPr>
-              <a:t>- </a:t>
+              <a:t>-&gt; </a:t>
             </a:r>
             <a:r>
               <a:rPr lang="ko-KR" altLang="en-US" dirty="0">
@@ -13906,7 +14347,35 @@
                 <a:ea typeface="나눔바른고딕" panose="020B0603020101020101" pitchFamily="50" charset="-127"/>
                 <a:cs typeface="Arial" charset="0"/>
               </a:rPr>
-              <a:t>각 군집의 특성</a:t>
+              <a:t>조사대상지점에 따른 </a:t>
+            </a:r>
+            <a:r>
+              <a:rPr lang="ko-KR" altLang="en-US" dirty="0" err="1">
+                <a:solidFill>
+                  <a:prstClr val="black">
+                    <a:lumMod val="65000"/>
+                    <a:lumOff val="35000"/>
+                  </a:prstClr>
+                </a:solidFill>
+                <a:latin typeface="나눔바른고딕" panose="020B0603020101020101" pitchFamily="50" charset="-127"/>
+                <a:ea typeface="나눔바른고딕" panose="020B0603020101020101" pitchFamily="50" charset="-127"/>
+                <a:cs typeface="Arial" charset="0"/>
+              </a:rPr>
+              <a:t>우점조류</a:t>
+            </a:r>
+            <a:r>
+              <a:rPr lang="ko-KR" altLang="en-US" dirty="0">
+                <a:solidFill>
+                  <a:prstClr val="black">
+                    <a:lumMod val="65000"/>
+                    <a:lumOff val="35000"/>
+                  </a:prstClr>
+                </a:solidFill>
+                <a:latin typeface="나눔바른고딕" panose="020B0603020101020101" pitchFamily="50" charset="-127"/>
+                <a:ea typeface="나눔바른고딕" panose="020B0603020101020101" pitchFamily="50" charset="-127"/>
+                <a:cs typeface="Arial" charset="0"/>
+              </a:rPr>
+              <a:t> 분류에 대한 최적의 알고리즘</a:t>
             </a:r>
             <a:endParaRPr lang="en-US" altLang="ko-KR" dirty="0">
               <a:solidFill>
@@ -13957,7 +14426,21 @@
                 <a:ea typeface="나눔바른고딕" panose="020B0603020101020101" pitchFamily="50" charset="-127"/>
                 <a:cs typeface="Arial" charset="0"/>
               </a:rPr>
-              <a:t>cluster 1 : </a:t>
+              <a:t>J1(</a:t>
+            </a:r>
+            <a:r>
+              <a:rPr lang="ko-KR" altLang="en-US" dirty="0" err="1">
+                <a:solidFill>
+                  <a:prstClr val="black">
+                    <a:lumMod val="65000"/>
+                    <a:lumOff val="35000"/>
+                  </a:prstClr>
+                </a:solidFill>
+                <a:latin typeface="나눔바른고딕" panose="020B0603020101020101" pitchFamily="50" charset="-127"/>
+                <a:ea typeface="나눔바른고딕" panose="020B0603020101020101" pitchFamily="50" charset="-127"/>
+                <a:cs typeface="Arial" charset="0"/>
+              </a:rPr>
+              <a:t>주암호</a:t>
             </a:r>
             <a:r>
               <a:rPr lang="ko-KR" altLang="en-US" dirty="0">
@@ -13971,19 +14454,36 @@
                 <a:ea typeface="나눔바른고딕" panose="020B0603020101020101" pitchFamily="50" charset="-127"/>
                 <a:cs typeface="Arial" charset="0"/>
               </a:rPr>
-              <a:t>비교적 오염이 덜 된 하천수</a:t>
+              <a:t> </a:t>
             </a:r>
-            <a:endParaRPr lang="en-US" altLang="ko-KR" dirty="0">
-              <a:solidFill>
-                <a:prstClr val="black">
-                  <a:lumMod val="65000"/>
-                  <a:lumOff val="35000"/>
-                </a:prstClr>
-              </a:solidFill>
-              <a:latin typeface="나눔바른고딕" panose="020B0603020101020101" pitchFamily="50" charset="-127"/>
-              <a:ea typeface="나눔바른고딕" panose="020B0603020101020101" pitchFamily="50" charset="-127"/>
-              <a:cs typeface="Arial" charset="0"/>
-            </a:endParaRPr>
+            <a:r>
+              <a:rPr lang="ko-KR" altLang="en-US" dirty="0" err="1">
+                <a:solidFill>
+                  <a:prstClr val="black">
+                    <a:lumMod val="65000"/>
+                    <a:lumOff val="35000"/>
+                  </a:prstClr>
+                </a:solidFill>
+                <a:latin typeface="나눔바른고딕" panose="020B0603020101020101" pitchFamily="50" charset="-127"/>
+                <a:ea typeface="나눔바른고딕" panose="020B0603020101020101" pitchFamily="50" charset="-127"/>
+                <a:cs typeface="Arial" charset="0"/>
+              </a:rPr>
+              <a:t>댐앞</a:t>
+            </a:r>
+            <a:r>
+              <a:rPr lang="en-US" altLang="ko-KR" dirty="0">
+                <a:solidFill>
+                  <a:prstClr val="black">
+                    <a:lumMod val="65000"/>
+                    <a:lumOff val="35000"/>
+                  </a:prstClr>
+                </a:solidFill>
+                <a:latin typeface="나눔바른고딕" panose="020B0603020101020101" pitchFamily="50" charset="-127"/>
+                <a:ea typeface="나눔바른고딕" panose="020B0603020101020101" pitchFamily="50" charset="-127"/>
+                <a:cs typeface="Arial" charset="0"/>
+              </a:rPr>
+              <a:t>) : Linear Discriminant Analysis, Flexible Discriminant Analysis</a:t>
+            </a:r>
           </a:p>
           <a:p>
             <a:pPr marL="457200" lvl="0" indent="-14288" defTabSz="914400" fontAlgn="base">
@@ -14008,7 +14508,7 @@
                 <a:ea typeface="나눔바른고딕" panose="020B0603020101020101" pitchFamily="50" charset="-127"/>
                 <a:cs typeface="Arial" charset="0"/>
               </a:rPr>
-              <a:t> cluster 2 : </a:t>
+              <a:t> J2(</a:t>
             </a:r>
             <a:r>
               <a:rPr lang="ko-KR" altLang="en-US" dirty="0" err="1">
@@ -14022,7 +14522,7 @@
                 <a:ea typeface="나눔바른고딕" panose="020B0603020101020101" pitchFamily="50" charset="-127"/>
                 <a:cs typeface="Arial" charset="0"/>
               </a:rPr>
-              <a:t>생활하수에</a:t>
+              <a:t>주암호</a:t>
             </a:r>
             <a:r>
               <a:rPr lang="ko-KR" altLang="en-US" dirty="0">
@@ -14036,7 +14536,7 @@
                 <a:ea typeface="나눔바른고딕" panose="020B0603020101020101" pitchFamily="50" charset="-127"/>
                 <a:cs typeface="Arial" charset="0"/>
               </a:rPr>
-              <a:t> 의한 </a:t>
+              <a:t> </a:t>
             </a:r>
             <a:r>
               <a:rPr lang="ko-KR" altLang="en-US" dirty="0" err="1">
@@ -14050,19 +14550,22 @@
                 <a:ea typeface="나눔바른고딕" panose="020B0603020101020101" pitchFamily="50" charset="-127"/>
                 <a:cs typeface="Arial" charset="0"/>
               </a:rPr>
-              <a:t>오염수</a:t>
+              <a:t>신평교</a:t>
             </a:r>
-            <a:endParaRPr lang="en-US" altLang="ko-KR" dirty="0">
-              <a:solidFill>
-                <a:prstClr val="black">
-                  <a:lumMod val="65000"/>
-                  <a:lumOff val="35000"/>
-                </a:prstClr>
-              </a:solidFill>
-              <a:latin typeface="나눔바른고딕" panose="020B0603020101020101" pitchFamily="50" charset="-127"/>
-              <a:ea typeface="나눔바른고딕" panose="020B0603020101020101" pitchFamily="50" charset="-127"/>
-              <a:cs typeface="Arial" charset="0"/>
-            </a:endParaRPr>
+            <a:r>
+              <a:rPr lang="en-US" altLang="ko-KR" dirty="0">
+                <a:solidFill>
+                  <a:prstClr val="black">
+                    <a:lumMod val="65000"/>
+                    <a:lumOff val="35000"/>
+                  </a:prstClr>
+                </a:solidFill>
+                <a:latin typeface="나눔바른고딕" panose="020B0603020101020101" pitchFamily="50" charset="-127"/>
+                <a:ea typeface="나눔바른고딕" panose="020B0603020101020101" pitchFamily="50" charset="-127"/>
+                <a:cs typeface="Arial" charset="0"/>
+              </a:rPr>
+              <a:t>) : Linear Discriminant Analysis, Flexible Discriminant Analysis </a:t>
+            </a:r>
           </a:p>
           <a:p>
             <a:pPr marL="457200" lvl="0" indent="-14288" defTabSz="914400" fontAlgn="base">
@@ -14087,7 +14590,21 @@
                 <a:ea typeface="나눔바른고딕" panose="020B0603020101020101" pitchFamily="50" charset="-127"/>
                 <a:cs typeface="Arial" charset="0"/>
               </a:rPr>
-              <a:t> cluster 3 : </a:t>
+              <a:t> T1(</a:t>
+            </a:r>
+            <a:r>
+              <a:rPr lang="ko-KR" altLang="en-US" dirty="0" err="1">
+                <a:solidFill>
+                  <a:prstClr val="black">
+                    <a:lumMod val="65000"/>
+                    <a:lumOff val="35000"/>
+                  </a:prstClr>
+                </a:solidFill>
+                <a:latin typeface="나눔바른고딕" panose="020B0603020101020101" pitchFamily="50" charset="-127"/>
+                <a:ea typeface="나눔바른고딕" panose="020B0603020101020101" pitchFamily="50" charset="-127"/>
+                <a:cs typeface="Arial" charset="0"/>
+              </a:rPr>
+              <a:t>탐진호</a:t>
             </a:r>
             <a:r>
               <a:rPr lang="ko-KR" altLang="en-US" dirty="0">
@@ -14101,7 +14618,7 @@
                 <a:ea typeface="나눔바른고딕" panose="020B0603020101020101" pitchFamily="50" charset="-127"/>
                 <a:cs typeface="Arial" charset="0"/>
               </a:rPr>
-              <a:t>생활하수가 전환된 </a:t>
+              <a:t> </a:t>
             </a:r>
             <a:r>
               <a:rPr lang="ko-KR" altLang="en-US" dirty="0" err="1">
@@ -14115,7 +14632,7 @@
                 <a:ea typeface="나눔바른고딕" panose="020B0603020101020101" pitchFamily="50" charset="-127"/>
                 <a:cs typeface="Arial" charset="0"/>
               </a:rPr>
-              <a:t>오염수</a:t>
+              <a:t>댐앞</a:t>
             </a:r>
             <a:r>
               <a:rPr lang="en-US" altLang="ko-KR" dirty="0">
@@ -14129,7 +14646,47 @@
                 <a:ea typeface="나눔바른고딕" panose="020B0603020101020101" pitchFamily="50" charset="-127"/>
                 <a:cs typeface="Arial" charset="0"/>
               </a:rPr>
-              <a:t>(</a:t>
+              <a:t>) : Bagging, Gradient Boosting, Random Forest, Regularized Discriminant Analysis, Support Vector Machine, Deep Neural Network </a:t>
+            </a:r>
+          </a:p>
+          <a:p>
+            <a:pPr marL="457200" lvl="0" indent="-14288" defTabSz="914400" fontAlgn="base">
+              <a:lnSpc>
+                <a:spcPct val="140000"/>
+              </a:lnSpc>
+              <a:buFont typeface="Wingdings" panose="05000000000000000000" pitchFamily="2" charset="2"/>
+              <a:buChar char="ü"/>
+              <a:tabLst>
+                <a:tab pos="4823460" algn="r"/>
+              </a:tabLst>
+            </a:pPr>
+            <a:r>
+              <a:rPr lang="en-US" altLang="ko-KR" dirty="0">
+                <a:solidFill>
+                  <a:prstClr val="black">
+                    <a:lumMod val="65000"/>
+                    <a:lumOff val="35000"/>
+                  </a:prstClr>
+                </a:solidFill>
+                <a:latin typeface="나눔바른고딕" panose="020B0603020101020101" pitchFamily="50" charset="-127"/>
+                <a:ea typeface="나눔바른고딕" panose="020B0603020101020101" pitchFamily="50" charset="-127"/>
+                <a:cs typeface="Arial" charset="0"/>
+              </a:rPr>
+              <a:t> T2(</a:t>
+            </a:r>
+            <a:r>
+              <a:rPr lang="ko-KR" altLang="en-US" dirty="0" err="1">
+                <a:solidFill>
+                  <a:prstClr val="black">
+                    <a:lumMod val="65000"/>
+                    <a:lumOff val="35000"/>
+                  </a:prstClr>
+                </a:solidFill>
+                <a:latin typeface="나눔바른고딕" panose="020B0603020101020101" pitchFamily="50" charset="-127"/>
+                <a:ea typeface="나눔바른고딕" panose="020B0603020101020101" pitchFamily="50" charset="-127"/>
+                <a:cs typeface="Arial" charset="0"/>
+              </a:rPr>
+              <a:t>탐진호</a:t>
             </a:r>
             <a:r>
               <a:rPr lang="ko-KR" altLang="en-US" dirty="0">
@@ -14143,7 +14700,49 @@
                 <a:ea typeface="나눔바른고딕" panose="020B0603020101020101" pitchFamily="50" charset="-127"/>
                 <a:cs typeface="Arial" charset="0"/>
               </a:rPr>
-              <a:t>질산화 세균에 의한 산소 소비량</a:t>
+              <a:t> </a:t>
+            </a:r>
+            <a:r>
+              <a:rPr lang="ko-KR" altLang="en-US" dirty="0" err="1">
+                <a:solidFill>
+                  <a:prstClr val="black">
+                    <a:lumMod val="65000"/>
+                    <a:lumOff val="35000"/>
+                  </a:prstClr>
+                </a:solidFill>
+                <a:latin typeface="나눔바른고딕" panose="020B0603020101020101" pitchFamily="50" charset="-127"/>
+                <a:ea typeface="나눔바른고딕" panose="020B0603020101020101" pitchFamily="50" charset="-127"/>
+                <a:cs typeface="Arial" charset="0"/>
+              </a:rPr>
+              <a:t>유치천</a:t>
+            </a:r>
+            <a:r>
+              <a:rPr lang="ko-KR" altLang="en-US" dirty="0">
+                <a:solidFill>
+                  <a:prstClr val="black">
+                    <a:lumMod val="65000"/>
+                    <a:lumOff val="35000"/>
+                  </a:prstClr>
+                </a:solidFill>
+                <a:latin typeface="나눔바른고딕" panose="020B0603020101020101" pitchFamily="50" charset="-127"/>
+                <a:ea typeface="나눔바른고딕" panose="020B0603020101020101" pitchFamily="50" charset="-127"/>
+                <a:cs typeface="Arial" charset="0"/>
+              </a:rPr>
+              <a:t> </a:t>
+            </a:r>
+            <a:r>
+              <a:rPr lang="ko-KR" altLang="en-US" dirty="0" err="1">
+                <a:solidFill>
+                  <a:prstClr val="black">
+                    <a:lumMod val="65000"/>
+                    <a:lumOff val="35000"/>
+                  </a:prstClr>
+                </a:solidFill>
+                <a:latin typeface="나눔바른고딕" panose="020B0603020101020101" pitchFamily="50" charset="-127"/>
+                <a:ea typeface="나눔바른고딕" panose="020B0603020101020101" pitchFamily="50" charset="-127"/>
+                <a:cs typeface="Arial" charset="0"/>
+              </a:rPr>
+              <a:t>합류부</a:t>
             </a:r>
             <a:r>
               <a:rPr lang="en-US" altLang="ko-KR" dirty="0">
@@ -14157,7 +14756,32 @@
                 <a:ea typeface="나눔바른고딕" panose="020B0603020101020101" pitchFamily="50" charset="-127"/>
                 <a:cs typeface="Arial" charset="0"/>
               </a:rPr>
-              <a:t>(NOD)</a:t>
+              <a:t>) : AdaBoost </a:t>
+            </a:r>
+          </a:p>
+          <a:p>
+            <a:pPr marL="442912" lvl="0" defTabSz="914400" fontAlgn="base">
+              <a:lnSpc>
+                <a:spcPct val="140000"/>
+              </a:lnSpc>
+              <a:tabLst>
+                <a:tab pos="4823460" algn="r"/>
+              </a:tabLst>
+            </a:pPr>
+            <a:r>
+              <a:rPr lang="en-US" altLang="ko-KR" dirty="0">
+                <a:solidFill>
+                  <a:prstClr val="black">
+                    <a:lumMod val="65000"/>
+                    <a:lumOff val="35000"/>
+                  </a:prstClr>
+                </a:solidFill>
+                <a:latin typeface="나눔바른고딕" panose="020B0603020101020101" pitchFamily="50" charset="-127"/>
+                <a:ea typeface="나눔바른고딕" panose="020B0603020101020101" pitchFamily="50" charset="-127"/>
+                <a:cs typeface="Arial" charset="0"/>
+                <a:sym typeface="Wingdings" panose="05000000000000000000" pitchFamily="2" charset="2"/>
+              </a:rPr>
+              <a:t> </a:t>
             </a:r>
             <a:r>
               <a:rPr lang="ko-KR" altLang="en-US" dirty="0">
@@ -14170,8 +14794,39 @@
                 <a:latin typeface="나눔바른고딕" panose="020B0603020101020101" pitchFamily="50" charset="-127"/>
                 <a:ea typeface="나눔바른고딕" panose="020B0603020101020101" pitchFamily="50" charset="-127"/>
                 <a:cs typeface="Arial" charset="0"/>
+                <a:sym typeface="Wingdings" panose="05000000000000000000" pitchFamily="2" charset="2"/>
               </a:rPr>
-              <a:t>의 증가로 인해 </a:t>
+              <a:t>대체적으로 </a:t>
+            </a:r>
+            <a:r>
+              <a:rPr lang="ko-KR" altLang="en-US" dirty="0" err="1">
+                <a:solidFill>
+                  <a:prstClr val="black">
+                    <a:lumMod val="65000"/>
+                    <a:lumOff val="35000"/>
+                  </a:prstClr>
+                </a:solidFill>
+                <a:latin typeface="나눔바른고딕" panose="020B0603020101020101" pitchFamily="50" charset="-127"/>
+                <a:ea typeface="나눔바른고딕" panose="020B0603020101020101" pitchFamily="50" charset="-127"/>
+                <a:cs typeface="Arial" charset="0"/>
+                <a:sym typeface="Wingdings" panose="05000000000000000000" pitchFamily="2" charset="2"/>
+              </a:rPr>
+              <a:t>주암호</a:t>
+            </a:r>
+            <a:r>
+              <a:rPr lang="ko-KR" altLang="en-US" dirty="0">
+                <a:solidFill>
+                  <a:prstClr val="black">
+                    <a:lumMod val="65000"/>
+                    <a:lumOff val="35000"/>
+                  </a:prstClr>
+                </a:solidFill>
+                <a:latin typeface="나눔바른고딕" panose="020B0603020101020101" pitchFamily="50" charset="-127"/>
+                <a:ea typeface="나눔바른고딕" panose="020B0603020101020101" pitchFamily="50" charset="-127"/>
+                <a:cs typeface="Arial" charset="0"/>
+                <a:sym typeface="Wingdings" panose="05000000000000000000" pitchFamily="2" charset="2"/>
+              </a:rPr>
+              <a:t> 관련 지점에서는 </a:t>
             </a:r>
             <a:r>
               <a:rPr lang="en-US" altLang="ko-KR" dirty="0">
@@ -14184,8 +14839,9 @@
                 <a:latin typeface="나눔바른고딕" panose="020B0603020101020101" pitchFamily="50" charset="-127"/>
                 <a:ea typeface="나눔바른고딕" panose="020B0603020101020101" pitchFamily="50" charset="-127"/>
                 <a:cs typeface="Arial" charset="0"/>
+                <a:sym typeface="Wingdings" panose="05000000000000000000" pitchFamily="2" charset="2"/>
               </a:rPr>
-              <a:t>BOD</a:t>
+              <a:t>Discriminant Analysis </a:t>
             </a:r>
             <a:r>
               <a:rPr lang="ko-KR" altLang="en-US" dirty="0">
@@ -14198,8 +14854,24 @@
                 <a:latin typeface="나눔바른고딕" panose="020B0603020101020101" pitchFamily="50" charset="-127"/>
                 <a:ea typeface="나눔바른고딕" panose="020B0603020101020101" pitchFamily="50" charset="-127"/>
                 <a:cs typeface="Arial" charset="0"/>
+                <a:sym typeface="Wingdings" panose="05000000000000000000" pitchFamily="2" charset="2"/>
               </a:rPr>
-              <a:t>가 상승함에 따라 산소의 소모가 </a:t>
+              <a:t>기반 알고리즘이</a:t>
+            </a:r>
+            <a:r>
+              <a:rPr lang="en-US" altLang="ko-KR" dirty="0">
+                <a:solidFill>
+                  <a:prstClr val="black">
+                    <a:lumMod val="65000"/>
+                    <a:lumOff val="35000"/>
+                  </a:prstClr>
+                </a:solidFill>
+                <a:latin typeface="나눔바른고딕" panose="020B0603020101020101" pitchFamily="50" charset="-127"/>
+                <a:ea typeface="나눔바른고딕" panose="020B0603020101020101" pitchFamily="50" charset="-127"/>
+                <a:cs typeface="Arial" charset="0"/>
+                <a:sym typeface="Wingdings" panose="05000000000000000000" pitchFamily="2" charset="2"/>
+              </a:rPr>
+              <a:t>, </a:t>
             </a:r>
             <a:r>
               <a:rPr lang="ko-KR" altLang="en-US" dirty="0" err="1">
@@ -14212,8 +14884,24 @@
                 <a:latin typeface="나눔바른고딕" panose="020B0603020101020101" pitchFamily="50" charset="-127"/>
                 <a:ea typeface="나눔바른고딕" panose="020B0603020101020101" pitchFamily="50" charset="-127"/>
                 <a:cs typeface="Arial" charset="0"/>
+                <a:sym typeface="Wingdings" panose="05000000000000000000" pitchFamily="2" charset="2"/>
               </a:rPr>
-              <a:t>극심해짐</a:t>
+              <a:t>탐진호</a:t>
+            </a:r>
+            <a:r>
+              <a:rPr lang="ko-KR" altLang="en-US" dirty="0">
+                <a:solidFill>
+                  <a:prstClr val="black">
+                    <a:lumMod val="65000"/>
+                    <a:lumOff val="35000"/>
+                  </a:prstClr>
+                </a:solidFill>
+                <a:latin typeface="나눔바른고딕" panose="020B0603020101020101" pitchFamily="50" charset="-127"/>
+                <a:ea typeface="나눔바른고딕" panose="020B0603020101020101" pitchFamily="50" charset="-127"/>
+                <a:cs typeface="Arial" charset="0"/>
+                <a:sym typeface="Wingdings" panose="05000000000000000000" pitchFamily="2" charset="2"/>
+              </a:rPr>
+              <a:t> 관련 지점에서는 </a:t>
             </a:r>
             <a:r>
               <a:rPr lang="en-US" altLang="ko-KR" dirty="0">
@@ -14226,8 +14914,9 @@
                 <a:latin typeface="나눔바른고딕" panose="020B0603020101020101" pitchFamily="50" charset="-127"/>
                 <a:ea typeface="나눔바른고딕" panose="020B0603020101020101" pitchFamily="50" charset="-127"/>
                 <a:cs typeface="Arial" charset="0"/>
+                <a:sym typeface="Wingdings" panose="05000000000000000000" pitchFamily="2" charset="2"/>
               </a:rPr>
-              <a:t>.)</a:t>
+              <a:t>Tree-based technique </a:t>
             </a:r>
             <a:r>
               <a:rPr lang="ko-KR" altLang="en-US" dirty="0">
@@ -14240,6 +14929,67 @@
                 <a:latin typeface="나눔바른고딕" panose="020B0603020101020101" pitchFamily="50" charset="-127"/>
                 <a:ea typeface="나눔바른고딕" panose="020B0603020101020101" pitchFamily="50" charset="-127"/>
                 <a:cs typeface="Arial" charset="0"/>
+                <a:sym typeface="Wingdings" panose="05000000000000000000" pitchFamily="2" charset="2"/>
+              </a:rPr>
+              <a:t>기반 알고리즘이 </a:t>
+            </a:r>
+            <a:r>
+              <a:rPr lang="ko-KR" altLang="en-US" dirty="0" err="1">
+                <a:solidFill>
+                  <a:prstClr val="black">
+                    <a:lumMod val="65000"/>
+                    <a:lumOff val="35000"/>
+                  </a:prstClr>
+                </a:solidFill>
+                <a:latin typeface="나눔바른고딕" panose="020B0603020101020101" pitchFamily="50" charset="-127"/>
+                <a:ea typeface="나눔바른고딕" panose="020B0603020101020101" pitchFamily="50" charset="-127"/>
+                <a:cs typeface="Arial" charset="0"/>
+                <a:sym typeface="Wingdings" panose="05000000000000000000" pitchFamily="2" charset="2"/>
+              </a:rPr>
+              <a:t>우점조류를</a:t>
+            </a:r>
+            <a:r>
+              <a:rPr lang="ko-KR" altLang="en-US" dirty="0">
+                <a:solidFill>
+                  <a:prstClr val="black">
+                    <a:lumMod val="65000"/>
+                    <a:lumOff val="35000"/>
+                  </a:prstClr>
+                </a:solidFill>
+                <a:latin typeface="나눔바른고딕" panose="020B0603020101020101" pitchFamily="50" charset="-127"/>
+                <a:ea typeface="나눔바른고딕" panose="020B0603020101020101" pitchFamily="50" charset="-127"/>
+                <a:cs typeface="Arial" charset="0"/>
+                <a:sym typeface="Wingdings" panose="05000000000000000000" pitchFamily="2" charset="2"/>
+              </a:rPr>
+              <a:t> 분류하는 데 좋은 성능을 보였음</a:t>
+            </a:r>
+            <a:r>
+              <a:rPr lang="en-US" altLang="ko-KR" dirty="0">
+                <a:solidFill>
+                  <a:prstClr val="black">
+                    <a:lumMod val="65000"/>
+                    <a:lumOff val="35000"/>
+                  </a:prstClr>
+                </a:solidFill>
+                <a:latin typeface="나눔바른고딕" panose="020B0603020101020101" pitchFamily="50" charset="-127"/>
+                <a:ea typeface="나눔바른고딕" panose="020B0603020101020101" pitchFamily="50" charset="-127"/>
+                <a:cs typeface="Arial" charset="0"/>
+                <a:sym typeface="Wingdings" panose="05000000000000000000" pitchFamily="2" charset="2"/>
+              </a:rPr>
+              <a:t>.</a:t>
+            </a:r>
+            <a:r>
+              <a:rPr lang="ko-KR" altLang="en-US" dirty="0">
+                <a:solidFill>
+                  <a:prstClr val="black">
+                    <a:lumMod val="65000"/>
+                    <a:lumOff val="35000"/>
+                  </a:prstClr>
+                </a:solidFill>
+                <a:latin typeface="나눔바른고딕" panose="020B0603020101020101" pitchFamily="50" charset="-127"/>
+                <a:ea typeface="나눔바른고딕" panose="020B0603020101020101" pitchFamily="50" charset="-127"/>
+                <a:cs typeface="Arial" charset="0"/>
+                <a:sym typeface="Wingdings" panose="05000000000000000000" pitchFamily="2" charset="2"/>
               </a:rPr>
               <a:t> </a:t>
             </a:r>
@@ -14272,7 +15022,7 @@
         <p:spPr>
           <a:xfrm>
             <a:off x="471695" y="4560149"/>
-            <a:ext cx="15514586" cy="1596912"/>
+            <a:ext cx="15514586" cy="1643527"/>
           </a:xfrm>
           <a:prstGeom prst="rect">
             <a:avLst/>
@@ -14404,7 +15154,7 @@
                 <a:ea typeface="나눔바른고딕" panose="020B0603020101020101" pitchFamily="50" charset="-127"/>
                 <a:cs typeface="Arial" charset="0"/>
               </a:rPr>
-              <a:t>`22</a:t>
+              <a:t>`21</a:t>
             </a:r>
             <a:r>
               <a:rPr lang="ko-KR" altLang="en-US" dirty="0">
@@ -14418,7 +15168,7 @@
                 <a:ea typeface="나눔바른고딕" panose="020B0603020101020101" pitchFamily="50" charset="-127"/>
                 <a:cs typeface="Arial" charset="0"/>
               </a:rPr>
-              <a:t>년 급격한 강수량 감소로 인해 수자원이 부족할 위기에 처해 있으며 이에 따라 발생하는 조류의 </a:t>
+              <a:t>년 이후 급격한 강수량 감소로 인해 수자원이 부족할 위기에 처해 있으며 이에 따라 발생하는 </a:t>
             </a:r>
             <a:r>
               <a:rPr lang="ko-KR" altLang="en-US" dirty="0" err="1">
@@ -14432,7 +15182,7 @@
                 <a:ea typeface="나눔바른고딕" panose="020B0603020101020101" pitchFamily="50" charset="-127"/>
                 <a:cs typeface="Arial" charset="0"/>
               </a:rPr>
-              <a:t>우점종</a:t>
+              <a:t>우점조류</a:t>
             </a:r>
             <a:r>
               <a:rPr lang="ko-KR" altLang="en-US" dirty="0">
@@ -14542,7 +15292,7 @@
                 <a:ea typeface="나눔바른고딕" panose="020B0603020101020101" pitchFamily="50" charset="-127"/>
                 <a:cs typeface="Arial" charset="0"/>
               </a:rPr>
-              <a:t>우점종</a:t>
+              <a:t>우점조류</a:t>
             </a:r>
             <a:r>
               <a:rPr lang="ko-KR" altLang="en-US" dirty="0">
@@ -14556,35 +15306,7 @@
                 <a:ea typeface="나눔바른고딕" panose="020B0603020101020101" pitchFamily="50" charset="-127"/>
                 <a:cs typeface="Arial" charset="0"/>
               </a:rPr>
-              <a:t> 분류를 위한 다양한 통계적 기계학습 알고리즘의 성능을 비교 연구하고 어느 시기에 어떤 </a:t>
-            </a:r>
-            <a:r>
-              <a:rPr lang="ko-KR" altLang="en-US" dirty="0" err="1">
-                <a:solidFill>
-                  <a:prstClr val="black">
-                    <a:lumMod val="65000"/>
-                    <a:lumOff val="35000"/>
-                  </a:prstClr>
-                </a:solidFill>
-                <a:latin typeface="나눔바른고딕" panose="020B0603020101020101" pitchFamily="50" charset="-127"/>
-                <a:ea typeface="나눔바른고딕" panose="020B0603020101020101" pitchFamily="50" charset="-127"/>
-                <a:cs typeface="Arial" charset="0"/>
-              </a:rPr>
-              <a:t>우점종이</a:t>
-            </a:r>
-            <a:r>
-              <a:rPr lang="ko-KR" altLang="en-US" dirty="0">
-                <a:solidFill>
-                  <a:prstClr val="black">
-                    <a:lumMod val="65000"/>
-                    <a:lumOff val="35000"/>
-                  </a:prstClr>
-                </a:solidFill>
-                <a:latin typeface="나눔바른고딕" panose="020B0603020101020101" pitchFamily="50" charset="-127"/>
-                <a:ea typeface="나눔바른고딕" panose="020B0603020101020101" pitchFamily="50" charset="-127"/>
-                <a:cs typeface="Arial" charset="0"/>
-              </a:rPr>
-              <a:t> 자주 발생하는지 탐색  </a:t>
+              <a:t> 분류를 위한 다양한 통계적 기계학습 알고리즘의 성능을 비교 연구하고 어느 시기에 어떤 조류가 자주 발생하는지 탐색  </a:t>
             </a:r>
             <a:endParaRPr lang="en-US" altLang="ko-KR" dirty="0">
               <a:solidFill>
@@ -14682,8 +15404,8 @@
         </p:blipFill>
         <p:spPr>
           <a:xfrm>
-            <a:off x="544873" y="31617479"/>
-            <a:ext cx="4565348" cy="2567687"/>
+            <a:off x="541897" y="29703763"/>
+            <a:ext cx="4768899" cy="3635888"/>
           </a:xfrm>
           <a:prstGeom prst="rect">
             <a:avLst/>
@@ -14712,8 +15434,8 @@
         </p:blipFill>
         <p:spPr>
           <a:xfrm>
-            <a:off x="544163" y="34593195"/>
-            <a:ext cx="4576197" cy="2573788"/>
+            <a:off x="545070" y="33827852"/>
+            <a:ext cx="4768898" cy="3635888"/>
           </a:xfrm>
           <a:prstGeom prst="rect">
             <a:avLst/>
@@ -14742,8 +15464,8 @@
         </p:blipFill>
         <p:spPr>
           <a:xfrm>
-            <a:off x="5550998" y="31622236"/>
-            <a:ext cx="4573957" cy="2572528"/>
+            <a:off x="5550998" y="29718853"/>
+            <a:ext cx="4773596" cy="3620798"/>
           </a:xfrm>
           <a:prstGeom prst="rect">
             <a:avLst/>
@@ -14772,8 +15494,8 @@
         </p:blipFill>
         <p:spPr>
           <a:xfrm>
-            <a:off x="5550998" y="34593195"/>
-            <a:ext cx="4573958" cy="2572530"/>
+            <a:off x="5550998" y="33839764"/>
+            <a:ext cx="4768899" cy="3595870"/>
           </a:xfrm>
           <a:prstGeom prst="rect">
             <a:avLst/>
@@ -14802,8 +15524,8 @@
         </p:blipFill>
         <p:spPr>
           <a:xfrm>
-            <a:off x="10557827" y="31641403"/>
-            <a:ext cx="4565349" cy="2567687"/>
+            <a:off x="10598972" y="29723076"/>
+            <a:ext cx="4754433" cy="3624337"/>
           </a:xfrm>
           <a:prstGeom prst="rect">
             <a:avLst/>
@@ -19241,13 +19963,13 @@
           <p:nvPr>
             <p:extLst>
               <p:ext uri="{D42A27DB-BD31-4B8C-83A1-F6EECF244321}">
-                <p14:modId xmlns:p14="http://schemas.microsoft.com/office/powerpoint/2010/main" val="770101329"/>
+                <p14:modId xmlns:p14="http://schemas.microsoft.com/office/powerpoint/2010/main" val="1783413586"/>
               </p:ext>
             </p:extLst>
           </p:nvPr>
         </p:nvGraphicFramePr>
         <p:xfrm>
-          <a:off x="16424971" y="30835127"/>
+          <a:off x="16479667" y="30062015"/>
           <a:ext cx="15366516" cy="2011680"/>
         </p:xfrm>
         <a:graphic>
@@ -19774,116 +20496,160 @@
                     <a:lstStyle/>
                     <a:p>
                       <a:pPr algn="ctr" latinLnBrk="1"/>
-                      <a:endParaRPr lang="ko-KR" altLang="en-US" sz="1600" dirty="0"/>
-                    </a:p>
-                  </a:txBody>
-                  <a:tcPr/>
-                </a:tc>
-                <a:tc>
-                  <a:txBody>
-                    <a:bodyPr/>
-                    <a:lstStyle/>
-                    <a:p>
-                      <a:pPr algn="ctr" latinLnBrk="1"/>
-                      <a:endParaRPr lang="ko-KR" altLang="en-US" sz="1600" dirty="0"/>
-                    </a:p>
-                  </a:txBody>
-                  <a:tcPr/>
-                </a:tc>
-                <a:tc>
-                  <a:txBody>
-                    <a:bodyPr/>
-                    <a:lstStyle/>
-                    <a:p>
-                      <a:pPr algn="ctr" latinLnBrk="1"/>
-                      <a:endParaRPr lang="ko-KR" altLang="en-US" sz="1600" dirty="0"/>
-                    </a:p>
-                  </a:txBody>
-                  <a:tcPr/>
-                </a:tc>
-                <a:tc>
-                  <a:txBody>
-                    <a:bodyPr/>
-                    <a:lstStyle/>
-                    <a:p>
-                      <a:pPr algn="ctr" latinLnBrk="1"/>
-                      <a:endParaRPr lang="ko-KR" altLang="en-US" sz="1600" dirty="0"/>
-                    </a:p>
-                  </a:txBody>
-                  <a:tcPr/>
-                </a:tc>
-                <a:tc>
-                  <a:txBody>
-                    <a:bodyPr/>
-                    <a:lstStyle/>
-                    <a:p>
-                      <a:pPr algn="ctr" latinLnBrk="1"/>
-                      <a:endParaRPr lang="ko-KR" altLang="en-US" sz="1600" dirty="0"/>
-                    </a:p>
-                  </a:txBody>
-                  <a:tcPr/>
-                </a:tc>
-                <a:tc>
-                  <a:txBody>
-                    <a:bodyPr/>
-                    <a:lstStyle/>
-                    <a:p>
-                      <a:pPr algn="ctr" latinLnBrk="1"/>
-                      <a:endParaRPr lang="ko-KR" altLang="en-US" sz="1600"/>
-                    </a:p>
-                  </a:txBody>
-                  <a:tcPr/>
-                </a:tc>
-                <a:tc>
-                  <a:txBody>
-                    <a:bodyPr/>
-                    <a:lstStyle/>
-                    <a:p>
-                      <a:pPr algn="ctr" latinLnBrk="1"/>
-                      <a:endParaRPr lang="ko-KR" altLang="en-US" sz="1600"/>
-                    </a:p>
-                  </a:txBody>
-                  <a:tcPr/>
-                </a:tc>
-                <a:tc>
-                  <a:txBody>
-                    <a:bodyPr/>
-                    <a:lstStyle/>
-                    <a:p>
-                      <a:pPr algn="ctr" latinLnBrk="1"/>
-                      <a:endParaRPr lang="ko-KR" altLang="en-US" sz="1600"/>
-                    </a:p>
-                  </a:txBody>
-                  <a:tcPr/>
-                </a:tc>
-                <a:tc>
-                  <a:txBody>
-                    <a:bodyPr/>
-                    <a:lstStyle/>
-                    <a:p>
-                      <a:pPr algn="ctr" latinLnBrk="1"/>
-                      <a:endParaRPr lang="ko-KR" altLang="en-US" sz="1600"/>
-                    </a:p>
-                  </a:txBody>
-                  <a:tcPr/>
-                </a:tc>
-                <a:tc>
-                  <a:txBody>
-                    <a:bodyPr/>
-                    <a:lstStyle/>
-                    <a:p>
-                      <a:pPr algn="ctr" latinLnBrk="1"/>
-                      <a:endParaRPr lang="ko-KR" altLang="en-US" sz="1600" dirty="0"/>
-                    </a:p>
-                  </a:txBody>
-                  <a:tcPr/>
-                </a:tc>
-                <a:tc>
-                  <a:txBody>
-                    <a:bodyPr/>
-                    <a:lstStyle/>
-                    <a:p>
-                      <a:pPr algn="ctr" latinLnBrk="1"/>
+                      <a:r>
+                        <a:rPr lang="en-US" altLang="ko-KR" sz="1600" dirty="0"/>
+                        <a:t>0.3846</a:t>
+                      </a:r>
+                      <a:endParaRPr lang="ko-KR" altLang="en-US" sz="1600" dirty="0"/>
+                    </a:p>
+                  </a:txBody>
+                  <a:tcPr/>
+                </a:tc>
+                <a:tc>
+                  <a:txBody>
+                    <a:bodyPr/>
+                    <a:lstStyle/>
+                    <a:p>
+                      <a:pPr algn="ctr" latinLnBrk="1"/>
+                      <a:r>
+                        <a:rPr lang="en-US" altLang="ko-KR" sz="1600" dirty="0"/>
+                        <a:t>0.3654</a:t>
+                      </a:r>
+                      <a:endParaRPr lang="ko-KR" altLang="en-US" sz="1600" dirty="0"/>
+                    </a:p>
+                  </a:txBody>
+                  <a:tcPr/>
+                </a:tc>
+                <a:tc>
+                  <a:txBody>
+                    <a:bodyPr/>
+                    <a:lstStyle/>
+                    <a:p>
+                      <a:pPr algn="ctr" latinLnBrk="1"/>
+                      <a:r>
+                        <a:rPr lang="en-US" altLang="ko-KR" sz="1600" dirty="0"/>
+                        <a:t>0.3846</a:t>
+                      </a:r>
+                      <a:endParaRPr lang="ko-KR" altLang="en-US" sz="1600" dirty="0"/>
+                    </a:p>
+                  </a:txBody>
+                  <a:tcPr/>
+                </a:tc>
+                <a:tc>
+                  <a:txBody>
+                    <a:bodyPr/>
+                    <a:lstStyle/>
+                    <a:p>
+                      <a:pPr algn="ctr" latinLnBrk="1"/>
+                      <a:r>
+                        <a:rPr lang="en-US" altLang="ko-KR" sz="1600" dirty="0"/>
+                        <a:t>0.3654</a:t>
+                      </a:r>
+                      <a:endParaRPr lang="ko-KR" altLang="en-US" sz="1600" dirty="0"/>
+                    </a:p>
+                  </a:txBody>
+                  <a:tcPr/>
+                </a:tc>
+                <a:tc>
+                  <a:txBody>
+                    <a:bodyPr/>
+                    <a:lstStyle/>
+                    <a:p>
+                      <a:pPr algn="ctr" latinLnBrk="1"/>
+                      <a:r>
+                        <a:rPr lang="en-US" altLang="ko-KR" sz="1600" dirty="0"/>
+                        <a:t>0.3846</a:t>
+                      </a:r>
+                      <a:endParaRPr lang="ko-KR" altLang="en-US" sz="1600" dirty="0"/>
+                    </a:p>
+                  </a:txBody>
+                  <a:tcPr/>
+                </a:tc>
+                <a:tc>
+                  <a:txBody>
+                    <a:bodyPr/>
+                    <a:lstStyle/>
+                    <a:p>
+                      <a:pPr algn="ctr" latinLnBrk="1"/>
+                      <a:r>
+                        <a:rPr lang="en-US" altLang="ko-KR" sz="1600" dirty="0"/>
+                        <a:t>0.4038</a:t>
+                      </a:r>
+                      <a:endParaRPr lang="ko-KR" altLang="en-US" sz="1600" dirty="0"/>
+                    </a:p>
+                  </a:txBody>
+                  <a:tcPr/>
+                </a:tc>
+                <a:tc>
+                  <a:txBody>
+                    <a:bodyPr/>
+                    <a:lstStyle/>
+                    <a:p>
+                      <a:pPr algn="ctr" latinLnBrk="1"/>
+                      <a:r>
+                        <a:rPr lang="en-US" altLang="ko-KR" sz="1600" b="1" u="sng" dirty="0"/>
+                        <a:t>0.3462</a:t>
+                      </a:r>
+                      <a:endParaRPr lang="ko-KR" altLang="en-US" sz="1600" b="1" u="sng" dirty="0"/>
+                    </a:p>
+                  </a:txBody>
+                  <a:tcPr/>
+                </a:tc>
+                <a:tc>
+                  <a:txBody>
+                    <a:bodyPr/>
+                    <a:lstStyle/>
+                    <a:p>
+                      <a:pPr algn="ctr" latinLnBrk="1"/>
+                      <a:r>
+                        <a:rPr lang="en-US" altLang="ko-KR" sz="1600" b="1" u="sng" dirty="0"/>
+                        <a:t>0.3462</a:t>
+                      </a:r>
+                      <a:endParaRPr lang="ko-KR" altLang="en-US" sz="1600" b="1" u="sng" dirty="0"/>
+                    </a:p>
+                  </a:txBody>
+                  <a:tcPr/>
+                </a:tc>
+                <a:tc>
+                  <a:txBody>
+                    <a:bodyPr/>
+                    <a:lstStyle/>
+                    <a:p>
+                      <a:pPr algn="ctr" latinLnBrk="1"/>
+                      <a:r>
+                        <a:rPr lang="en-US" altLang="ko-KR" sz="1600" dirty="0"/>
+                        <a:t>0.4038</a:t>
+                      </a:r>
+                      <a:endParaRPr lang="ko-KR" altLang="en-US" sz="1600" dirty="0"/>
+                    </a:p>
+                  </a:txBody>
+                  <a:tcPr/>
+                </a:tc>
+                <a:tc>
+                  <a:txBody>
+                    <a:bodyPr/>
+                    <a:lstStyle/>
+                    <a:p>
+                      <a:pPr algn="ctr" latinLnBrk="1"/>
+                      <a:r>
+                        <a:rPr lang="en-US" altLang="ko-KR" sz="1600" dirty="0"/>
+                        <a:t>0.3654</a:t>
+                      </a:r>
+                      <a:endParaRPr lang="ko-KR" altLang="en-US" sz="1600" dirty="0"/>
+                    </a:p>
+                  </a:txBody>
+                  <a:tcPr/>
+                </a:tc>
+                <a:tc>
+                  <a:txBody>
+                    <a:bodyPr/>
+                    <a:lstStyle/>
+                    <a:p>
+                      <a:pPr algn="ctr" latinLnBrk="1"/>
+                      <a:r>
+                        <a:rPr lang="en-US" altLang="ko-KR" sz="1600" dirty="0"/>
+                        <a:t>0.4038</a:t>
+                      </a:r>
                       <a:endParaRPr lang="ko-KR" altLang="en-US" sz="1600" dirty="0"/>
                     </a:p>
                   </a:txBody>
@@ -19917,116 +20683,160 @@
                     <a:lstStyle/>
                     <a:p>
                       <a:pPr algn="ctr" latinLnBrk="1"/>
-                      <a:endParaRPr lang="ko-KR" altLang="en-US" sz="1600"/>
-                    </a:p>
-                  </a:txBody>
-                  <a:tcPr/>
-                </a:tc>
-                <a:tc>
-                  <a:txBody>
-                    <a:bodyPr/>
-                    <a:lstStyle/>
-                    <a:p>
-                      <a:pPr algn="ctr" latinLnBrk="1"/>
-                      <a:endParaRPr lang="ko-KR" altLang="en-US" sz="1600" dirty="0"/>
-                    </a:p>
-                  </a:txBody>
-                  <a:tcPr/>
-                </a:tc>
-                <a:tc>
-                  <a:txBody>
-                    <a:bodyPr/>
-                    <a:lstStyle/>
-                    <a:p>
-                      <a:pPr algn="ctr" latinLnBrk="1"/>
-                      <a:endParaRPr lang="ko-KR" altLang="en-US" sz="1600"/>
-                    </a:p>
-                  </a:txBody>
-                  <a:tcPr/>
-                </a:tc>
-                <a:tc>
-                  <a:txBody>
-                    <a:bodyPr/>
-                    <a:lstStyle/>
-                    <a:p>
-                      <a:pPr algn="ctr" latinLnBrk="1"/>
-                      <a:endParaRPr lang="ko-KR" altLang="en-US" sz="1600"/>
-                    </a:p>
-                  </a:txBody>
-                  <a:tcPr/>
-                </a:tc>
-                <a:tc>
-                  <a:txBody>
-                    <a:bodyPr/>
-                    <a:lstStyle/>
-                    <a:p>
-                      <a:pPr algn="ctr" latinLnBrk="1"/>
-                      <a:endParaRPr lang="ko-KR" altLang="en-US" sz="1600" dirty="0"/>
-                    </a:p>
-                  </a:txBody>
-                  <a:tcPr/>
-                </a:tc>
-                <a:tc>
-                  <a:txBody>
-                    <a:bodyPr/>
-                    <a:lstStyle/>
-                    <a:p>
-                      <a:pPr algn="ctr" latinLnBrk="1"/>
-                      <a:endParaRPr lang="ko-KR" altLang="en-US" sz="1600" dirty="0"/>
-                    </a:p>
-                  </a:txBody>
-                  <a:tcPr/>
-                </a:tc>
-                <a:tc>
-                  <a:txBody>
-                    <a:bodyPr/>
-                    <a:lstStyle/>
-                    <a:p>
-                      <a:pPr algn="ctr" latinLnBrk="1"/>
-                      <a:endParaRPr lang="ko-KR" altLang="en-US" sz="1600" dirty="0"/>
-                    </a:p>
-                  </a:txBody>
-                  <a:tcPr/>
-                </a:tc>
-                <a:tc>
-                  <a:txBody>
-                    <a:bodyPr/>
-                    <a:lstStyle/>
-                    <a:p>
-                      <a:pPr algn="ctr" latinLnBrk="1"/>
-                      <a:endParaRPr lang="ko-KR" altLang="en-US" sz="1600"/>
-                    </a:p>
-                  </a:txBody>
-                  <a:tcPr/>
-                </a:tc>
-                <a:tc>
-                  <a:txBody>
-                    <a:bodyPr/>
-                    <a:lstStyle/>
-                    <a:p>
-                      <a:pPr algn="ctr" latinLnBrk="1"/>
-                      <a:endParaRPr lang="ko-KR" altLang="en-US" sz="1600"/>
-                    </a:p>
-                  </a:txBody>
-                  <a:tcPr/>
-                </a:tc>
-                <a:tc>
-                  <a:txBody>
-                    <a:bodyPr/>
-                    <a:lstStyle/>
-                    <a:p>
-                      <a:pPr algn="ctr" latinLnBrk="1"/>
-                      <a:endParaRPr lang="ko-KR" altLang="en-US" sz="1600" dirty="0"/>
-                    </a:p>
-                  </a:txBody>
-                  <a:tcPr/>
-                </a:tc>
-                <a:tc>
-                  <a:txBody>
-                    <a:bodyPr/>
-                    <a:lstStyle/>
-                    <a:p>
-                      <a:pPr algn="ctr" latinLnBrk="1"/>
+                      <a:r>
+                        <a:rPr lang="en-US" altLang="ko-KR" sz="1600" dirty="0"/>
+                        <a:t>0.2692</a:t>
+                      </a:r>
+                      <a:endParaRPr lang="ko-KR" altLang="en-US" sz="1600" dirty="0"/>
+                    </a:p>
+                  </a:txBody>
+                  <a:tcPr/>
+                </a:tc>
+                <a:tc>
+                  <a:txBody>
+                    <a:bodyPr/>
+                    <a:lstStyle/>
+                    <a:p>
+                      <a:pPr algn="ctr" latinLnBrk="1"/>
+                      <a:r>
+                        <a:rPr lang="en-US" altLang="ko-KR" sz="1600" dirty="0"/>
+                        <a:t>0.2692</a:t>
+                      </a:r>
+                      <a:endParaRPr lang="ko-KR" altLang="en-US" sz="1600" dirty="0"/>
+                    </a:p>
+                  </a:txBody>
+                  <a:tcPr/>
+                </a:tc>
+                <a:tc>
+                  <a:txBody>
+                    <a:bodyPr/>
+                    <a:lstStyle/>
+                    <a:p>
+                      <a:pPr algn="ctr" latinLnBrk="1"/>
+                      <a:r>
+                        <a:rPr lang="en-US" altLang="ko-KR" sz="1600" dirty="0"/>
+                        <a:t>0.2692</a:t>
+                      </a:r>
+                      <a:endParaRPr lang="ko-KR" altLang="en-US" sz="1600" dirty="0"/>
+                    </a:p>
+                  </a:txBody>
+                  <a:tcPr/>
+                </a:tc>
+                <a:tc>
+                  <a:txBody>
+                    <a:bodyPr/>
+                    <a:lstStyle/>
+                    <a:p>
+                      <a:pPr algn="ctr" latinLnBrk="1"/>
+                      <a:r>
+                        <a:rPr lang="en-US" altLang="ko-KR" sz="1600" dirty="0"/>
+                        <a:t>0.2885</a:t>
+                      </a:r>
+                      <a:endParaRPr lang="ko-KR" altLang="en-US" sz="1600" dirty="0"/>
+                    </a:p>
+                  </a:txBody>
+                  <a:tcPr/>
+                </a:tc>
+                <a:tc>
+                  <a:txBody>
+                    <a:bodyPr/>
+                    <a:lstStyle/>
+                    <a:p>
+                      <a:pPr algn="ctr" latinLnBrk="1"/>
+                      <a:r>
+                        <a:rPr lang="en-US" altLang="ko-KR" sz="1600" dirty="0"/>
+                        <a:t>0.2692</a:t>
+                      </a:r>
+                      <a:endParaRPr lang="ko-KR" altLang="en-US" sz="1600" dirty="0"/>
+                    </a:p>
+                  </a:txBody>
+                  <a:tcPr/>
+                </a:tc>
+                <a:tc>
+                  <a:txBody>
+                    <a:bodyPr/>
+                    <a:lstStyle/>
+                    <a:p>
+                      <a:pPr algn="ctr" latinLnBrk="1"/>
+                      <a:r>
+                        <a:rPr lang="en-US" altLang="ko-KR" sz="1600" dirty="0"/>
+                        <a:t>0.2885</a:t>
+                      </a:r>
+                      <a:endParaRPr lang="ko-KR" altLang="en-US" sz="1600" dirty="0"/>
+                    </a:p>
+                  </a:txBody>
+                  <a:tcPr/>
+                </a:tc>
+                <a:tc>
+                  <a:txBody>
+                    <a:bodyPr/>
+                    <a:lstStyle/>
+                    <a:p>
+                      <a:pPr algn="ctr" latinLnBrk="1"/>
+                      <a:r>
+                        <a:rPr lang="en-US" altLang="ko-KR" sz="1600" b="1" u="sng" dirty="0"/>
+                        <a:t>0.2500</a:t>
+                      </a:r>
+                      <a:endParaRPr lang="ko-KR" altLang="en-US" sz="1600" b="1" u="sng" dirty="0"/>
+                    </a:p>
+                  </a:txBody>
+                  <a:tcPr/>
+                </a:tc>
+                <a:tc>
+                  <a:txBody>
+                    <a:bodyPr/>
+                    <a:lstStyle/>
+                    <a:p>
+                      <a:pPr algn="ctr" latinLnBrk="1"/>
+                      <a:r>
+                        <a:rPr lang="en-US" altLang="ko-KR" sz="1600" b="1" u="sng" dirty="0"/>
+                        <a:t>0.2500</a:t>
+                      </a:r>
+                      <a:endParaRPr lang="ko-KR" altLang="en-US" sz="1600" b="1" u="sng" dirty="0"/>
+                    </a:p>
+                  </a:txBody>
+                  <a:tcPr/>
+                </a:tc>
+                <a:tc>
+                  <a:txBody>
+                    <a:bodyPr/>
+                    <a:lstStyle/>
+                    <a:p>
+                      <a:pPr algn="ctr" latinLnBrk="1"/>
+                      <a:r>
+                        <a:rPr lang="en-US" altLang="ko-KR" sz="1600" dirty="0"/>
+                        <a:t>0.2692</a:t>
+                      </a:r>
+                      <a:endParaRPr lang="ko-KR" altLang="en-US" sz="1600" dirty="0"/>
+                    </a:p>
+                  </a:txBody>
+                  <a:tcPr/>
+                </a:tc>
+                <a:tc>
+                  <a:txBody>
+                    <a:bodyPr/>
+                    <a:lstStyle/>
+                    <a:p>
+                      <a:pPr algn="ctr" latinLnBrk="1"/>
+                      <a:r>
+                        <a:rPr lang="en-US" altLang="ko-KR" sz="1600" dirty="0"/>
+                        <a:t>0.2885</a:t>
+                      </a:r>
+                      <a:endParaRPr lang="ko-KR" altLang="en-US" sz="1600" dirty="0"/>
+                    </a:p>
+                  </a:txBody>
+                  <a:tcPr/>
+                </a:tc>
+                <a:tc>
+                  <a:txBody>
+                    <a:bodyPr/>
+                    <a:lstStyle/>
+                    <a:p>
+                      <a:pPr algn="ctr" latinLnBrk="1"/>
+                      <a:r>
+                        <a:rPr lang="en-US" altLang="ko-KR" sz="1600" dirty="0"/>
+                        <a:t>0.2692</a:t>
+                      </a:r>
                       <a:endParaRPr lang="ko-KR" altLang="en-US" sz="1600" dirty="0"/>
                     </a:p>
                   </a:txBody>
@@ -20060,117 +20870,161 @@
                     <a:lstStyle/>
                     <a:p>
                       <a:pPr algn="ctr" latinLnBrk="1"/>
-                      <a:endParaRPr lang="ko-KR" altLang="en-US" sz="1600"/>
-                    </a:p>
-                  </a:txBody>
-                  <a:tcPr/>
-                </a:tc>
-                <a:tc>
-                  <a:txBody>
-                    <a:bodyPr/>
-                    <a:lstStyle/>
-                    <a:p>
-                      <a:pPr algn="ctr" latinLnBrk="1"/>
-                      <a:endParaRPr lang="ko-KR" altLang="en-US" sz="1600" dirty="0"/>
-                    </a:p>
-                  </a:txBody>
-                  <a:tcPr/>
-                </a:tc>
-                <a:tc>
-                  <a:txBody>
-                    <a:bodyPr/>
-                    <a:lstStyle/>
-                    <a:p>
-                      <a:pPr algn="ctr" latinLnBrk="1"/>
-                      <a:endParaRPr lang="ko-KR" altLang="en-US" sz="1600" dirty="0"/>
-                    </a:p>
-                  </a:txBody>
-                  <a:tcPr/>
-                </a:tc>
-                <a:tc>
-                  <a:txBody>
-                    <a:bodyPr/>
-                    <a:lstStyle/>
-                    <a:p>
-                      <a:pPr algn="ctr" latinLnBrk="1"/>
-                      <a:endParaRPr lang="ko-KR" altLang="en-US" sz="1600" dirty="0"/>
-                    </a:p>
-                  </a:txBody>
-                  <a:tcPr/>
-                </a:tc>
-                <a:tc>
-                  <a:txBody>
-                    <a:bodyPr/>
-                    <a:lstStyle/>
-                    <a:p>
-                      <a:pPr algn="ctr" latinLnBrk="1"/>
-                      <a:endParaRPr lang="ko-KR" altLang="en-US" sz="1600" dirty="0"/>
-                    </a:p>
-                  </a:txBody>
-                  <a:tcPr/>
-                </a:tc>
-                <a:tc>
-                  <a:txBody>
-                    <a:bodyPr/>
-                    <a:lstStyle/>
-                    <a:p>
-                      <a:pPr algn="ctr" latinLnBrk="1"/>
-                      <a:endParaRPr lang="ko-KR" altLang="en-US" sz="1600" dirty="0"/>
-                    </a:p>
-                  </a:txBody>
-                  <a:tcPr/>
-                </a:tc>
-                <a:tc>
-                  <a:txBody>
-                    <a:bodyPr/>
-                    <a:lstStyle/>
-                    <a:p>
-                      <a:pPr algn="ctr" latinLnBrk="1"/>
-                      <a:endParaRPr lang="ko-KR" altLang="en-US" sz="1600" dirty="0"/>
-                    </a:p>
-                  </a:txBody>
-                  <a:tcPr/>
-                </a:tc>
-                <a:tc>
-                  <a:txBody>
-                    <a:bodyPr/>
-                    <a:lstStyle/>
-                    <a:p>
-                      <a:pPr algn="ctr" latinLnBrk="1"/>
-                      <a:endParaRPr lang="ko-KR" altLang="en-US" sz="1600" dirty="0"/>
-                    </a:p>
-                  </a:txBody>
-                  <a:tcPr/>
-                </a:tc>
-                <a:tc>
-                  <a:txBody>
-                    <a:bodyPr/>
-                    <a:lstStyle/>
-                    <a:p>
-                      <a:pPr algn="ctr" latinLnBrk="1"/>
-                      <a:endParaRPr lang="ko-KR" altLang="en-US" sz="1600" dirty="0"/>
-                    </a:p>
-                  </a:txBody>
-                  <a:tcPr/>
-                </a:tc>
-                <a:tc>
-                  <a:txBody>
-                    <a:bodyPr/>
-                    <a:lstStyle/>
-                    <a:p>
-                      <a:pPr algn="ctr" latinLnBrk="1"/>
-                      <a:endParaRPr lang="ko-KR" altLang="en-US" sz="1600" dirty="0"/>
-                    </a:p>
-                  </a:txBody>
-                  <a:tcPr/>
-                </a:tc>
-                <a:tc>
-                  <a:txBody>
-                    <a:bodyPr/>
-                    <a:lstStyle/>
-                    <a:p>
-                      <a:pPr algn="ctr" latinLnBrk="1"/>
-                      <a:endParaRPr lang="ko-KR" altLang="en-US" sz="1600" dirty="0"/>
+                      <a:r>
+                        <a:rPr lang="en-US" altLang="ko-KR" sz="1600" dirty="0"/>
+                        <a:t>0.1961</a:t>
+                      </a:r>
+                      <a:endParaRPr lang="ko-KR" altLang="en-US" sz="1600" dirty="0"/>
+                    </a:p>
+                  </a:txBody>
+                  <a:tcPr/>
+                </a:tc>
+                <a:tc>
+                  <a:txBody>
+                    <a:bodyPr/>
+                    <a:lstStyle/>
+                    <a:p>
+                      <a:pPr algn="ctr" latinLnBrk="1"/>
+                      <a:r>
+                        <a:rPr lang="en-US" altLang="ko-KR" sz="1600" b="1" u="sng" dirty="0"/>
+                        <a:t>0.1373</a:t>
+                      </a:r>
+                      <a:endParaRPr lang="ko-KR" altLang="en-US" sz="1600" b="1" u="sng" dirty="0"/>
+                    </a:p>
+                  </a:txBody>
+                  <a:tcPr/>
+                </a:tc>
+                <a:tc>
+                  <a:txBody>
+                    <a:bodyPr/>
+                    <a:lstStyle/>
+                    <a:p>
+                      <a:pPr algn="ctr" latinLnBrk="1"/>
+                      <a:r>
+                        <a:rPr lang="en-US" altLang="ko-KR" sz="1600" dirty="0"/>
+                        <a:t>0.1569</a:t>
+                      </a:r>
+                      <a:endParaRPr lang="ko-KR" altLang="en-US" sz="1600" dirty="0"/>
+                    </a:p>
+                  </a:txBody>
+                  <a:tcPr/>
+                </a:tc>
+                <a:tc>
+                  <a:txBody>
+                    <a:bodyPr/>
+                    <a:lstStyle/>
+                    <a:p>
+                      <a:pPr algn="ctr" latinLnBrk="1"/>
+                      <a:r>
+                        <a:rPr lang="en-US" altLang="ko-KR" sz="1600" b="1" u="sng" dirty="0"/>
+                        <a:t>0.1373</a:t>
+                      </a:r>
+                      <a:endParaRPr lang="ko-KR" altLang="en-US" sz="1600" b="1" u="sng" dirty="0"/>
+                    </a:p>
+                  </a:txBody>
+                  <a:tcPr/>
+                </a:tc>
+                <a:tc>
+                  <a:txBody>
+                    <a:bodyPr/>
+                    <a:lstStyle/>
+                    <a:p>
+                      <a:pPr algn="ctr" latinLnBrk="1"/>
+                      <a:r>
+                        <a:rPr lang="en-US" altLang="ko-KR" sz="1600" b="1" u="sng" dirty="0"/>
+                        <a:t>0.1373</a:t>
+                      </a:r>
+                      <a:endParaRPr lang="ko-KR" altLang="en-US" sz="1600" b="1" u="sng" dirty="0"/>
+                    </a:p>
+                  </a:txBody>
+                  <a:tcPr/>
+                </a:tc>
+                <a:tc>
+                  <a:txBody>
+                    <a:bodyPr/>
+                    <a:lstStyle/>
+                    <a:p>
+                      <a:pPr algn="ctr" latinLnBrk="1"/>
+                      <a:r>
+                        <a:rPr lang="en-US" altLang="ko-KR" sz="1600" dirty="0"/>
+                        <a:t>0.1569</a:t>
+                      </a:r>
+                      <a:endParaRPr lang="ko-KR" altLang="en-US" sz="1600" dirty="0"/>
+                    </a:p>
+                  </a:txBody>
+                  <a:tcPr/>
+                </a:tc>
+                <a:tc>
+                  <a:txBody>
+                    <a:bodyPr/>
+                    <a:lstStyle/>
+                    <a:p>
+                      <a:pPr algn="ctr" latinLnBrk="1"/>
+                      <a:r>
+                        <a:rPr lang="en-US" altLang="ko-KR" sz="1600" dirty="0"/>
+                        <a:t>0.3137</a:t>
+                      </a:r>
+                      <a:endParaRPr lang="ko-KR" altLang="en-US" sz="1600" dirty="0"/>
+                    </a:p>
+                  </a:txBody>
+                  <a:tcPr/>
+                </a:tc>
+                <a:tc>
+                  <a:txBody>
+                    <a:bodyPr/>
+                    <a:lstStyle/>
+                    <a:p>
+                      <a:pPr algn="ctr" latinLnBrk="1"/>
+                      <a:r>
+                        <a:rPr lang="en-US" altLang="ko-KR" sz="1600" dirty="0"/>
+                        <a:t>0.3333</a:t>
+                      </a:r>
+                      <a:endParaRPr lang="ko-KR" altLang="en-US" sz="1600" dirty="0"/>
+                    </a:p>
+                  </a:txBody>
+                  <a:tcPr/>
+                </a:tc>
+                <a:tc>
+                  <a:txBody>
+                    <a:bodyPr/>
+                    <a:lstStyle/>
+                    <a:p>
+                      <a:pPr algn="ctr" latinLnBrk="1"/>
+                      <a:r>
+                        <a:rPr lang="en-US" altLang="ko-KR" sz="1600" b="1" u="sng" dirty="0"/>
+                        <a:t>0.1373</a:t>
+                      </a:r>
+                      <a:endParaRPr lang="ko-KR" altLang="en-US" sz="1600" b="1" u="sng" dirty="0"/>
+                    </a:p>
+                  </a:txBody>
+                  <a:tcPr/>
+                </a:tc>
+                <a:tc>
+                  <a:txBody>
+                    <a:bodyPr/>
+                    <a:lstStyle/>
+                    <a:p>
+                      <a:pPr algn="ctr" latinLnBrk="1"/>
+                      <a:r>
+                        <a:rPr lang="en-US" altLang="ko-KR" sz="1600" b="1" u="sng" dirty="0"/>
+                        <a:t>0.1373</a:t>
+                      </a:r>
+                      <a:endParaRPr lang="ko-KR" altLang="en-US" sz="1600" b="1" u="sng" dirty="0"/>
+                    </a:p>
+                  </a:txBody>
+                  <a:tcPr/>
+                </a:tc>
+                <a:tc>
+                  <a:txBody>
+                    <a:bodyPr/>
+                    <a:lstStyle/>
+                    <a:p>
+                      <a:pPr algn="ctr" latinLnBrk="1"/>
+                      <a:r>
+                        <a:rPr lang="en-US" altLang="ko-KR" sz="1600" b="1" u="sng" dirty="0"/>
+                        <a:t>0.1373</a:t>
+                      </a:r>
+                      <a:endParaRPr lang="ko-KR" altLang="en-US" sz="1600" b="1" u="sng" dirty="0"/>
                     </a:p>
                   </a:txBody>
                   <a:tcPr/>
@@ -20203,116 +21057,160 @@
                     <a:lstStyle/>
                     <a:p>
                       <a:pPr algn="ctr" latinLnBrk="1"/>
-                      <a:endParaRPr lang="ko-KR" altLang="en-US" sz="1600"/>
-                    </a:p>
-                  </a:txBody>
-                  <a:tcPr/>
-                </a:tc>
-                <a:tc>
-                  <a:txBody>
-                    <a:bodyPr/>
-                    <a:lstStyle/>
-                    <a:p>
-                      <a:pPr algn="ctr" latinLnBrk="1"/>
-                      <a:endParaRPr lang="ko-KR" altLang="en-US" sz="1600"/>
-                    </a:p>
-                  </a:txBody>
-                  <a:tcPr/>
-                </a:tc>
-                <a:tc>
-                  <a:txBody>
-                    <a:bodyPr/>
-                    <a:lstStyle/>
-                    <a:p>
-                      <a:pPr algn="ctr" latinLnBrk="1"/>
-                      <a:endParaRPr lang="ko-KR" altLang="en-US" sz="1600"/>
-                    </a:p>
-                  </a:txBody>
-                  <a:tcPr/>
-                </a:tc>
-                <a:tc>
-                  <a:txBody>
-                    <a:bodyPr/>
-                    <a:lstStyle/>
-                    <a:p>
-                      <a:pPr algn="ctr" latinLnBrk="1"/>
-                      <a:endParaRPr lang="ko-KR" altLang="en-US" sz="1600"/>
-                    </a:p>
-                  </a:txBody>
-                  <a:tcPr/>
-                </a:tc>
-                <a:tc>
-                  <a:txBody>
-                    <a:bodyPr/>
-                    <a:lstStyle/>
-                    <a:p>
-                      <a:pPr algn="ctr" latinLnBrk="1"/>
-                      <a:endParaRPr lang="ko-KR" altLang="en-US" sz="1600"/>
-                    </a:p>
-                  </a:txBody>
-                  <a:tcPr/>
-                </a:tc>
-                <a:tc>
-                  <a:txBody>
-                    <a:bodyPr/>
-                    <a:lstStyle/>
-                    <a:p>
-                      <a:pPr algn="ctr" latinLnBrk="1"/>
-                      <a:endParaRPr lang="ko-KR" altLang="en-US" sz="1600"/>
-                    </a:p>
-                  </a:txBody>
-                  <a:tcPr/>
-                </a:tc>
-                <a:tc>
-                  <a:txBody>
-                    <a:bodyPr/>
-                    <a:lstStyle/>
-                    <a:p>
-                      <a:pPr algn="ctr" latinLnBrk="1"/>
-                      <a:endParaRPr lang="ko-KR" altLang="en-US" sz="1600" dirty="0"/>
-                    </a:p>
-                  </a:txBody>
-                  <a:tcPr/>
-                </a:tc>
-                <a:tc>
-                  <a:txBody>
-                    <a:bodyPr/>
-                    <a:lstStyle/>
-                    <a:p>
-                      <a:pPr algn="ctr" latinLnBrk="1"/>
-                      <a:endParaRPr lang="ko-KR" altLang="en-US" sz="1600" dirty="0"/>
-                    </a:p>
-                  </a:txBody>
-                  <a:tcPr/>
-                </a:tc>
-                <a:tc>
-                  <a:txBody>
-                    <a:bodyPr/>
-                    <a:lstStyle/>
-                    <a:p>
-                      <a:pPr algn="ctr" latinLnBrk="1"/>
-                      <a:endParaRPr lang="ko-KR" altLang="en-US" sz="1600" dirty="0"/>
-                    </a:p>
-                  </a:txBody>
-                  <a:tcPr/>
-                </a:tc>
-                <a:tc>
-                  <a:txBody>
-                    <a:bodyPr/>
-                    <a:lstStyle/>
-                    <a:p>
-                      <a:pPr algn="ctr" latinLnBrk="1"/>
-                      <a:endParaRPr lang="ko-KR" altLang="en-US" sz="1600" dirty="0"/>
-                    </a:p>
-                  </a:txBody>
-                  <a:tcPr/>
-                </a:tc>
-                <a:tc>
-                  <a:txBody>
-                    <a:bodyPr/>
-                    <a:lstStyle/>
-                    <a:p>
-                      <a:pPr algn="ctr" latinLnBrk="1"/>
+                      <a:r>
+                        <a:rPr lang="en-US" altLang="ko-KR" sz="1600" dirty="0"/>
+                        <a:t>0.1373</a:t>
+                      </a:r>
+                      <a:endParaRPr lang="ko-KR" altLang="en-US" sz="1600" dirty="0"/>
+                    </a:p>
+                  </a:txBody>
+                  <a:tcPr/>
+                </a:tc>
+                <a:tc>
+                  <a:txBody>
+                    <a:bodyPr/>
+                    <a:lstStyle/>
+                    <a:p>
+                      <a:pPr algn="ctr" latinLnBrk="1"/>
+                      <a:r>
+                        <a:rPr lang="en-US" altLang="ko-KR" sz="1600" dirty="0"/>
+                        <a:t>0.1373</a:t>
+                      </a:r>
+                      <a:endParaRPr lang="ko-KR" altLang="en-US" sz="1600" dirty="0"/>
+                    </a:p>
+                  </a:txBody>
+                  <a:tcPr/>
+                </a:tc>
+                <a:tc>
+                  <a:txBody>
+                    <a:bodyPr/>
+                    <a:lstStyle/>
+                    <a:p>
+                      <a:pPr algn="ctr" latinLnBrk="1"/>
+                      <a:r>
+                        <a:rPr lang="en-US" altLang="ko-KR" sz="1600" b="1" u="sng" dirty="0"/>
+                        <a:t>0.0980</a:t>
+                      </a:r>
+                      <a:endParaRPr lang="ko-KR" altLang="en-US" sz="1600" b="1" u="sng" dirty="0"/>
+                    </a:p>
+                  </a:txBody>
+                  <a:tcPr/>
+                </a:tc>
+                <a:tc>
+                  <a:txBody>
+                    <a:bodyPr/>
+                    <a:lstStyle/>
+                    <a:p>
+                      <a:pPr algn="ctr" latinLnBrk="1"/>
+                      <a:r>
+                        <a:rPr lang="en-US" altLang="ko-KR" sz="1600" dirty="0"/>
+                        <a:t>0.1373</a:t>
+                      </a:r>
+                      <a:endParaRPr lang="ko-KR" altLang="en-US" sz="1600" dirty="0"/>
+                    </a:p>
+                  </a:txBody>
+                  <a:tcPr/>
+                </a:tc>
+                <a:tc>
+                  <a:txBody>
+                    <a:bodyPr/>
+                    <a:lstStyle/>
+                    <a:p>
+                      <a:pPr algn="ctr" latinLnBrk="1"/>
+                      <a:r>
+                        <a:rPr lang="en-US" altLang="ko-KR" sz="1600" dirty="0"/>
+                        <a:t>0.1373</a:t>
+                      </a:r>
+                      <a:endParaRPr lang="ko-KR" altLang="en-US" sz="1600" dirty="0"/>
+                    </a:p>
+                  </a:txBody>
+                  <a:tcPr/>
+                </a:tc>
+                <a:tc>
+                  <a:txBody>
+                    <a:bodyPr/>
+                    <a:lstStyle/>
+                    <a:p>
+                      <a:pPr algn="ctr" latinLnBrk="1"/>
+                      <a:r>
+                        <a:rPr lang="en-US" altLang="ko-KR" sz="1600" dirty="0"/>
+                        <a:t>0.1176</a:t>
+                      </a:r>
+                      <a:endParaRPr lang="ko-KR" altLang="en-US" sz="1600" dirty="0"/>
+                    </a:p>
+                  </a:txBody>
+                  <a:tcPr/>
+                </a:tc>
+                <a:tc>
+                  <a:txBody>
+                    <a:bodyPr/>
+                    <a:lstStyle/>
+                    <a:p>
+                      <a:pPr algn="ctr" latinLnBrk="1"/>
+                      <a:r>
+                        <a:rPr lang="en-US" altLang="ko-KR" sz="1600" dirty="0"/>
+                        <a:t>0.2157</a:t>
+                      </a:r>
+                      <a:endParaRPr lang="ko-KR" altLang="en-US" sz="1600" dirty="0"/>
+                    </a:p>
+                  </a:txBody>
+                  <a:tcPr/>
+                </a:tc>
+                <a:tc>
+                  <a:txBody>
+                    <a:bodyPr/>
+                    <a:lstStyle/>
+                    <a:p>
+                      <a:pPr algn="ctr" latinLnBrk="1"/>
+                      <a:r>
+                        <a:rPr lang="en-US" altLang="ko-KR" sz="1600" dirty="0"/>
+                        <a:t>0.2353</a:t>
+                      </a:r>
+                      <a:endParaRPr lang="ko-KR" altLang="en-US" sz="1600" dirty="0"/>
+                    </a:p>
+                  </a:txBody>
+                  <a:tcPr/>
+                </a:tc>
+                <a:tc>
+                  <a:txBody>
+                    <a:bodyPr/>
+                    <a:lstStyle/>
+                    <a:p>
+                      <a:pPr algn="ctr" latinLnBrk="1"/>
+                      <a:r>
+                        <a:rPr lang="en-US" altLang="ko-KR" sz="1600" dirty="0"/>
+                        <a:t>0.1373</a:t>
+                      </a:r>
+                      <a:endParaRPr lang="ko-KR" altLang="en-US" sz="1600" dirty="0"/>
+                    </a:p>
+                  </a:txBody>
+                  <a:tcPr/>
+                </a:tc>
+                <a:tc>
+                  <a:txBody>
+                    <a:bodyPr/>
+                    <a:lstStyle/>
+                    <a:p>
+                      <a:pPr algn="ctr" latinLnBrk="1"/>
+                      <a:r>
+                        <a:rPr lang="en-US" altLang="ko-KR" sz="1600" dirty="0"/>
+                        <a:t>0.1373</a:t>
+                      </a:r>
+                      <a:endParaRPr lang="ko-KR" altLang="en-US" sz="1600" dirty="0"/>
+                    </a:p>
+                  </a:txBody>
+                  <a:tcPr/>
+                </a:tc>
+                <a:tc>
+                  <a:txBody>
+                    <a:bodyPr/>
+                    <a:lstStyle/>
+                    <a:p>
+                      <a:pPr algn="ctr" latinLnBrk="1"/>
+                      <a:r>
+                        <a:rPr lang="en-US" altLang="ko-KR" sz="1600" dirty="0"/>
+                        <a:t>0.1373</a:t>
+                      </a:r>
                       <a:endParaRPr lang="ko-KR" altLang="en-US" sz="1600" dirty="0"/>
                     </a:p>
                   </a:txBody>
@@ -20350,8 +21248,8 @@
         </p:blipFill>
         <p:spPr>
           <a:xfrm>
-            <a:off x="10555594" y="34593195"/>
-            <a:ext cx="4627536" cy="2602664"/>
+            <a:off x="10598974" y="33848958"/>
+            <a:ext cx="4754433" cy="3595869"/>
           </a:xfrm>
           <a:prstGeom prst="rect">
             <a:avLst/>
@@ -20366,7 +21264,7 @@
         </p:nvSpPr>
         <p:spPr>
           <a:xfrm>
-            <a:off x="11445878" y="34170861"/>
+            <a:off x="11440170" y="33322608"/>
             <a:ext cx="3072039" cy="461665"/>
           </a:xfrm>
           <a:prstGeom prst="rect">
@@ -20419,7 +21317,7 @@
         </p:nvSpPr>
         <p:spPr>
           <a:xfrm>
-            <a:off x="6159902" y="34185166"/>
+            <a:off x="6399427" y="33323794"/>
             <a:ext cx="3072039" cy="461665"/>
           </a:xfrm>
           <a:prstGeom prst="rect">
@@ -20472,7 +21370,7 @@
         </p:nvSpPr>
         <p:spPr>
           <a:xfrm>
-            <a:off x="1059342" y="34158348"/>
+            <a:off x="1048846" y="33323793"/>
             <a:ext cx="3072039" cy="461665"/>
           </a:xfrm>
           <a:prstGeom prst="rect">
@@ -20525,7 +21423,7 @@
         </p:nvSpPr>
         <p:spPr>
           <a:xfrm>
-            <a:off x="1117265" y="37176174"/>
+            <a:off x="1320123" y="37440199"/>
             <a:ext cx="3072039" cy="461665"/>
           </a:xfrm>
           <a:prstGeom prst="rect">
@@ -20578,7 +21476,7 @@
         </p:nvSpPr>
         <p:spPr>
           <a:xfrm>
-            <a:off x="6444540" y="37149324"/>
+            <a:off x="6540594" y="37444827"/>
             <a:ext cx="3072039" cy="461665"/>
           </a:xfrm>
           <a:prstGeom prst="rect">
@@ -20631,7 +21529,7 @@
         </p:nvSpPr>
         <p:spPr>
           <a:xfrm>
-            <a:off x="11397575" y="37176173"/>
+            <a:off x="11446015" y="37435634"/>
             <a:ext cx="3072039" cy="461665"/>
           </a:xfrm>
           <a:prstGeom prst="rect">
@@ -25236,7 +26134,7 @@
           <p:nvPr>
             <p:extLst>
               <p:ext uri="{D42A27DB-BD31-4B8C-83A1-F6EECF244321}">
-                <p14:modId xmlns:p14="http://schemas.microsoft.com/office/powerpoint/2010/main" val="197530847"/>
+                <p14:modId xmlns:p14="http://schemas.microsoft.com/office/powerpoint/2010/main" val="440349936"/>
               </p:ext>
             </p:extLst>
           </p:nvPr>
@@ -25492,10 +26390,10 @@
                     <a:p>
                       <a:pPr algn="ctr" latinLnBrk="1"/>
                       <a:r>
-                        <a:rPr lang="en-US" altLang="ko-KR" sz="1600" dirty="0"/>
+                        <a:rPr lang="en-US" altLang="ko-KR" sz="1600" b="1" dirty="0"/>
                         <a:t>BOD</a:t>
                       </a:r>
-                      <a:endParaRPr lang="ko-KR" altLang="en-US" sz="1600" dirty="0"/>
+                      <a:endParaRPr lang="ko-KR" altLang="en-US" sz="1600" b="1" dirty="0"/>
                     </a:p>
                   </a:txBody>
                   <a:tcPr/>
@@ -25585,10 +26483,10 @@
                     <a:p>
                       <a:pPr algn="ctr" latinLnBrk="1"/>
                       <a:r>
-                        <a:rPr lang="en-US" altLang="ko-KR" sz="1600" dirty="0"/>
+                        <a:rPr lang="en-US" altLang="ko-KR" sz="1600" b="1" dirty="0"/>
                         <a:t>COD</a:t>
                       </a:r>
-                      <a:endParaRPr lang="ko-KR" altLang="en-US" sz="1600" dirty="0"/>
+                      <a:endParaRPr lang="ko-KR" altLang="en-US" sz="1600" b="1" dirty="0"/>
                     </a:p>
                   </a:txBody>
                   <a:tcPr/>
@@ -25678,10 +26576,10 @@
                     <a:p>
                       <a:pPr algn="ctr" latinLnBrk="1"/>
                       <a:r>
-                        <a:rPr lang="en-US" altLang="ko-KR" sz="1600" dirty="0"/>
+                        <a:rPr lang="en-US" altLang="ko-KR" sz="1600" b="1" dirty="0"/>
                         <a:t>T-N</a:t>
                       </a:r>
-                      <a:endParaRPr lang="ko-KR" altLang="en-US" sz="1600" dirty="0"/>
+                      <a:endParaRPr lang="ko-KR" altLang="en-US" sz="1600" b="1" dirty="0"/>
                     </a:p>
                   </a:txBody>
                   <a:tcPr/>
@@ -25771,10 +26669,10 @@
                     <a:p>
                       <a:pPr algn="ctr" latinLnBrk="1"/>
                       <a:r>
-                        <a:rPr lang="en-US" altLang="ko-KR" sz="1600" dirty="0"/>
+                        <a:rPr lang="en-US" altLang="ko-KR" sz="1600" b="1" dirty="0"/>
                         <a:t>T-P</a:t>
                       </a:r>
-                      <a:endParaRPr lang="ko-KR" altLang="en-US" sz="1600" dirty="0"/>
+                      <a:endParaRPr lang="ko-KR" altLang="en-US" sz="1600" b="1" dirty="0"/>
                     </a:p>
                   </a:txBody>
                   <a:tcPr/>
@@ -25864,10 +26762,10 @@
                     <a:p>
                       <a:pPr algn="ctr" latinLnBrk="1"/>
                       <a:r>
-                        <a:rPr lang="en-US" altLang="ko-KR" sz="1600" dirty="0"/>
+                        <a:rPr lang="en-US" altLang="ko-KR" sz="1600" b="1" dirty="0"/>
                         <a:t>TOC</a:t>
                       </a:r>
-                      <a:endParaRPr lang="ko-KR" altLang="en-US" sz="1600" dirty="0"/>
+                      <a:endParaRPr lang="ko-KR" altLang="en-US" sz="1600" b="1" dirty="0"/>
                     </a:p>
                   </a:txBody>
                   <a:tcPr/>
@@ -25957,10 +26855,10 @@
                     <a:p>
                       <a:pPr algn="ctr" latinLnBrk="1"/>
                       <a:r>
-                        <a:rPr lang="en-US" altLang="ko-KR" sz="1600" dirty="0"/>
+                        <a:rPr lang="en-US" altLang="ko-KR" sz="1600" b="1" dirty="0"/>
                         <a:t>SS</a:t>
                       </a:r>
-                      <a:endParaRPr lang="ko-KR" altLang="en-US" sz="1600" dirty="0"/>
+                      <a:endParaRPr lang="ko-KR" altLang="en-US" sz="1600" b="1" dirty="0"/>
                     </a:p>
                   </a:txBody>
                   <a:tcPr/>
@@ -26050,10 +26948,10 @@
                     <a:p>
                       <a:pPr algn="ctr" latinLnBrk="1"/>
                       <a:r>
-                        <a:rPr lang="en-US" altLang="ko-KR" sz="1600" dirty="0"/>
+                        <a:rPr lang="en-US" altLang="ko-KR" sz="1600" b="1" dirty="0"/>
                         <a:t>EC</a:t>
                       </a:r>
-                      <a:endParaRPr lang="ko-KR" altLang="en-US" sz="1600" dirty="0"/>
+                      <a:endParaRPr lang="ko-KR" altLang="en-US" sz="1600" b="1" dirty="0"/>
                     </a:p>
                   </a:txBody>
                   <a:tcPr/>
@@ -26143,10 +27041,10 @@
                     <a:p>
                       <a:pPr algn="ctr" latinLnBrk="1"/>
                       <a:r>
-                        <a:rPr lang="en-US" altLang="ko-KR" sz="1600" dirty="0"/>
+                        <a:rPr lang="en-US" altLang="ko-KR" sz="1600" b="1" dirty="0"/>
                         <a:t>pH</a:t>
                       </a:r>
-                      <a:endParaRPr lang="ko-KR" altLang="en-US" sz="1600" dirty="0"/>
+                      <a:endParaRPr lang="ko-KR" altLang="en-US" sz="1600" b="1" dirty="0"/>
                     </a:p>
                   </a:txBody>
                   <a:tcPr/>
@@ -26236,10 +27134,10 @@
                     <a:p>
                       <a:pPr algn="ctr" latinLnBrk="1"/>
                       <a:r>
-                        <a:rPr lang="en-US" altLang="ko-KR" sz="1600" dirty="0"/>
+                        <a:rPr lang="en-US" altLang="ko-KR" sz="1600" b="1" dirty="0"/>
                         <a:t>DO</a:t>
                       </a:r>
-                      <a:endParaRPr lang="ko-KR" altLang="en-US" sz="1600" dirty="0"/>
+                      <a:endParaRPr lang="ko-KR" altLang="en-US" sz="1600" b="1" dirty="0"/>
                     </a:p>
                   </a:txBody>
                   <a:tcPr/>
@@ -26329,10 +27227,10 @@
                     <a:p>
                       <a:pPr algn="ctr" latinLnBrk="1"/>
                       <a:r>
-                        <a:rPr lang="en-US" altLang="ko-KR" sz="1600" dirty="0"/>
+                        <a:rPr lang="en-US" altLang="ko-KR" sz="1600" b="1" dirty="0"/>
                         <a:t>Temperature</a:t>
                       </a:r>
-                      <a:endParaRPr lang="ko-KR" altLang="en-US" sz="1600" dirty="0"/>
+                      <a:endParaRPr lang="ko-KR" altLang="en-US" sz="1600" b="1" dirty="0"/>
                     </a:p>
                   </a:txBody>
                   <a:tcPr/>
@@ -26422,10 +27320,10 @@
                     <a:p>
                       <a:pPr algn="ctr" latinLnBrk="1"/>
                       <a:r>
-                        <a:rPr lang="en-US" altLang="ko-KR" sz="1600" dirty="0"/>
+                        <a:rPr lang="en-US" altLang="ko-KR" sz="1600" b="1" dirty="0"/>
                         <a:t>Turbidity</a:t>
                       </a:r>
-                      <a:endParaRPr lang="ko-KR" altLang="en-US" sz="1600" dirty="0"/>
+                      <a:endParaRPr lang="ko-KR" altLang="en-US" sz="1600" b="1" dirty="0"/>
                     </a:p>
                   </a:txBody>
                   <a:tcPr/>
@@ -26515,10 +27413,10 @@
                     <a:p>
                       <a:pPr algn="ctr" latinLnBrk="1"/>
                       <a:r>
-                        <a:rPr lang="en-US" altLang="ko-KR" sz="1600" dirty="0"/>
+                        <a:rPr lang="en-US" altLang="ko-KR" sz="1600" b="1" dirty="0"/>
                         <a:t>Transparency</a:t>
                       </a:r>
-                      <a:endParaRPr lang="ko-KR" altLang="en-US" sz="1600" dirty="0"/>
+                      <a:endParaRPr lang="ko-KR" altLang="en-US" sz="1600" b="1" dirty="0"/>
                     </a:p>
                   </a:txBody>
                   <a:tcPr/>
@@ -26608,10 +27506,10 @@
                     <a:p>
                       <a:pPr algn="ctr" latinLnBrk="1"/>
                       <a:r>
-                        <a:rPr lang="en-US" altLang="ko-KR" sz="1600" dirty="0"/>
+                        <a:rPr lang="en-US" altLang="ko-KR" sz="1600" b="1" dirty="0"/>
                         <a:t>Chlorophyll-a</a:t>
                       </a:r>
-                      <a:endParaRPr lang="ko-KR" altLang="en-US" sz="1600" dirty="0"/>
+                      <a:endParaRPr lang="ko-KR" altLang="en-US" sz="1600" b="1" dirty="0"/>
                     </a:p>
                   </a:txBody>
                   <a:tcPr/>
@@ -26701,10 +27599,10 @@
                     <a:p>
                       <a:pPr algn="ctr" latinLnBrk="1"/>
                       <a:r>
-                        <a:rPr lang="en-US" altLang="ko-KR" sz="1600" dirty="0"/>
+                        <a:rPr lang="en-US" altLang="ko-KR" sz="1600" b="1" dirty="0"/>
                         <a:t>low</a:t>
                       </a:r>
-                      <a:endParaRPr lang="ko-KR" altLang="en-US" sz="1600" dirty="0"/>
+                      <a:endParaRPr lang="ko-KR" altLang="en-US" sz="1600" b="1" dirty="0"/>
                     </a:p>
                   </a:txBody>
                   <a:tcPr/>
@@ -26794,10 +27692,10 @@
                     <a:p>
                       <a:pPr algn="ctr" latinLnBrk="1"/>
                       <a:r>
-                        <a:rPr lang="en-US" altLang="ko-KR" sz="1600" dirty="0"/>
+                        <a:rPr lang="en-US" altLang="ko-KR" sz="1600" b="1" dirty="0"/>
                         <a:t>flow1</a:t>
                       </a:r>
-                      <a:endParaRPr lang="ko-KR" altLang="en-US" sz="1600" dirty="0"/>
+                      <a:endParaRPr lang="ko-KR" altLang="en-US" sz="1600" b="1" dirty="0"/>
                     </a:p>
                   </a:txBody>
                   <a:tcPr/>
@@ -26887,10 +27785,10 @@
                     <a:p>
                       <a:pPr algn="ctr" latinLnBrk="1"/>
                       <a:r>
-                        <a:rPr lang="en-US" altLang="ko-KR" sz="1600" dirty="0"/>
+                        <a:rPr lang="en-US" altLang="ko-KR" sz="1600" b="1" dirty="0"/>
                         <a:t>flow2</a:t>
                       </a:r>
-                      <a:endParaRPr lang="ko-KR" altLang="en-US" sz="1600" dirty="0"/>
+                      <a:endParaRPr lang="ko-KR" altLang="en-US" sz="1600" b="1" dirty="0"/>
                     </a:p>
                   </a:txBody>
                   <a:tcPr/>
@@ -26980,10 +27878,10 @@
                     <a:p>
                       <a:pPr algn="ctr" latinLnBrk="1"/>
                       <a:r>
-                        <a:rPr lang="en-US" altLang="ko-KR" sz="1600" dirty="0"/>
+                        <a:rPr lang="en-US" altLang="ko-KR" sz="1600" b="1" dirty="0"/>
                         <a:t>reservoir</a:t>
                       </a:r>
-                      <a:endParaRPr lang="ko-KR" altLang="en-US" sz="1600" dirty="0"/>
+                      <a:endParaRPr lang="ko-KR" altLang="en-US" sz="1600" b="1" dirty="0"/>
                     </a:p>
                   </a:txBody>
                   <a:tcPr/>
@@ -27248,7 +28146,7 @@
         </p:nvSpPr>
         <p:spPr>
           <a:xfrm>
-            <a:off x="22342368" y="28580741"/>
+            <a:off x="22055354" y="28423703"/>
             <a:ext cx="3697845" cy="461665"/>
           </a:xfrm>
           <a:prstGeom prst="rect">
@@ -27335,6 +28233,114 @@
           </a:p>
         </p:txBody>
       </p:sp>
+      <p:pic>
+        <p:nvPicPr>
+          <p:cNvPr id="48" name="그림 47">
+            <a:extLst>
+              <a:ext uri="{FF2B5EF4-FFF2-40B4-BE49-F238E27FC236}">
+                <a16:creationId xmlns:a16="http://schemas.microsoft.com/office/drawing/2014/main" id="{38E3014F-12CA-477B-BCD9-D29EBB65C07B}"/>
+              </a:ext>
+            </a:extLst>
+          </p:cNvPr>
+          <p:cNvPicPr>
+            <a:picLocks noChangeAspect="1"/>
+          </p:cNvPicPr>
+          <p:nvPr/>
+        </p:nvPicPr>
+        <p:blipFill>
+          <a:blip r:embed="rId21">
+            <a:extLst>
+              <a:ext uri="{28A0092B-C50C-407E-A947-70E740481C1C}">
+                <a14:useLocalDpi xmlns:a14="http://schemas.microsoft.com/office/drawing/2010/main" val="0"/>
+              </a:ext>
+            </a:extLst>
+          </a:blip>
+          <a:stretch>
+            <a:fillRect/>
+          </a:stretch>
+        </p:blipFill>
+        <p:spPr>
+          <a:xfrm>
+            <a:off x="471695" y="15783601"/>
+            <a:ext cx="5079303" cy="3746505"/>
+          </a:xfrm>
+          <a:prstGeom prst="rect">
+            <a:avLst/>
+          </a:prstGeom>
+        </p:spPr>
+      </p:pic>
+      <p:pic>
+        <p:nvPicPr>
+          <p:cNvPr id="58" name="그림 57">
+            <a:extLst>
+              <a:ext uri="{FF2B5EF4-FFF2-40B4-BE49-F238E27FC236}">
+                <a16:creationId xmlns:a16="http://schemas.microsoft.com/office/drawing/2014/main" id="{2B2F3015-D1F9-44A3-9EC1-2EFC9272667D}"/>
+              </a:ext>
+            </a:extLst>
+          </p:cNvPr>
+          <p:cNvPicPr>
+            <a:picLocks noChangeAspect="1"/>
+          </p:cNvPicPr>
+          <p:nvPr/>
+        </p:nvPicPr>
+        <p:blipFill>
+          <a:blip r:embed="rId22">
+            <a:extLst>
+              <a:ext uri="{28A0092B-C50C-407E-A947-70E740481C1C}">
+                <a14:useLocalDpi xmlns:a14="http://schemas.microsoft.com/office/drawing/2010/main" val="0"/>
+              </a:ext>
+            </a:extLst>
+          </a:blip>
+          <a:stretch>
+            <a:fillRect/>
+          </a:stretch>
+        </p:blipFill>
+        <p:spPr>
+          <a:xfrm>
+            <a:off x="5657289" y="15783601"/>
+            <a:ext cx="5079303" cy="3746505"/>
+          </a:xfrm>
+          <a:prstGeom prst="rect">
+            <a:avLst/>
+          </a:prstGeom>
+        </p:spPr>
+      </p:pic>
+      <p:pic>
+        <p:nvPicPr>
+          <p:cNvPr id="63" name="그림 62">
+            <a:extLst>
+              <a:ext uri="{FF2B5EF4-FFF2-40B4-BE49-F238E27FC236}">
+                <a16:creationId xmlns:a16="http://schemas.microsoft.com/office/drawing/2014/main" id="{6CE61FF5-3832-426B-B618-921B10BBC79E}"/>
+              </a:ext>
+            </a:extLst>
+          </p:cNvPr>
+          <p:cNvPicPr>
+            <a:picLocks noChangeAspect="1"/>
+          </p:cNvPicPr>
+          <p:nvPr/>
+        </p:nvPicPr>
+        <p:blipFill>
+          <a:blip r:embed="rId23">
+            <a:extLst>
+              <a:ext uri="{28A0092B-C50C-407E-A947-70E740481C1C}">
+                <a14:useLocalDpi xmlns:a14="http://schemas.microsoft.com/office/drawing/2010/main" val="0"/>
+              </a:ext>
+            </a:extLst>
+          </a:blip>
+          <a:stretch>
+            <a:fillRect/>
+          </a:stretch>
+        </p:blipFill>
+        <p:spPr>
+          <a:xfrm>
+            <a:off x="10849295" y="15783600"/>
+            <a:ext cx="5006834" cy="3746506"/>
+          </a:xfrm>
+          <a:prstGeom prst="rect">
+            <a:avLst/>
+          </a:prstGeom>
+        </p:spPr>
+      </p:pic>
     </p:spTree>
     <p:extLst>
       <p:ext uri="{BB962C8B-B14F-4D97-AF65-F5344CB8AC3E}">

--- a/논문데이터분석(Comparison of algorithm for dominant species classification in water source site in Yeongsan river basin using statistical machine learning technique)/통계학회 관련(2023년 하계)/2023년 하계 통계학회 포스터 논문_황성윤_과학원.pptx
+++ b/논문데이터분석(Comparison of algorithm for dominant species classification in water source site in Yeongsan river basin using statistical machine learning technique)/통계학회 관련(2023년 하계)/2023년 하계 통계학회 포스터 논문_황성윤_과학원.pptx
@@ -254,7 +254,7 @@
           <a:p>
             <a:fld id="{B8F6B9A3-BAD0-4D3D-96AC-195AD465836F}" type="datetimeFigureOut">
               <a:rPr lang="ko-KR" altLang="en-US" smtClean="0"/>
-              <a:t>2022-12-04</a:t>
+              <a:t>2022-12-12</a:t>
             </a:fld>
             <a:endParaRPr lang="ko-KR" altLang="en-US"/>
           </a:p>
@@ -424,7 +424,7 @@
           <a:p>
             <a:fld id="{B8F6B9A3-BAD0-4D3D-96AC-195AD465836F}" type="datetimeFigureOut">
               <a:rPr lang="ko-KR" altLang="en-US" smtClean="0"/>
-              <a:t>2022-12-04</a:t>
+              <a:t>2022-12-12</a:t>
             </a:fld>
             <a:endParaRPr lang="ko-KR" altLang="en-US"/>
           </a:p>
@@ -604,7 +604,7 @@
           <a:p>
             <a:fld id="{B8F6B9A3-BAD0-4D3D-96AC-195AD465836F}" type="datetimeFigureOut">
               <a:rPr lang="ko-KR" altLang="en-US" smtClean="0"/>
-              <a:t>2022-12-04</a:t>
+              <a:t>2022-12-12</a:t>
             </a:fld>
             <a:endParaRPr lang="ko-KR" altLang="en-US"/>
           </a:p>
@@ -774,7 +774,7 @@
           <a:p>
             <a:fld id="{B8F6B9A3-BAD0-4D3D-96AC-195AD465836F}" type="datetimeFigureOut">
               <a:rPr lang="ko-KR" altLang="en-US" smtClean="0"/>
-              <a:t>2022-12-04</a:t>
+              <a:t>2022-12-12</a:t>
             </a:fld>
             <a:endParaRPr lang="ko-KR" altLang="en-US"/>
           </a:p>
@@ -1018,7 +1018,7 @@
           <a:p>
             <a:fld id="{B8F6B9A3-BAD0-4D3D-96AC-195AD465836F}" type="datetimeFigureOut">
               <a:rPr lang="ko-KR" altLang="en-US" smtClean="0"/>
-              <a:t>2022-12-04</a:t>
+              <a:t>2022-12-12</a:t>
             </a:fld>
             <a:endParaRPr lang="ko-KR" altLang="en-US"/>
           </a:p>
@@ -1250,7 +1250,7 @@
           <a:p>
             <a:fld id="{B8F6B9A3-BAD0-4D3D-96AC-195AD465836F}" type="datetimeFigureOut">
               <a:rPr lang="ko-KR" altLang="en-US" smtClean="0"/>
-              <a:t>2022-12-04</a:t>
+              <a:t>2022-12-12</a:t>
             </a:fld>
             <a:endParaRPr lang="ko-KR" altLang="en-US"/>
           </a:p>
@@ -1617,7 +1617,7 @@
           <a:p>
             <a:fld id="{B8F6B9A3-BAD0-4D3D-96AC-195AD465836F}" type="datetimeFigureOut">
               <a:rPr lang="ko-KR" altLang="en-US" smtClean="0"/>
-              <a:t>2022-12-04</a:t>
+              <a:t>2022-12-12</a:t>
             </a:fld>
             <a:endParaRPr lang="ko-KR" altLang="en-US"/>
           </a:p>
@@ -1735,7 +1735,7 @@
           <a:p>
             <a:fld id="{B8F6B9A3-BAD0-4D3D-96AC-195AD465836F}" type="datetimeFigureOut">
               <a:rPr lang="ko-KR" altLang="en-US" smtClean="0"/>
-              <a:t>2022-12-04</a:t>
+              <a:t>2022-12-12</a:t>
             </a:fld>
             <a:endParaRPr lang="ko-KR" altLang="en-US"/>
           </a:p>
@@ -1830,7 +1830,7 @@
           <a:p>
             <a:fld id="{B8F6B9A3-BAD0-4D3D-96AC-195AD465836F}" type="datetimeFigureOut">
               <a:rPr lang="ko-KR" altLang="en-US" smtClean="0"/>
-              <a:t>2022-12-04</a:t>
+              <a:t>2022-12-12</a:t>
             </a:fld>
             <a:endParaRPr lang="ko-KR" altLang="en-US"/>
           </a:p>
@@ -2107,7 +2107,7 @@
           <a:p>
             <a:fld id="{B8F6B9A3-BAD0-4D3D-96AC-195AD465836F}" type="datetimeFigureOut">
               <a:rPr lang="ko-KR" altLang="en-US" smtClean="0"/>
-              <a:t>2022-12-04</a:t>
+              <a:t>2022-12-12</a:t>
             </a:fld>
             <a:endParaRPr lang="ko-KR" altLang="en-US"/>
           </a:p>
@@ -2364,7 +2364,7 @@
           <a:p>
             <a:fld id="{B8F6B9A3-BAD0-4D3D-96AC-195AD465836F}" type="datetimeFigureOut">
               <a:rPr lang="ko-KR" altLang="en-US" smtClean="0"/>
-              <a:t>2022-12-04</a:t>
+              <a:t>2022-12-12</a:t>
             </a:fld>
             <a:endParaRPr lang="ko-KR" altLang="en-US"/>
           </a:p>
@@ -2577,7 +2577,7 @@
           <a:p>
             <a:fld id="{B8F6B9A3-BAD0-4D3D-96AC-195AD465836F}" type="datetimeFigureOut">
               <a:rPr lang="ko-KR" altLang="en-US" smtClean="0"/>
-              <a:t>2022-12-04</a:t>
+              <a:t>2022-12-12</a:t>
             </a:fld>
             <a:endParaRPr lang="ko-KR" altLang="en-US"/>
           </a:p>
@@ -6780,7 +6780,21 @@
                       <a:ea typeface="나눔바른고딕" panose="020B0603020101020101" pitchFamily="50" charset="-127"/>
                       <a:cs typeface="Arial" charset="0"/>
                     </a:rPr>
-                    <a:t>(T-N), </a:t>
+                    <a:t>(</a:t>
+                  </a:r>
+                  <a:r>
+                    <a:rPr lang="en-US" altLang="ko-KR" dirty="0" smtClean="0">
+                      <a:solidFill>
+                        <a:prstClr val="black">
+                          <a:lumMod val="65000"/>
+                          <a:lumOff val="35000"/>
+                        </a:prstClr>
+                      </a:solidFill>
+                      <a:latin typeface="나눔바른고딕" panose="020B0603020101020101" pitchFamily="50" charset="-127"/>
+                      <a:ea typeface="나눔바른고딕" panose="020B0603020101020101" pitchFamily="50" charset="-127"/>
+                      <a:cs typeface="Arial" charset="0"/>
+                    </a:rPr>
+                    <a:t>T-P), </a:t>
                   </a:r>
                   <a:r>
                     <a:rPr lang="ko-KR" altLang="en-US" dirty="0">
@@ -12307,7 +12321,7 @@
                 <a:blipFill>
                   <a:blip r:embed="rId5"/>
                   <a:stretch>
-                    <a:fillRect l="-318"/>
+                    <a:fillRect l="-755" r="-596"/>
                   </a:stretch>
                 </a:blipFill>
               </p:spPr>

--- a/논문데이터분석(Comparison of algorithm for dominant species classification in water source site in Yeongsan river basin using statistical machine learning technique)/통계학회 관련(2023년 하계)/2023년 하계 통계학회 포스터 논문_황성윤_과학원.pptx
+++ b/논문데이터분석(Comparison of algorithm for dominant species classification in water source site in Yeongsan river basin using statistical machine learning technique)/통계학회 관련(2023년 하계)/2023년 하계 통계학회 포스터 논문_황성윤_과학원.pptx
@@ -254,7 +254,7 @@
           <a:p>
             <a:fld id="{B8F6B9A3-BAD0-4D3D-96AC-195AD465836F}" type="datetimeFigureOut">
               <a:rPr lang="ko-KR" altLang="en-US" smtClean="0"/>
-              <a:t>2022-12-12</a:t>
+              <a:t>2023-01-03</a:t>
             </a:fld>
             <a:endParaRPr lang="ko-KR" altLang="en-US"/>
           </a:p>
@@ -424,7 +424,7 @@
           <a:p>
             <a:fld id="{B8F6B9A3-BAD0-4D3D-96AC-195AD465836F}" type="datetimeFigureOut">
               <a:rPr lang="ko-KR" altLang="en-US" smtClean="0"/>
-              <a:t>2022-12-12</a:t>
+              <a:t>2023-01-03</a:t>
             </a:fld>
             <a:endParaRPr lang="ko-KR" altLang="en-US"/>
           </a:p>
@@ -604,7 +604,7 @@
           <a:p>
             <a:fld id="{B8F6B9A3-BAD0-4D3D-96AC-195AD465836F}" type="datetimeFigureOut">
               <a:rPr lang="ko-KR" altLang="en-US" smtClean="0"/>
-              <a:t>2022-12-12</a:t>
+              <a:t>2023-01-03</a:t>
             </a:fld>
             <a:endParaRPr lang="ko-KR" altLang="en-US"/>
           </a:p>
@@ -774,7 +774,7 @@
           <a:p>
             <a:fld id="{B8F6B9A3-BAD0-4D3D-96AC-195AD465836F}" type="datetimeFigureOut">
               <a:rPr lang="ko-KR" altLang="en-US" smtClean="0"/>
-              <a:t>2022-12-12</a:t>
+              <a:t>2023-01-03</a:t>
             </a:fld>
             <a:endParaRPr lang="ko-KR" altLang="en-US"/>
           </a:p>
@@ -1018,7 +1018,7 @@
           <a:p>
             <a:fld id="{B8F6B9A3-BAD0-4D3D-96AC-195AD465836F}" type="datetimeFigureOut">
               <a:rPr lang="ko-KR" altLang="en-US" smtClean="0"/>
-              <a:t>2022-12-12</a:t>
+              <a:t>2023-01-03</a:t>
             </a:fld>
             <a:endParaRPr lang="ko-KR" altLang="en-US"/>
           </a:p>
@@ -1250,7 +1250,7 @@
           <a:p>
             <a:fld id="{B8F6B9A3-BAD0-4D3D-96AC-195AD465836F}" type="datetimeFigureOut">
               <a:rPr lang="ko-KR" altLang="en-US" smtClean="0"/>
-              <a:t>2022-12-12</a:t>
+              <a:t>2023-01-03</a:t>
             </a:fld>
             <a:endParaRPr lang="ko-KR" altLang="en-US"/>
           </a:p>
@@ -1617,7 +1617,7 @@
           <a:p>
             <a:fld id="{B8F6B9A3-BAD0-4D3D-96AC-195AD465836F}" type="datetimeFigureOut">
               <a:rPr lang="ko-KR" altLang="en-US" smtClean="0"/>
-              <a:t>2022-12-12</a:t>
+              <a:t>2023-01-03</a:t>
             </a:fld>
             <a:endParaRPr lang="ko-KR" altLang="en-US"/>
           </a:p>
@@ -1735,7 +1735,7 @@
           <a:p>
             <a:fld id="{B8F6B9A3-BAD0-4D3D-96AC-195AD465836F}" type="datetimeFigureOut">
               <a:rPr lang="ko-KR" altLang="en-US" smtClean="0"/>
-              <a:t>2022-12-12</a:t>
+              <a:t>2023-01-03</a:t>
             </a:fld>
             <a:endParaRPr lang="ko-KR" altLang="en-US"/>
           </a:p>
@@ -1830,7 +1830,7 @@
           <a:p>
             <a:fld id="{B8F6B9A3-BAD0-4D3D-96AC-195AD465836F}" type="datetimeFigureOut">
               <a:rPr lang="ko-KR" altLang="en-US" smtClean="0"/>
-              <a:t>2022-12-12</a:t>
+              <a:t>2023-01-03</a:t>
             </a:fld>
             <a:endParaRPr lang="ko-KR" altLang="en-US"/>
           </a:p>
@@ -2107,7 +2107,7 @@
           <a:p>
             <a:fld id="{B8F6B9A3-BAD0-4D3D-96AC-195AD465836F}" type="datetimeFigureOut">
               <a:rPr lang="ko-KR" altLang="en-US" smtClean="0"/>
-              <a:t>2022-12-12</a:t>
+              <a:t>2023-01-03</a:t>
             </a:fld>
             <a:endParaRPr lang="ko-KR" altLang="en-US"/>
           </a:p>
@@ -2364,7 +2364,7 @@
           <a:p>
             <a:fld id="{B8F6B9A3-BAD0-4D3D-96AC-195AD465836F}" type="datetimeFigureOut">
               <a:rPr lang="ko-KR" altLang="en-US" smtClean="0"/>
-              <a:t>2022-12-12</a:t>
+              <a:t>2023-01-03</a:t>
             </a:fld>
             <a:endParaRPr lang="ko-KR" altLang="en-US"/>
           </a:p>
@@ -2577,7 +2577,7 @@
           <a:p>
             <a:fld id="{B8F6B9A3-BAD0-4D3D-96AC-195AD465836F}" type="datetimeFigureOut">
               <a:rPr lang="ko-KR" altLang="en-US" smtClean="0"/>
-              <a:t>2022-12-12</a:t>
+              <a:t>2023-01-03</a:t>
             </a:fld>
             <a:endParaRPr lang="ko-KR" altLang="en-US"/>
           </a:p>
@@ -3076,7 +3076,75 @@
                 <a:latin typeface="나눔바른고딕" panose="020B0603020101020101" pitchFamily="50" charset="-127"/>
                 <a:ea typeface="나눔바른고딕" panose="020B0603020101020101" pitchFamily="50" charset="-127"/>
               </a:rPr>
-              <a:t>통계적 기계학습 기법을 이용한 영산강 수계 상수원 지점의 </a:t>
+              <a:t>통계적 기계학습 기법을 이용한 </a:t>
+            </a:r>
+            <a:r>
+              <a:rPr lang="ko-KR" altLang="en-US" sz="5400" b="1" dirty="0" smtClean="0">
+                <a:solidFill>
+                  <a:srgbClr val="002060"/>
+                </a:solidFill>
+                <a:effectLst>
+                  <a:outerShdw blurRad="38100" dist="38100" dir="2700000" algn="tl">
+                    <a:srgbClr val="000000">
+                      <a:alpha val="43137"/>
+                    </a:srgbClr>
+                  </a:outerShdw>
+                </a:effectLst>
+                <a:latin typeface="나눔바른고딕" panose="020B0603020101020101" pitchFamily="50" charset="-127"/>
+                <a:ea typeface="나눔바른고딕" panose="020B0603020101020101" pitchFamily="50" charset="-127"/>
+              </a:rPr>
+              <a:t>영산강</a:t>
+            </a:r>
+            <a:r>
+              <a:rPr lang="en-US" altLang="ko-KR" sz="5400" b="1" dirty="0" smtClean="0">
+                <a:solidFill>
+                  <a:srgbClr val="002060"/>
+                </a:solidFill>
+                <a:effectLst>
+                  <a:outerShdw blurRad="38100" dist="38100" dir="2700000" algn="tl">
+                    <a:srgbClr val="000000">
+                      <a:alpha val="43137"/>
+                    </a:srgbClr>
+                  </a:outerShdw>
+                </a:effectLst>
+                <a:latin typeface="나눔바른고딕" panose="020B0603020101020101" pitchFamily="50" charset="-127"/>
+                <a:ea typeface="나눔바른고딕" panose="020B0603020101020101" pitchFamily="50" charset="-127"/>
+              </a:rPr>
+              <a:t>, </a:t>
+            </a:r>
+            <a:r>
+              <a:rPr lang="ko-KR" altLang="en-US" sz="5400" b="1" dirty="0" smtClean="0">
+                <a:solidFill>
+                  <a:srgbClr val="002060"/>
+                </a:solidFill>
+                <a:effectLst>
+                  <a:outerShdw blurRad="38100" dist="38100" dir="2700000" algn="tl">
+                    <a:srgbClr val="000000">
+                      <a:alpha val="43137"/>
+                    </a:srgbClr>
+                  </a:outerShdw>
+                </a:effectLst>
+                <a:latin typeface="나눔바른고딕" panose="020B0603020101020101" pitchFamily="50" charset="-127"/>
+                <a:ea typeface="나눔바른고딕" panose="020B0603020101020101" pitchFamily="50" charset="-127"/>
+              </a:rPr>
+              <a:t>섬진강 </a:t>
+            </a:r>
+            <a:r>
+              <a:rPr lang="ko-KR" altLang="en-US" sz="5400" b="1" dirty="0">
+                <a:solidFill>
+                  <a:srgbClr val="002060"/>
+                </a:solidFill>
+                <a:effectLst>
+                  <a:outerShdw blurRad="38100" dist="38100" dir="2700000" algn="tl">
+                    <a:srgbClr val="000000">
+                      <a:alpha val="43137"/>
+                    </a:srgbClr>
+                  </a:outerShdw>
+                </a:effectLst>
+                <a:latin typeface="나눔바른고딕" panose="020B0603020101020101" pitchFamily="50" charset="-127"/>
+                <a:ea typeface="나눔바른고딕" panose="020B0603020101020101" pitchFamily="50" charset="-127"/>
+              </a:rPr>
+              <a:t>수계 상수원 지점의 </a:t>
             </a:r>
             <a:r>
               <a:rPr lang="ko-KR" altLang="en-US" sz="5400" b="1" dirty="0" err="1">
@@ -3147,7 +3215,7 @@
               <a:t>Comparison of algorithm for dominant algae classification in water source site in </a:t>
             </a:r>
             <a:r>
-              <a:rPr lang="en-US" altLang="ko-KR" sz="4400" b="1" dirty="0" err="1">
+              <a:rPr lang="en-US" altLang="ko-KR" sz="4400" b="1" dirty="0" err="1" smtClean="0">
                 <a:solidFill>
                   <a:srgbClr val="002060"/>
                 </a:solidFill>
@@ -3164,6 +3232,57 @@
               <a:t>Yeongsan</a:t>
             </a:r>
             <a:r>
+              <a:rPr lang="en-US" altLang="ko-KR" sz="4400" b="1" dirty="0" smtClean="0">
+                <a:solidFill>
+                  <a:srgbClr val="002060"/>
+                </a:solidFill>
+                <a:effectLst>
+                  <a:outerShdw blurRad="38100" dist="38100" dir="2700000" algn="tl">
+                    <a:srgbClr val="000000">
+                      <a:alpha val="43137"/>
+                    </a:srgbClr>
+                  </a:outerShdw>
+                </a:effectLst>
+                <a:latin typeface="나눔바른고딕" panose="020B0603020101020101" pitchFamily="50" charset="-127"/>
+                <a:ea typeface="나눔바른고딕" panose="020B0603020101020101" pitchFamily="50" charset="-127"/>
+              </a:rPr>
+              <a:t>, </a:t>
+            </a:r>
+            <a:r>
+              <a:rPr lang="en-US" altLang="ko-KR" sz="4400" b="1" dirty="0" err="1" smtClean="0">
+                <a:solidFill>
+                  <a:srgbClr val="002060"/>
+                </a:solidFill>
+                <a:effectLst>
+                  <a:outerShdw blurRad="38100" dist="38100" dir="2700000" algn="tl">
+                    <a:srgbClr val="000000">
+                      <a:alpha val="43137"/>
+                    </a:srgbClr>
+                  </a:outerShdw>
+                </a:effectLst>
+                <a:latin typeface="나눔바른고딕" panose="020B0603020101020101" pitchFamily="50" charset="-127"/>
+                <a:ea typeface="나눔바른고딕" panose="020B0603020101020101" pitchFamily="50" charset="-127"/>
+              </a:rPr>
+              <a:t>Seomjin</a:t>
+            </a:r>
+            <a:r>
+              <a:rPr lang="en-US" altLang="ko-KR" sz="4400" b="1" dirty="0" smtClean="0">
+                <a:solidFill>
+                  <a:srgbClr val="002060"/>
+                </a:solidFill>
+                <a:effectLst>
+                  <a:outerShdw blurRad="38100" dist="38100" dir="2700000" algn="tl">
+                    <a:srgbClr val="000000">
+                      <a:alpha val="43137"/>
+                    </a:srgbClr>
+                  </a:outerShdw>
+                </a:effectLst>
+                <a:latin typeface="나눔바른고딕" panose="020B0603020101020101" pitchFamily="50" charset="-127"/>
+                <a:ea typeface="나눔바른고딕" panose="020B0603020101020101" pitchFamily="50" charset="-127"/>
+              </a:rPr>
+              <a:t> </a:t>
+            </a:r>
+            <a:r>
               <a:rPr lang="en-US" altLang="ko-KR" sz="4400" b="1" dirty="0">
                 <a:solidFill>
                   <a:srgbClr val="002060"/>
@@ -3178,7 +3297,7 @@
                 <a:latin typeface="나눔바른고딕" panose="020B0603020101020101" pitchFamily="50" charset="-127"/>
                 <a:ea typeface="나눔바른고딕" panose="020B0603020101020101" pitchFamily="50" charset="-127"/>
               </a:rPr>
-              <a:t> river basin </a:t>
+              <a:t>river basin </a:t>
             </a:r>
           </a:p>
           <a:p>
@@ -3621,9 +3740,9 @@
         <p:grpSpPr>
           <a:xfrm>
             <a:off x="422186" y="6197946"/>
-            <a:ext cx="15695553" cy="7823061"/>
+            <a:ext cx="15695553" cy="7132687"/>
             <a:chOff x="514124" y="2066267"/>
-            <a:chExt cx="13554809" cy="14341543"/>
+            <a:chExt cx="13554809" cy="13075922"/>
           </a:xfrm>
         </p:grpSpPr>
         <p:grpSp>
@@ -3831,8 +3950,8 @@
           </p:nvSpPr>
           <p:spPr>
             <a:xfrm>
-              <a:off x="556880" y="3203122"/>
-              <a:ext cx="13278023" cy="13204688"/>
+              <a:off x="556880" y="3203123"/>
+              <a:ext cx="13278023" cy="11939066"/>
             </a:xfrm>
             <a:prstGeom prst="rect">
               <a:avLst/>
@@ -3883,6 +4002,20 @@
                 <a:t>: </a:t>
               </a:r>
               <a:r>
+                <a:rPr lang="ko-KR" altLang="en-US" dirty="0" smtClean="0">
+                  <a:solidFill>
+                    <a:prstClr val="black">
+                      <a:lumMod val="65000"/>
+                      <a:lumOff val="35000"/>
+                    </a:prstClr>
+                  </a:solidFill>
+                  <a:latin typeface="나눔바른고딕" panose="020B0603020101020101" pitchFamily="50" charset="-127"/>
+                  <a:ea typeface="나눔바른고딕" panose="020B0603020101020101" pitchFamily="50" charset="-127"/>
+                  <a:cs typeface="Arial" charset="0"/>
+                </a:rPr>
+                <a:t>영산강 및 섬진강 </a:t>
+              </a:r>
+              <a:r>
                 <a:rPr lang="ko-KR" altLang="en-US" dirty="0">
                   <a:solidFill>
                     <a:prstClr val="black">
@@ -3894,7 +4027,7 @@
                   <a:ea typeface="나눔바른고딕" panose="020B0603020101020101" pitchFamily="50" charset="-127"/>
                   <a:cs typeface="Arial" charset="0"/>
                 </a:rPr>
-                <a:t>영산강 유역</a:t>
+                <a:t>유역</a:t>
               </a:r>
               <a:r>
                 <a:rPr lang="en-US" altLang="ko-KR" dirty="0">
@@ -5569,9 +5702,9 @@
         <p:grpSpPr>
           <a:xfrm>
             <a:off x="16298705" y="35429371"/>
-            <a:ext cx="15695553" cy="2596357"/>
+            <a:ext cx="15695553" cy="2737066"/>
             <a:chOff x="504091" y="6579120"/>
-            <a:chExt cx="13554809" cy="4287180"/>
+            <a:chExt cx="13554809" cy="4422999"/>
           </a:xfrm>
         </p:grpSpPr>
         <p:grpSp>
@@ -5765,7 +5898,7 @@
           <p:spPr>
             <a:xfrm>
               <a:off x="549630" y="7647936"/>
-              <a:ext cx="13242244" cy="2636867"/>
+              <a:ext cx="13242244" cy="3354183"/>
             </a:xfrm>
             <a:prstGeom prst="rect">
               <a:avLst/>
@@ -6021,7 +6154,175 @@
                 <a:t> 분류하는 데 있어 더 좋은 알고리즘을 제안할 수 있을 것으로 여겨짐</a:t>
               </a:r>
               <a:r>
-                <a:rPr lang="en-US" altLang="ko-KR" dirty="0">
+                <a:rPr lang="en-US" altLang="ko-KR" dirty="0" smtClean="0">
+                  <a:solidFill>
+                    <a:prstClr val="black">
+                      <a:lumMod val="65000"/>
+                      <a:lumOff val="35000"/>
+                    </a:prstClr>
+                  </a:solidFill>
+                  <a:latin typeface="나눔바른고딕" panose="020B0603020101020101" pitchFamily="50" charset="-127"/>
+                  <a:ea typeface="나눔바른고딕" panose="020B0603020101020101" pitchFamily="50" charset="-127"/>
+                  <a:cs typeface="Arial" charset="0"/>
+                </a:rPr>
+                <a:t>. </a:t>
+              </a:r>
+              <a:r>
+                <a:rPr lang="ko-KR" altLang="en-US" dirty="0" smtClean="0">
+                  <a:solidFill>
+                    <a:prstClr val="black">
+                      <a:lumMod val="65000"/>
+                      <a:lumOff val="35000"/>
+                    </a:prstClr>
+                  </a:solidFill>
+                  <a:latin typeface="나눔바른고딕" panose="020B0603020101020101" pitchFamily="50" charset="-127"/>
+                  <a:ea typeface="나눔바른고딕" panose="020B0603020101020101" pitchFamily="50" charset="-127"/>
+                  <a:cs typeface="Arial" charset="0"/>
+                </a:rPr>
+                <a:t>또한 타 수계</a:t>
+              </a:r>
+              <a:r>
+                <a:rPr lang="en-US" altLang="ko-KR" dirty="0" smtClean="0">
+                  <a:solidFill>
+                    <a:prstClr val="black">
+                      <a:lumMod val="65000"/>
+                      <a:lumOff val="35000"/>
+                    </a:prstClr>
+                  </a:solidFill>
+                  <a:latin typeface="나눔바른고딕" panose="020B0603020101020101" pitchFamily="50" charset="-127"/>
+                  <a:ea typeface="나눔바른고딕" panose="020B0603020101020101" pitchFamily="50" charset="-127"/>
+                  <a:cs typeface="Arial" charset="0"/>
+                </a:rPr>
+                <a:t>(</a:t>
+              </a:r>
+              <a:r>
+                <a:rPr lang="ko-KR" altLang="en-US" dirty="0" smtClean="0">
+                  <a:solidFill>
+                    <a:prstClr val="black">
+                      <a:lumMod val="65000"/>
+                      <a:lumOff val="35000"/>
+                    </a:prstClr>
+                  </a:solidFill>
+                  <a:latin typeface="나눔바른고딕" panose="020B0603020101020101" pitchFamily="50" charset="-127"/>
+                  <a:ea typeface="나눔바른고딕" panose="020B0603020101020101" pitchFamily="50" charset="-127"/>
+                  <a:cs typeface="Arial" charset="0"/>
+                </a:rPr>
+                <a:t>한강</a:t>
+              </a:r>
+              <a:r>
+                <a:rPr lang="en-US" altLang="ko-KR" dirty="0" smtClean="0">
+                  <a:solidFill>
+                    <a:prstClr val="black">
+                      <a:lumMod val="65000"/>
+                      <a:lumOff val="35000"/>
+                    </a:prstClr>
+                  </a:solidFill>
+                  <a:latin typeface="나눔바른고딕" panose="020B0603020101020101" pitchFamily="50" charset="-127"/>
+                  <a:ea typeface="나눔바른고딕" panose="020B0603020101020101" pitchFamily="50" charset="-127"/>
+                  <a:cs typeface="Arial" charset="0"/>
+                </a:rPr>
+                <a:t>, </a:t>
+              </a:r>
+              <a:r>
+                <a:rPr lang="ko-KR" altLang="en-US" dirty="0" smtClean="0">
+                  <a:solidFill>
+                    <a:prstClr val="black">
+                      <a:lumMod val="65000"/>
+                      <a:lumOff val="35000"/>
+                    </a:prstClr>
+                  </a:solidFill>
+                  <a:latin typeface="나눔바른고딕" panose="020B0603020101020101" pitchFamily="50" charset="-127"/>
+                  <a:ea typeface="나눔바른고딕" panose="020B0603020101020101" pitchFamily="50" charset="-127"/>
+                  <a:cs typeface="Arial" charset="0"/>
+                </a:rPr>
+                <a:t>금강</a:t>
+              </a:r>
+              <a:r>
+                <a:rPr lang="en-US" altLang="ko-KR" dirty="0" smtClean="0">
+                  <a:solidFill>
+                    <a:prstClr val="black">
+                      <a:lumMod val="65000"/>
+                      <a:lumOff val="35000"/>
+                    </a:prstClr>
+                  </a:solidFill>
+                  <a:latin typeface="나눔바른고딕" panose="020B0603020101020101" pitchFamily="50" charset="-127"/>
+                  <a:ea typeface="나눔바른고딕" panose="020B0603020101020101" pitchFamily="50" charset="-127"/>
+                  <a:cs typeface="Arial" charset="0"/>
+                </a:rPr>
+                <a:t>, </a:t>
+              </a:r>
+              <a:r>
+                <a:rPr lang="ko-KR" altLang="en-US" dirty="0" smtClean="0">
+                  <a:solidFill>
+                    <a:prstClr val="black">
+                      <a:lumMod val="65000"/>
+                      <a:lumOff val="35000"/>
+                    </a:prstClr>
+                  </a:solidFill>
+                  <a:latin typeface="나눔바른고딕" panose="020B0603020101020101" pitchFamily="50" charset="-127"/>
+                  <a:ea typeface="나눔바른고딕" panose="020B0603020101020101" pitchFamily="50" charset="-127"/>
+                  <a:cs typeface="Arial" charset="0"/>
+                </a:rPr>
+                <a:t>낙동강</a:t>
+              </a:r>
+              <a:r>
+                <a:rPr lang="en-US" altLang="ko-KR" dirty="0" smtClean="0">
+                  <a:solidFill>
+                    <a:prstClr val="black">
+                      <a:lumMod val="65000"/>
+                      <a:lumOff val="35000"/>
+                    </a:prstClr>
+                  </a:solidFill>
+                  <a:latin typeface="나눔바른고딕" panose="020B0603020101020101" pitchFamily="50" charset="-127"/>
+                  <a:ea typeface="나눔바른고딕" panose="020B0603020101020101" pitchFamily="50" charset="-127"/>
+                  <a:cs typeface="Arial" charset="0"/>
+                </a:rPr>
+                <a:t>) </a:t>
+              </a:r>
+              <a:r>
+                <a:rPr lang="ko-KR" altLang="en-US" dirty="0" smtClean="0">
+                  <a:solidFill>
+                    <a:prstClr val="black">
+                      <a:lumMod val="65000"/>
+                      <a:lumOff val="35000"/>
+                    </a:prstClr>
+                  </a:solidFill>
+                  <a:latin typeface="나눔바른고딕" panose="020B0603020101020101" pitchFamily="50" charset="-127"/>
+                  <a:ea typeface="나눔바른고딕" panose="020B0603020101020101" pitchFamily="50" charset="-127"/>
+                  <a:cs typeface="Arial" charset="0"/>
+                </a:rPr>
+                <a:t>내의 상수원 지점에 대해서도 본 연구에서 적용한 기법을 적용한다면 </a:t>
+              </a:r>
+              <a:r>
+                <a:rPr lang="ko-KR" altLang="en-US" dirty="0" err="1" smtClean="0">
+                  <a:solidFill>
+                    <a:prstClr val="black">
+                      <a:lumMod val="65000"/>
+                      <a:lumOff val="35000"/>
+                    </a:prstClr>
+                  </a:solidFill>
+                  <a:latin typeface="나눔바른고딕" panose="020B0603020101020101" pitchFamily="50" charset="-127"/>
+                  <a:ea typeface="나눔바른고딕" panose="020B0603020101020101" pitchFamily="50" charset="-127"/>
+                  <a:cs typeface="Arial" charset="0"/>
+                </a:rPr>
+                <a:t>의미있는</a:t>
+              </a:r>
+              <a:r>
+                <a:rPr lang="ko-KR" altLang="en-US" dirty="0" smtClean="0">
+                  <a:solidFill>
+                    <a:prstClr val="black">
+                      <a:lumMod val="65000"/>
+                      <a:lumOff val="35000"/>
+                    </a:prstClr>
+                  </a:solidFill>
+                  <a:latin typeface="나눔바른고딕" panose="020B0603020101020101" pitchFamily="50" charset="-127"/>
+                  <a:ea typeface="나눔바른고딕" panose="020B0603020101020101" pitchFamily="50" charset="-127"/>
+                  <a:cs typeface="Arial" charset="0"/>
+                </a:rPr>
+                <a:t> 결과를 도출할 수 있을 것으로 기대됨</a:t>
+              </a:r>
+              <a:r>
+                <a:rPr lang="en-US" altLang="ko-KR" dirty="0" smtClean="0">
                   <a:solidFill>
                     <a:prstClr val="black">
                       <a:lumMod val="65000"/>
@@ -6034,6 +6335,17 @@
                 </a:rPr>
                 <a:t>.</a:t>
               </a:r>
+              <a:endParaRPr lang="en-US" altLang="ko-KR" dirty="0">
+                <a:solidFill>
+                  <a:prstClr val="black">
+                    <a:lumMod val="65000"/>
+                    <a:lumOff val="35000"/>
+                  </a:prstClr>
+                </a:solidFill>
+                <a:latin typeface="나눔바른고딕" panose="020B0603020101020101" pitchFamily="50" charset="-127"/>
+                <a:ea typeface="나눔바른고딕" panose="020B0603020101020101" pitchFamily="50" charset="-127"/>
+                <a:cs typeface="Arial" charset="0"/>
+              </a:endParaRPr>
             </a:p>
           </p:txBody>
         </p:sp>
@@ -6207,7 +6519,7 @@
         <p:grpSpPr>
           <a:xfrm>
             <a:off x="409802" y="12710010"/>
-            <a:ext cx="15695555" cy="25315718"/>
+            <a:ext cx="15695555" cy="25372380"/>
             <a:chOff x="590429" y="4235035"/>
             <a:chExt cx="13554811" cy="18030975"/>
           </a:xfrm>
@@ -6561,7 +6873,133 @@
                       <a:ea typeface="나눔바른고딕" panose="020B0603020101020101" pitchFamily="50" charset="-127"/>
                       <a:cs typeface="Arial" charset="0"/>
                     </a:rPr>
-                    <a:t>년 물환경측정망 주</a:t>
+                    <a:t>년 </a:t>
+                  </a:r>
+                  <a:r>
+                    <a:rPr lang="ko-KR" altLang="en-US" dirty="0" smtClean="0">
+                      <a:solidFill>
+                        <a:prstClr val="black">
+                          <a:lumMod val="65000"/>
+                          <a:lumOff val="35000"/>
+                        </a:prstClr>
+                      </a:solidFill>
+                      <a:latin typeface="나눔바른고딕" panose="020B0603020101020101" pitchFamily="50" charset="-127"/>
+                      <a:ea typeface="나눔바른고딕" panose="020B0603020101020101" pitchFamily="50" charset="-127"/>
+                      <a:cs typeface="Arial" charset="0"/>
+                    </a:rPr>
+                    <a:t>수질측정망</a:t>
+                  </a:r>
+                  <a:r>
+                    <a:rPr lang="en-US" altLang="ko-KR" dirty="0" smtClean="0">
+                      <a:solidFill>
+                        <a:prstClr val="black">
+                          <a:lumMod val="65000"/>
+                          <a:lumOff val="35000"/>
+                        </a:prstClr>
+                      </a:solidFill>
+                      <a:latin typeface="나눔바른고딕" panose="020B0603020101020101" pitchFamily="50" charset="-127"/>
+                      <a:ea typeface="나눔바른고딕" panose="020B0603020101020101" pitchFamily="50" charset="-127"/>
+                      <a:cs typeface="Arial" charset="0"/>
+                    </a:rPr>
+                    <a:t>, </a:t>
+                  </a:r>
+                  <a:r>
+                    <a:rPr lang="ko-KR" altLang="en-US" dirty="0" err="1" smtClean="0">
+                      <a:solidFill>
+                        <a:prstClr val="black">
+                          <a:lumMod val="65000"/>
+                          <a:lumOff val="35000"/>
+                        </a:prstClr>
+                      </a:solidFill>
+                      <a:latin typeface="나눔바른고딕" panose="020B0603020101020101" pitchFamily="50" charset="-127"/>
+                      <a:ea typeface="나눔바른고딕" panose="020B0603020101020101" pitchFamily="50" charset="-127"/>
+                      <a:cs typeface="Arial" charset="0"/>
+                    </a:rPr>
+                    <a:t>조류경보제</a:t>
+                  </a:r>
+                  <a:r>
+                    <a:rPr lang="en-US" altLang="ko-KR" dirty="0" smtClean="0">
+                      <a:solidFill>
+                        <a:prstClr val="black">
+                          <a:lumMod val="65000"/>
+                          <a:lumOff val="35000"/>
+                        </a:prstClr>
+                      </a:solidFill>
+                      <a:latin typeface="나눔바른고딕" panose="020B0603020101020101" pitchFamily="50" charset="-127"/>
+                      <a:ea typeface="나눔바른고딕" panose="020B0603020101020101" pitchFamily="50" charset="-127"/>
+                      <a:cs typeface="Arial" charset="0"/>
+                    </a:rPr>
+                    <a:t>, </a:t>
+                  </a:r>
+                  <a:r>
+                    <a:rPr lang="ko-KR" altLang="en-US" dirty="0" smtClean="0">
+                      <a:solidFill>
+                        <a:prstClr val="black">
+                          <a:lumMod val="65000"/>
+                          <a:lumOff val="35000"/>
+                        </a:prstClr>
+                      </a:solidFill>
+                      <a:latin typeface="나눔바른고딕" panose="020B0603020101020101" pitchFamily="50" charset="-127"/>
+                      <a:ea typeface="나눔바른고딕" panose="020B0603020101020101" pitchFamily="50" charset="-127"/>
+                      <a:cs typeface="Arial" charset="0"/>
+                    </a:rPr>
+                    <a:t>수리</a:t>
+                  </a:r>
+                  <a:r>
+                    <a:rPr lang="en-US" altLang="ko-KR" dirty="0" smtClean="0">
+                      <a:solidFill>
+                        <a:prstClr val="black">
+                          <a:lumMod val="65000"/>
+                          <a:lumOff val="35000"/>
+                        </a:prstClr>
+                      </a:solidFill>
+                      <a:latin typeface="나눔바른고딕" panose="020B0603020101020101" pitchFamily="50" charset="-127"/>
+                      <a:ea typeface="나눔바른고딕" panose="020B0603020101020101" pitchFamily="50" charset="-127"/>
+                      <a:cs typeface="Arial" charset="0"/>
+                    </a:rPr>
+                    <a:t>, </a:t>
+                  </a:r>
+                  <a:r>
+                    <a:rPr lang="ko-KR" altLang="en-US" dirty="0" smtClean="0">
+                      <a:solidFill>
+                        <a:prstClr val="black">
+                          <a:lumMod val="65000"/>
+                          <a:lumOff val="35000"/>
+                        </a:prstClr>
+                      </a:solidFill>
+                      <a:latin typeface="나눔바른고딕" panose="020B0603020101020101" pitchFamily="50" charset="-127"/>
+                      <a:ea typeface="나눔바른고딕" panose="020B0603020101020101" pitchFamily="50" charset="-127"/>
+                      <a:cs typeface="Arial" charset="0"/>
+                    </a:rPr>
+                    <a:t>수문 관련</a:t>
+                  </a:r>
+                  <a:r>
+                    <a:rPr lang="ko-KR" altLang="en-US" dirty="0" smtClean="0">
+                      <a:solidFill>
+                        <a:prstClr val="black">
+                          <a:lumMod val="65000"/>
+                          <a:lumOff val="35000"/>
+                        </a:prstClr>
+                      </a:solidFill>
+                      <a:latin typeface="나눔바른고딕" panose="020B0603020101020101" pitchFamily="50" charset="-127"/>
+                      <a:ea typeface="나눔바른고딕" panose="020B0603020101020101" pitchFamily="50" charset="-127"/>
+                      <a:cs typeface="Arial" charset="0"/>
+                    </a:rPr>
+                    <a:t> </a:t>
+                  </a:r>
+                  <a:r>
+                    <a:rPr lang="ko-KR" altLang="en-US" dirty="0">
+                      <a:solidFill>
+                        <a:prstClr val="black">
+                          <a:lumMod val="65000"/>
+                          <a:lumOff val="35000"/>
+                        </a:prstClr>
+                      </a:solidFill>
+                      <a:latin typeface="나눔바른고딕" panose="020B0603020101020101" pitchFamily="50" charset="-127"/>
+                      <a:ea typeface="나눔바른고딕" panose="020B0603020101020101" pitchFamily="50" charset="-127"/>
+                      <a:cs typeface="Arial" charset="0"/>
+                    </a:rPr>
+                    <a:t>주</a:t>
                   </a:r>
                   <a:r>
                     <a:rPr lang="en-US" altLang="ko-KR" dirty="0">
@@ -15059,6 +15497,20 @@
               </a:tabLst>
             </a:pPr>
             <a:r>
+              <a:rPr lang="ko-KR" altLang="en-US" dirty="0" smtClean="0">
+                <a:solidFill>
+                  <a:prstClr val="black">
+                    <a:lumMod val="65000"/>
+                    <a:lumOff val="35000"/>
+                  </a:prstClr>
+                </a:solidFill>
+                <a:latin typeface="나눔바른고딕" panose="020B0603020101020101" pitchFamily="50" charset="-127"/>
+                <a:ea typeface="나눔바른고딕" panose="020B0603020101020101" pitchFamily="50" charset="-127"/>
+                <a:cs typeface="Arial" charset="0"/>
+              </a:rPr>
+              <a:t>영산강 및 섬진강 수계 대표 </a:t>
+            </a:r>
+            <a:r>
               <a:rPr lang="ko-KR" altLang="en-US" dirty="0">
                 <a:solidFill>
                   <a:prstClr val="black">
@@ -15070,7 +15522,7 @@
                 <a:ea typeface="나눔바른고딕" panose="020B0603020101020101" pitchFamily="50" charset="-127"/>
                 <a:cs typeface="Arial" charset="0"/>
               </a:rPr>
-              <a:t>영산강 수계 상수원 지점인 </a:t>
+              <a:t>상수원 지점인 </a:t>
             </a:r>
             <a:r>
               <a:rPr lang="ko-KR" altLang="en-US" dirty="0" err="1">
@@ -15182,7 +15634,91 @@
                 <a:ea typeface="나눔바른고딕" panose="020B0603020101020101" pitchFamily="50" charset="-127"/>
                 <a:cs typeface="Arial" charset="0"/>
               </a:rPr>
-              <a:t>년 이후 급격한 강수량 감소로 인해 수자원이 부족할 위기에 처해 있으며 이에 따라 발생하는 </a:t>
+              <a:t>년 </a:t>
+            </a:r>
+            <a:r>
+              <a:rPr lang="ko-KR" altLang="en-US" dirty="0" smtClean="0">
+                <a:solidFill>
+                  <a:prstClr val="black">
+                    <a:lumMod val="65000"/>
+                    <a:lumOff val="35000"/>
+                  </a:prstClr>
+                </a:solidFill>
+                <a:latin typeface="나눔바른고딕" panose="020B0603020101020101" pitchFamily="50" charset="-127"/>
+                <a:ea typeface="나눔바른고딕" panose="020B0603020101020101" pitchFamily="50" charset="-127"/>
+                <a:cs typeface="Arial" charset="0"/>
+              </a:rPr>
+              <a:t>이후 시작된 </a:t>
+            </a:r>
+            <a:r>
+              <a:rPr lang="ko-KR" altLang="en-US" dirty="0">
+                <a:solidFill>
+                  <a:prstClr val="black">
+                    <a:lumMod val="65000"/>
+                    <a:lumOff val="35000"/>
+                  </a:prstClr>
+                </a:solidFill>
+                <a:latin typeface="나눔바른고딕" panose="020B0603020101020101" pitchFamily="50" charset="-127"/>
+                <a:ea typeface="나눔바른고딕" panose="020B0603020101020101" pitchFamily="50" charset="-127"/>
+                <a:cs typeface="Arial" charset="0"/>
+              </a:rPr>
+              <a:t>급격한 강수량 </a:t>
+            </a:r>
+            <a:r>
+              <a:rPr lang="ko-KR" altLang="en-US" dirty="0" smtClean="0">
+                <a:solidFill>
+                  <a:prstClr val="black">
+                    <a:lumMod val="65000"/>
+                    <a:lumOff val="35000"/>
+                  </a:prstClr>
+                </a:solidFill>
+                <a:latin typeface="나눔바른고딕" panose="020B0603020101020101" pitchFamily="50" charset="-127"/>
+                <a:ea typeface="나눔바른고딕" panose="020B0603020101020101" pitchFamily="50" charset="-127"/>
+                <a:cs typeface="Arial" charset="0"/>
+              </a:rPr>
+              <a:t>감소와 </a:t>
+            </a:r>
+            <a:r>
+              <a:rPr lang="en-US" altLang="ko-KR" dirty="0" smtClean="0">
+                <a:solidFill>
+                  <a:prstClr val="black">
+                    <a:lumMod val="65000"/>
+                    <a:lumOff val="35000"/>
+                  </a:prstClr>
+                </a:solidFill>
+                <a:latin typeface="나눔바른고딕" panose="020B0603020101020101" pitchFamily="50" charset="-127"/>
+                <a:ea typeface="나눔바른고딕" panose="020B0603020101020101" pitchFamily="50" charset="-127"/>
+                <a:cs typeface="Arial" charset="0"/>
+              </a:rPr>
+              <a:t>`22</a:t>
+            </a:r>
+            <a:r>
+              <a:rPr lang="ko-KR" altLang="en-US" dirty="0" smtClean="0">
+                <a:solidFill>
+                  <a:prstClr val="black">
+                    <a:lumMod val="65000"/>
+                    <a:lumOff val="35000"/>
+                  </a:prstClr>
+                </a:solidFill>
+                <a:latin typeface="나눔바른고딕" panose="020B0603020101020101" pitchFamily="50" charset="-127"/>
+                <a:ea typeface="나눔바른고딕" panose="020B0603020101020101" pitchFamily="50" charset="-127"/>
+                <a:cs typeface="Arial" charset="0"/>
+              </a:rPr>
+              <a:t>년 극심한 가뭄으로 </a:t>
+            </a:r>
+            <a:r>
+              <a:rPr lang="ko-KR" altLang="en-US" dirty="0">
+                <a:solidFill>
+                  <a:prstClr val="black">
+                    <a:lumMod val="65000"/>
+                    <a:lumOff val="35000"/>
+                  </a:prstClr>
+                </a:solidFill>
+                <a:latin typeface="나눔바른고딕" panose="020B0603020101020101" pitchFamily="50" charset="-127"/>
+                <a:ea typeface="나눔바른고딕" panose="020B0603020101020101" pitchFamily="50" charset="-127"/>
+                <a:cs typeface="Arial" charset="0"/>
+              </a:rPr>
+              <a:t>인해 수자원이 부족할 위기에 처해 있으며 이에 따라 발생하는 </a:t>
             </a:r>
             <a:r>
               <a:rPr lang="ko-KR" altLang="en-US" dirty="0" err="1">

--- a/논문데이터분석(Comparison of algorithm for dominant species classification in water source site in Yeongsan river basin using statistical machine learning technique)/통계학회 관련(2023년 하계)/2023년 하계 통계학회 포스터 논문_황성윤_과학원.pptx
+++ b/논문데이터분석(Comparison of algorithm for dominant species classification in water source site in Yeongsan river basin using statistical machine learning technique)/통계학회 관련(2023년 하계)/2023년 하계 통계학회 포스터 논문_황성윤_과학원.pptx
@@ -254,7 +254,7 @@
           <a:p>
             <a:fld id="{B8F6B9A3-BAD0-4D3D-96AC-195AD465836F}" type="datetimeFigureOut">
               <a:rPr lang="ko-KR" altLang="en-US" smtClean="0"/>
-              <a:t>2023-01-03</a:t>
+              <a:t>2023-01-12</a:t>
             </a:fld>
             <a:endParaRPr lang="ko-KR" altLang="en-US"/>
           </a:p>
@@ -424,7 +424,7 @@
           <a:p>
             <a:fld id="{B8F6B9A3-BAD0-4D3D-96AC-195AD465836F}" type="datetimeFigureOut">
               <a:rPr lang="ko-KR" altLang="en-US" smtClean="0"/>
-              <a:t>2023-01-03</a:t>
+              <a:t>2023-01-12</a:t>
             </a:fld>
             <a:endParaRPr lang="ko-KR" altLang="en-US"/>
           </a:p>
@@ -604,7 +604,7 @@
           <a:p>
             <a:fld id="{B8F6B9A3-BAD0-4D3D-96AC-195AD465836F}" type="datetimeFigureOut">
               <a:rPr lang="ko-KR" altLang="en-US" smtClean="0"/>
-              <a:t>2023-01-03</a:t>
+              <a:t>2023-01-12</a:t>
             </a:fld>
             <a:endParaRPr lang="ko-KR" altLang="en-US"/>
           </a:p>
@@ -774,7 +774,7 @@
           <a:p>
             <a:fld id="{B8F6B9A3-BAD0-4D3D-96AC-195AD465836F}" type="datetimeFigureOut">
               <a:rPr lang="ko-KR" altLang="en-US" smtClean="0"/>
-              <a:t>2023-01-03</a:t>
+              <a:t>2023-01-12</a:t>
             </a:fld>
             <a:endParaRPr lang="ko-KR" altLang="en-US"/>
           </a:p>
@@ -1018,7 +1018,7 @@
           <a:p>
             <a:fld id="{B8F6B9A3-BAD0-4D3D-96AC-195AD465836F}" type="datetimeFigureOut">
               <a:rPr lang="ko-KR" altLang="en-US" smtClean="0"/>
-              <a:t>2023-01-03</a:t>
+              <a:t>2023-01-12</a:t>
             </a:fld>
             <a:endParaRPr lang="ko-KR" altLang="en-US"/>
           </a:p>
@@ -1250,7 +1250,7 @@
           <a:p>
             <a:fld id="{B8F6B9A3-BAD0-4D3D-96AC-195AD465836F}" type="datetimeFigureOut">
               <a:rPr lang="ko-KR" altLang="en-US" smtClean="0"/>
-              <a:t>2023-01-03</a:t>
+              <a:t>2023-01-12</a:t>
             </a:fld>
             <a:endParaRPr lang="ko-KR" altLang="en-US"/>
           </a:p>
@@ -1617,7 +1617,7 @@
           <a:p>
             <a:fld id="{B8F6B9A3-BAD0-4D3D-96AC-195AD465836F}" type="datetimeFigureOut">
               <a:rPr lang="ko-KR" altLang="en-US" smtClean="0"/>
-              <a:t>2023-01-03</a:t>
+              <a:t>2023-01-12</a:t>
             </a:fld>
             <a:endParaRPr lang="ko-KR" altLang="en-US"/>
           </a:p>
@@ -1735,7 +1735,7 @@
           <a:p>
             <a:fld id="{B8F6B9A3-BAD0-4D3D-96AC-195AD465836F}" type="datetimeFigureOut">
               <a:rPr lang="ko-KR" altLang="en-US" smtClean="0"/>
-              <a:t>2023-01-03</a:t>
+              <a:t>2023-01-12</a:t>
             </a:fld>
             <a:endParaRPr lang="ko-KR" altLang="en-US"/>
           </a:p>
@@ -1830,7 +1830,7 @@
           <a:p>
             <a:fld id="{B8F6B9A3-BAD0-4D3D-96AC-195AD465836F}" type="datetimeFigureOut">
               <a:rPr lang="ko-KR" altLang="en-US" smtClean="0"/>
-              <a:t>2023-01-03</a:t>
+              <a:t>2023-01-12</a:t>
             </a:fld>
             <a:endParaRPr lang="ko-KR" altLang="en-US"/>
           </a:p>
@@ -2107,7 +2107,7 @@
           <a:p>
             <a:fld id="{B8F6B9A3-BAD0-4D3D-96AC-195AD465836F}" type="datetimeFigureOut">
               <a:rPr lang="ko-KR" altLang="en-US" smtClean="0"/>
-              <a:t>2023-01-03</a:t>
+              <a:t>2023-01-12</a:t>
             </a:fld>
             <a:endParaRPr lang="ko-KR" altLang="en-US"/>
           </a:p>
@@ -2364,7 +2364,7 @@
           <a:p>
             <a:fld id="{B8F6B9A3-BAD0-4D3D-96AC-195AD465836F}" type="datetimeFigureOut">
               <a:rPr lang="ko-KR" altLang="en-US" smtClean="0"/>
-              <a:t>2023-01-03</a:t>
+              <a:t>2023-01-12</a:t>
             </a:fld>
             <a:endParaRPr lang="ko-KR" altLang="en-US"/>
           </a:p>
@@ -2577,7 +2577,7 @@
           <a:p>
             <a:fld id="{B8F6B9A3-BAD0-4D3D-96AC-195AD465836F}" type="datetimeFigureOut">
               <a:rPr lang="ko-KR" altLang="en-US" smtClean="0"/>
-              <a:t>2023-01-03</a:t>
+              <a:t>2023-01-12</a:t>
             </a:fld>
             <a:endParaRPr lang="ko-KR" altLang="en-US"/>
           </a:p>
@@ -6700,8 +6700,8 @@
             </p:txBody>
           </p:sp>
         </p:grpSp>
-        <mc:AlternateContent xmlns:mc="http://schemas.openxmlformats.org/markup-compatibility/2006">
-          <mc:Choice xmlns:a14="http://schemas.microsoft.com/office/drawing/2010/main" Requires="a14">
+        <mc:AlternateContent xmlns:mc="http://schemas.openxmlformats.org/markup-compatibility/2006" xmlns:a14="http://schemas.microsoft.com/office/drawing/2010/main">
+          <mc:Choice Requires="a14">
             <p:sp>
               <p:nvSpPr>
                 <p:cNvPr id="32" name="직사각형 31">
@@ -6971,21 +6971,7 @@
                       <a:ea typeface="나눔바른고딕" panose="020B0603020101020101" pitchFamily="50" charset="-127"/>
                       <a:cs typeface="Arial" charset="0"/>
                     </a:rPr>
-                    <a:t>수문 관련</a:t>
-                  </a:r>
-                  <a:r>
-                    <a:rPr lang="ko-KR" altLang="en-US" dirty="0" smtClean="0">
-                      <a:solidFill>
-                        <a:prstClr val="black">
-                          <a:lumMod val="65000"/>
-                          <a:lumOff val="35000"/>
-                        </a:prstClr>
-                      </a:solidFill>
-                      <a:latin typeface="나눔바른고딕" panose="020B0603020101020101" pitchFamily="50" charset="-127"/>
-                      <a:ea typeface="나눔바른고딕" panose="020B0603020101020101" pitchFamily="50" charset="-127"/>
-                      <a:cs typeface="Arial" charset="0"/>
-                    </a:rPr>
-                    <a:t> </a:t>
+                    <a:t>수문 관련 </a:t>
                   </a:r>
                   <a:r>
                     <a:rPr lang="ko-KR" altLang="en-US" dirty="0">
@@ -12733,7 +12719,7 @@
               </p:txBody>
             </p:sp>
           </mc:Choice>
-          <mc:Fallback>
+          <mc:Fallback xmlns="">
             <p:sp>
               <p:nvSpPr>
                 <p:cNvPr id="32" name="직사각형 31">
@@ -16091,7 +16077,7 @@
           <p:nvPr>
             <p:extLst>
               <p:ext uri="{D42A27DB-BD31-4B8C-83A1-F6EECF244321}">
-                <p14:modId xmlns:p14="http://schemas.microsoft.com/office/powerpoint/2010/main" val="362603400"/>
+                <p14:modId xmlns:p14="http://schemas.microsoft.com/office/powerpoint/2010/main" val="4083384850"/>
               </p:ext>
             </p:extLst>
           </p:nvPr>
@@ -16604,9 +16590,10 @@
                     <a:p>
                       <a:pPr algn="ctr" latinLnBrk="1"/>
                       <a:r>
-                        <a:rPr lang="en-US" altLang="ko-KR" sz="1600" b="1" dirty="0"/>
-                        <a:t>Response</a:t>
-                      </a:r>
+                        <a:rPr lang="en-US" altLang="ko-KR" sz="1600" b="1" dirty="0" smtClean="0"/>
+                        <a:t>Explanatory</a:t>
+                      </a:r>
+                      <a:endParaRPr lang="en-US" altLang="ko-KR" sz="1600" b="1" dirty="0"/>
                     </a:p>
                     <a:p>
                       <a:pPr algn="ctr" latinLnBrk="1"/>
@@ -22139,7 +22126,7 @@
           <p:nvPr>
             <p:extLst>
               <p:ext uri="{D42A27DB-BD31-4B8C-83A1-F6EECF244321}">
-                <p14:modId xmlns:p14="http://schemas.microsoft.com/office/powerpoint/2010/main" val="227325214"/>
+                <p14:modId xmlns:p14="http://schemas.microsoft.com/office/powerpoint/2010/main" val="986215148"/>
               </p:ext>
             </p:extLst>
           </p:nvPr>
@@ -22879,10 +22866,37 @@
                     <a:bodyPr/>
                     <a:lstStyle/>
                     <a:p>
-                      <a:pPr algn="ctr" latinLnBrk="1"/>
+                      <a:pPr marL="0" marR="0" lvl="0" indent="0" algn="ctr" defTabSz="3239902" rtl="0" eaLnBrk="1" fontAlgn="auto" latinLnBrk="1" hangingPunct="1">
+                        <a:lnSpc>
+                          <a:spcPct val="100000"/>
+                        </a:lnSpc>
+                        <a:spcBef>
+                          <a:spcPts val="0"/>
+                        </a:spcBef>
+                        <a:spcAft>
+                          <a:spcPts val="0"/>
+                        </a:spcAft>
+                        <a:buClrTx/>
+                        <a:buSzTx/>
+                        <a:buFontTx/>
+                        <a:buNone/>
+                        <a:tabLst/>
+                        <a:defRPr/>
+                      </a:pPr>
+                      <a:r>
+                        <a:rPr lang="en-US" altLang="ko-KR" sz="1600" b="1" dirty="0" smtClean="0"/>
+                        <a:t>Explanatory</a:t>
+                      </a:r>
+                    </a:p>
+                    <a:p>
+                      <a:pPr algn="ctr" latinLnBrk="1"/>
+                      <a:r>
+                        <a:rPr lang="en-US" altLang="ko-KR" sz="1600" b="1" dirty="0" smtClean="0"/>
+                        <a:t> </a:t>
+                      </a:r>
                       <a:r>
                         <a:rPr lang="en-US" altLang="ko-KR" sz="1600" b="1" dirty="0"/>
-                        <a:t>Response Variable</a:t>
+                        <a:t>Variable</a:t>
                       </a:r>
                       <a:endParaRPr lang="ko-KR" altLang="en-US" sz="1600" b="1" dirty="0"/>
                     </a:p>
@@ -26684,7 +26698,7 @@
           <p:nvPr>
             <p:extLst>
               <p:ext uri="{D42A27DB-BD31-4B8C-83A1-F6EECF244321}">
-                <p14:modId xmlns:p14="http://schemas.microsoft.com/office/powerpoint/2010/main" val="440349936"/>
+                <p14:modId xmlns:p14="http://schemas.microsoft.com/office/powerpoint/2010/main" val="1896188289"/>
               </p:ext>
             </p:extLst>
           </p:nvPr>
@@ -26925,8 +26939,15 @@
                     <a:p>
                       <a:pPr algn="ctr" latinLnBrk="1"/>
                       <a:r>
-                        <a:rPr lang="en-US" altLang="ko-KR" sz="1600" b="1" dirty="0"/>
-                        <a:t>Response Variable</a:t>
+                        <a:rPr lang="en-US" altLang="ko-KR" sz="1600" b="1" dirty="0" smtClean="0"/>
+                        <a:t>Explanatory</a:t>
+                      </a:r>
+                    </a:p>
+                    <a:p>
+                      <a:pPr algn="ctr" latinLnBrk="1"/>
+                      <a:r>
+                        <a:rPr lang="en-US" altLang="ko-KR" sz="1600" b="1" dirty="0" smtClean="0"/>
+                        <a:t>Variable</a:t>
                       </a:r>
                       <a:endParaRPr lang="ko-KR" altLang="en-US" sz="1600" b="1" dirty="0"/>
                     </a:p>

--- a/논문데이터분석(Comparison of algorithm for dominant species classification in water source site in Yeongsan river basin using statistical machine learning technique)/통계학회 관련(2023년 하계)/2023년 하계 통계학회 포스터 논문_황성윤_과학원.pptx
+++ b/논문데이터분석(Comparison of algorithm for dominant species classification in water source site in Yeongsan river basin using statistical machine learning technique)/통계학회 관련(2023년 하계)/2023년 하계 통계학회 포스터 논문_황성윤_과학원.pptx
@@ -254,7 +254,7 @@
           <a:p>
             <a:fld id="{B8F6B9A3-BAD0-4D3D-96AC-195AD465836F}" type="datetimeFigureOut">
               <a:rPr lang="ko-KR" altLang="en-US" smtClean="0"/>
-              <a:t>2023-01-12</a:t>
+              <a:t>2023-01-24</a:t>
             </a:fld>
             <a:endParaRPr lang="ko-KR" altLang="en-US"/>
           </a:p>
@@ -424,7 +424,7 @@
           <a:p>
             <a:fld id="{B8F6B9A3-BAD0-4D3D-96AC-195AD465836F}" type="datetimeFigureOut">
               <a:rPr lang="ko-KR" altLang="en-US" smtClean="0"/>
-              <a:t>2023-01-12</a:t>
+              <a:t>2023-01-24</a:t>
             </a:fld>
             <a:endParaRPr lang="ko-KR" altLang="en-US"/>
           </a:p>
@@ -604,7 +604,7 @@
           <a:p>
             <a:fld id="{B8F6B9A3-BAD0-4D3D-96AC-195AD465836F}" type="datetimeFigureOut">
               <a:rPr lang="ko-KR" altLang="en-US" smtClean="0"/>
-              <a:t>2023-01-12</a:t>
+              <a:t>2023-01-24</a:t>
             </a:fld>
             <a:endParaRPr lang="ko-KR" altLang="en-US"/>
           </a:p>
@@ -774,7 +774,7 @@
           <a:p>
             <a:fld id="{B8F6B9A3-BAD0-4D3D-96AC-195AD465836F}" type="datetimeFigureOut">
               <a:rPr lang="ko-KR" altLang="en-US" smtClean="0"/>
-              <a:t>2023-01-12</a:t>
+              <a:t>2023-01-24</a:t>
             </a:fld>
             <a:endParaRPr lang="ko-KR" altLang="en-US"/>
           </a:p>
@@ -1018,7 +1018,7 @@
           <a:p>
             <a:fld id="{B8F6B9A3-BAD0-4D3D-96AC-195AD465836F}" type="datetimeFigureOut">
               <a:rPr lang="ko-KR" altLang="en-US" smtClean="0"/>
-              <a:t>2023-01-12</a:t>
+              <a:t>2023-01-24</a:t>
             </a:fld>
             <a:endParaRPr lang="ko-KR" altLang="en-US"/>
           </a:p>
@@ -1250,7 +1250,7 @@
           <a:p>
             <a:fld id="{B8F6B9A3-BAD0-4D3D-96AC-195AD465836F}" type="datetimeFigureOut">
               <a:rPr lang="ko-KR" altLang="en-US" smtClean="0"/>
-              <a:t>2023-01-12</a:t>
+              <a:t>2023-01-24</a:t>
             </a:fld>
             <a:endParaRPr lang="ko-KR" altLang="en-US"/>
           </a:p>
@@ -1617,7 +1617,7 @@
           <a:p>
             <a:fld id="{B8F6B9A3-BAD0-4D3D-96AC-195AD465836F}" type="datetimeFigureOut">
               <a:rPr lang="ko-KR" altLang="en-US" smtClean="0"/>
-              <a:t>2023-01-12</a:t>
+              <a:t>2023-01-24</a:t>
             </a:fld>
             <a:endParaRPr lang="ko-KR" altLang="en-US"/>
           </a:p>
@@ -1735,7 +1735,7 @@
           <a:p>
             <a:fld id="{B8F6B9A3-BAD0-4D3D-96AC-195AD465836F}" type="datetimeFigureOut">
               <a:rPr lang="ko-KR" altLang="en-US" smtClean="0"/>
-              <a:t>2023-01-12</a:t>
+              <a:t>2023-01-24</a:t>
             </a:fld>
             <a:endParaRPr lang="ko-KR" altLang="en-US"/>
           </a:p>
@@ -1830,7 +1830,7 @@
           <a:p>
             <a:fld id="{B8F6B9A3-BAD0-4D3D-96AC-195AD465836F}" type="datetimeFigureOut">
               <a:rPr lang="ko-KR" altLang="en-US" smtClean="0"/>
-              <a:t>2023-01-12</a:t>
+              <a:t>2023-01-24</a:t>
             </a:fld>
             <a:endParaRPr lang="ko-KR" altLang="en-US"/>
           </a:p>
@@ -2107,7 +2107,7 @@
           <a:p>
             <a:fld id="{B8F6B9A3-BAD0-4D3D-96AC-195AD465836F}" type="datetimeFigureOut">
               <a:rPr lang="ko-KR" altLang="en-US" smtClean="0"/>
-              <a:t>2023-01-12</a:t>
+              <a:t>2023-01-24</a:t>
             </a:fld>
             <a:endParaRPr lang="ko-KR" altLang="en-US"/>
           </a:p>
@@ -2364,7 +2364,7 @@
           <a:p>
             <a:fld id="{B8F6B9A3-BAD0-4D3D-96AC-195AD465836F}" type="datetimeFigureOut">
               <a:rPr lang="ko-KR" altLang="en-US" smtClean="0"/>
-              <a:t>2023-01-12</a:t>
+              <a:t>2023-01-24</a:t>
             </a:fld>
             <a:endParaRPr lang="ko-KR" altLang="en-US"/>
           </a:p>
@@ -2577,7 +2577,7 @@
           <a:p>
             <a:fld id="{B8F6B9A3-BAD0-4D3D-96AC-195AD465836F}" type="datetimeFigureOut">
               <a:rPr lang="ko-KR" altLang="en-US" smtClean="0"/>
-              <a:t>2023-01-12</a:t>
+              <a:t>2023-01-24</a:t>
             </a:fld>
             <a:endParaRPr lang="ko-KR" altLang="en-US"/>
           </a:p>
@@ -3047,7 +3047,7 @@
         <p:spPr>
           <a:xfrm>
             <a:off x="0" y="72304"/>
-            <a:ext cx="32399288" cy="3662541"/>
+            <a:ext cx="32399288" cy="2923877"/>
           </a:xfrm>
           <a:prstGeom prst="rect">
             <a:avLst/>
@@ -3062,7 +3062,7 @@
           <a:p>
             <a:pPr algn="ctr"/>
             <a:r>
-              <a:rPr lang="ko-KR" altLang="en-US" sz="5400" b="1" dirty="0">
+              <a:rPr lang="ko-KR" altLang="en-US" sz="4000" b="1" dirty="0">
                 <a:solidFill>
                   <a:srgbClr val="002060"/>
                 </a:solidFill>
@@ -3076,27 +3076,10 @@
                 <a:latin typeface="나눔바른고딕" panose="020B0603020101020101" pitchFamily="50" charset="-127"/>
                 <a:ea typeface="나눔바른고딕" panose="020B0603020101020101" pitchFamily="50" charset="-127"/>
               </a:rPr>
-              <a:t>통계적 기계학습 기법을 이용한 </a:t>
+              <a:t>통계적 기계학습 기법을 이용한 영산강</a:t>
             </a:r>
             <a:r>
-              <a:rPr lang="ko-KR" altLang="en-US" sz="5400" b="1" dirty="0" smtClean="0">
-                <a:solidFill>
-                  <a:srgbClr val="002060"/>
-                </a:solidFill>
-                <a:effectLst>
-                  <a:outerShdw blurRad="38100" dist="38100" dir="2700000" algn="tl">
-                    <a:srgbClr val="000000">
-                      <a:alpha val="43137"/>
-                    </a:srgbClr>
-                  </a:outerShdw>
-                </a:effectLst>
-                <a:latin typeface="나눔바른고딕" panose="020B0603020101020101" pitchFamily="50" charset="-127"/>
-                <a:ea typeface="나눔바른고딕" panose="020B0603020101020101" pitchFamily="50" charset="-127"/>
-              </a:rPr>
-              <a:t>영산강</a:t>
-            </a:r>
-            <a:r>
-              <a:rPr lang="en-US" altLang="ko-KR" sz="5400" b="1" dirty="0" smtClean="0">
+              <a:rPr lang="en-US" altLang="ko-KR" sz="4000" b="1" dirty="0">
                 <a:solidFill>
                   <a:srgbClr val="002060"/>
                 </a:solidFill>
@@ -3113,7 +3096,7 @@
               <a:t>, </a:t>
             </a:r>
             <a:r>
-              <a:rPr lang="ko-KR" altLang="en-US" sz="5400" b="1" dirty="0" smtClean="0">
+              <a:rPr lang="ko-KR" altLang="en-US" sz="4000" b="1" dirty="0">
                 <a:solidFill>
                   <a:srgbClr val="002060"/>
                 </a:solidFill>
@@ -3127,215 +3110,8 @@
                 <a:latin typeface="나눔바른고딕" panose="020B0603020101020101" pitchFamily="50" charset="-127"/>
                 <a:ea typeface="나눔바른고딕" panose="020B0603020101020101" pitchFamily="50" charset="-127"/>
               </a:rPr>
-              <a:t>섬진강 </a:t>
+              <a:t>섬진강 수계 상수원 지점의 </a:t>
             </a:r>
-            <a:r>
-              <a:rPr lang="ko-KR" altLang="en-US" sz="5400" b="1" dirty="0">
-                <a:solidFill>
-                  <a:srgbClr val="002060"/>
-                </a:solidFill>
-                <a:effectLst>
-                  <a:outerShdw blurRad="38100" dist="38100" dir="2700000" algn="tl">
-                    <a:srgbClr val="000000">
-                      <a:alpha val="43137"/>
-                    </a:srgbClr>
-                  </a:outerShdw>
-                </a:effectLst>
-                <a:latin typeface="나눔바른고딕" panose="020B0603020101020101" pitchFamily="50" charset="-127"/>
-                <a:ea typeface="나눔바른고딕" panose="020B0603020101020101" pitchFamily="50" charset="-127"/>
-              </a:rPr>
-              <a:t>수계 상수원 지점의 </a:t>
-            </a:r>
-            <a:r>
-              <a:rPr lang="ko-KR" altLang="en-US" sz="5400" b="1" dirty="0" err="1">
-                <a:solidFill>
-                  <a:srgbClr val="002060"/>
-                </a:solidFill>
-                <a:effectLst>
-                  <a:outerShdw blurRad="38100" dist="38100" dir="2700000" algn="tl">
-                    <a:srgbClr val="000000">
-                      <a:alpha val="43137"/>
-                    </a:srgbClr>
-                  </a:outerShdw>
-                </a:effectLst>
-                <a:latin typeface="나눔바른고딕" panose="020B0603020101020101" pitchFamily="50" charset="-127"/>
-                <a:ea typeface="나눔바른고딕" panose="020B0603020101020101" pitchFamily="50" charset="-127"/>
-              </a:rPr>
-              <a:t>우점조류</a:t>
-            </a:r>
-            <a:r>
-              <a:rPr lang="ko-KR" altLang="en-US" sz="5400" b="1" dirty="0">
-                <a:solidFill>
-                  <a:srgbClr val="002060"/>
-                </a:solidFill>
-                <a:effectLst>
-                  <a:outerShdw blurRad="38100" dist="38100" dir="2700000" algn="tl">
-                    <a:srgbClr val="000000">
-                      <a:alpha val="43137"/>
-                    </a:srgbClr>
-                  </a:outerShdw>
-                </a:effectLst>
-                <a:latin typeface="나눔바른고딕" panose="020B0603020101020101" pitchFamily="50" charset="-127"/>
-                <a:ea typeface="나눔바른고딕" panose="020B0603020101020101" pitchFamily="50" charset="-127"/>
-              </a:rPr>
-              <a:t> 분류에 대한 알고리즘 비교 연구</a:t>
-            </a:r>
-            <a:endParaRPr lang="en-US" altLang="ko-KR" sz="5400" b="1" dirty="0">
-              <a:solidFill>
-                <a:srgbClr val="002060"/>
-              </a:solidFill>
-              <a:effectLst>
-                <a:outerShdw blurRad="38100" dist="38100" dir="2700000" algn="tl">
-                  <a:srgbClr val="000000">
-                    <a:alpha val="43137"/>
-                  </a:srgbClr>
-                </a:outerShdw>
-              </a:effectLst>
-              <a:latin typeface="나눔바른고딕" panose="020B0603020101020101" pitchFamily="50" charset="-127"/>
-              <a:ea typeface="나눔바른고딕" panose="020B0603020101020101" pitchFamily="50" charset="-127"/>
-            </a:endParaRPr>
-          </a:p>
-          <a:p>
-            <a:pPr algn="ctr"/>
-            <a:r>
-              <a:rPr lang="en-US" altLang="ko-KR" sz="4400" b="1" dirty="0">
-                <a:solidFill>
-                  <a:srgbClr val="002060"/>
-                </a:solidFill>
-                <a:effectLst>
-                  <a:outerShdw blurRad="38100" dist="38100" dir="2700000" algn="tl">
-                    <a:srgbClr val="000000">
-                      <a:alpha val="43137"/>
-                    </a:srgbClr>
-                  </a:outerShdw>
-                </a:effectLst>
-                <a:latin typeface="나눔바른고딕" panose="020B0603020101020101" pitchFamily="50" charset="-127"/>
-                <a:ea typeface="나눔바른고딕" panose="020B0603020101020101" pitchFamily="50" charset="-127"/>
-              </a:rPr>
-              <a:t>Comparison of algorithm for dominant algae classification in water source site in </a:t>
-            </a:r>
-            <a:r>
-              <a:rPr lang="en-US" altLang="ko-KR" sz="4400" b="1" dirty="0" err="1" smtClean="0">
-                <a:solidFill>
-                  <a:srgbClr val="002060"/>
-                </a:solidFill>
-                <a:effectLst>
-                  <a:outerShdw blurRad="38100" dist="38100" dir="2700000" algn="tl">
-                    <a:srgbClr val="000000">
-                      <a:alpha val="43137"/>
-                    </a:srgbClr>
-                  </a:outerShdw>
-                </a:effectLst>
-                <a:latin typeface="나눔바른고딕" panose="020B0603020101020101" pitchFamily="50" charset="-127"/>
-                <a:ea typeface="나눔바른고딕" panose="020B0603020101020101" pitchFamily="50" charset="-127"/>
-              </a:rPr>
-              <a:t>Yeongsan</a:t>
-            </a:r>
-            <a:r>
-              <a:rPr lang="en-US" altLang="ko-KR" sz="4400" b="1" dirty="0" smtClean="0">
-                <a:solidFill>
-                  <a:srgbClr val="002060"/>
-                </a:solidFill>
-                <a:effectLst>
-                  <a:outerShdw blurRad="38100" dist="38100" dir="2700000" algn="tl">
-                    <a:srgbClr val="000000">
-                      <a:alpha val="43137"/>
-                    </a:srgbClr>
-                  </a:outerShdw>
-                </a:effectLst>
-                <a:latin typeface="나눔바른고딕" panose="020B0603020101020101" pitchFamily="50" charset="-127"/>
-                <a:ea typeface="나눔바른고딕" panose="020B0603020101020101" pitchFamily="50" charset="-127"/>
-              </a:rPr>
-              <a:t>, </a:t>
-            </a:r>
-            <a:r>
-              <a:rPr lang="en-US" altLang="ko-KR" sz="4400" b="1" dirty="0" err="1" smtClean="0">
-                <a:solidFill>
-                  <a:srgbClr val="002060"/>
-                </a:solidFill>
-                <a:effectLst>
-                  <a:outerShdw blurRad="38100" dist="38100" dir="2700000" algn="tl">
-                    <a:srgbClr val="000000">
-                      <a:alpha val="43137"/>
-                    </a:srgbClr>
-                  </a:outerShdw>
-                </a:effectLst>
-                <a:latin typeface="나눔바른고딕" panose="020B0603020101020101" pitchFamily="50" charset="-127"/>
-                <a:ea typeface="나눔바른고딕" panose="020B0603020101020101" pitchFamily="50" charset="-127"/>
-              </a:rPr>
-              <a:t>Seomjin</a:t>
-            </a:r>
-            <a:r>
-              <a:rPr lang="en-US" altLang="ko-KR" sz="4400" b="1" dirty="0" smtClean="0">
-                <a:solidFill>
-                  <a:srgbClr val="002060"/>
-                </a:solidFill>
-                <a:effectLst>
-                  <a:outerShdw blurRad="38100" dist="38100" dir="2700000" algn="tl">
-                    <a:srgbClr val="000000">
-                      <a:alpha val="43137"/>
-                    </a:srgbClr>
-                  </a:outerShdw>
-                </a:effectLst>
-                <a:latin typeface="나눔바른고딕" panose="020B0603020101020101" pitchFamily="50" charset="-127"/>
-                <a:ea typeface="나눔바른고딕" panose="020B0603020101020101" pitchFamily="50" charset="-127"/>
-              </a:rPr>
-              <a:t> </a:t>
-            </a:r>
-            <a:r>
-              <a:rPr lang="en-US" altLang="ko-KR" sz="4400" b="1" dirty="0">
-                <a:solidFill>
-                  <a:srgbClr val="002060"/>
-                </a:solidFill>
-                <a:effectLst>
-                  <a:outerShdw blurRad="38100" dist="38100" dir="2700000" algn="tl">
-                    <a:srgbClr val="000000">
-                      <a:alpha val="43137"/>
-                    </a:srgbClr>
-                  </a:outerShdw>
-                </a:effectLst>
-                <a:latin typeface="나눔바른고딕" panose="020B0603020101020101" pitchFamily="50" charset="-127"/>
-                <a:ea typeface="나눔바른고딕" panose="020B0603020101020101" pitchFamily="50" charset="-127"/>
-              </a:rPr>
-              <a:t>river basin </a:t>
-            </a:r>
-          </a:p>
-          <a:p>
-            <a:pPr algn="ctr"/>
-            <a:r>
-              <a:rPr lang="en-US" altLang="ko-KR" sz="4400" b="1" dirty="0">
-                <a:solidFill>
-                  <a:srgbClr val="002060"/>
-                </a:solidFill>
-                <a:effectLst>
-                  <a:outerShdw blurRad="38100" dist="38100" dir="2700000" algn="tl">
-                    <a:srgbClr val="000000">
-                      <a:alpha val="43137"/>
-                    </a:srgbClr>
-                  </a:outerShdw>
-                </a:effectLst>
-                <a:latin typeface="나눔바른고딕" panose="020B0603020101020101" pitchFamily="50" charset="-127"/>
-                <a:ea typeface="나눔바른고딕" panose="020B0603020101020101" pitchFamily="50" charset="-127"/>
-              </a:rPr>
-              <a:t>Using Statistical Machine Learning technique</a:t>
-            </a:r>
-            <a:endParaRPr lang="en-US" altLang="ko-KR" sz="2000" b="1" dirty="0">
-              <a:solidFill>
-                <a:srgbClr val="002060"/>
-              </a:solidFill>
-              <a:effectLst>
-                <a:outerShdw blurRad="38100" dist="38100" dir="2700000" algn="tl">
-                  <a:srgbClr val="000000">
-                    <a:alpha val="43137"/>
-                  </a:srgbClr>
-                </a:outerShdw>
-              </a:effectLst>
-              <a:latin typeface="나눔바른고딕" panose="020B0603020101020101" pitchFamily="50" charset="-127"/>
-              <a:ea typeface="나눔바른고딕" panose="020B0603020101020101" pitchFamily="50" charset="-127"/>
-            </a:endParaRPr>
-          </a:p>
-          <a:p>
-            <a:pPr algn="ctr"/>
             <a:r>
               <a:rPr lang="ko-KR" altLang="en-US" sz="4000" b="1" dirty="0" err="1">
                 <a:solidFill>
@@ -3351,7 +3127,7 @@
                 <a:latin typeface="나눔바른고딕" panose="020B0603020101020101" pitchFamily="50" charset="-127"/>
                 <a:ea typeface="나눔바른고딕" panose="020B0603020101020101" pitchFamily="50" charset="-127"/>
               </a:rPr>
-              <a:t>황성윤ㆍ황순홍ㆍ박종환ㆍ이영재ㆍ김태성ㆍ이영미ㆍ최병웅ㆍ최지연ㆍ강태우ㆍ신동석</a:t>
+              <a:t>우점</a:t>
             </a:r>
             <a:r>
               <a:rPr lang="ko-KR" altLang="en-US" sz="4000" b="1" dirty="0">
@@ -3368,41 +3144,7 @@
                 <a:latin typeface="나눔바른고딕" panose="020B0603020101020101" pitchFamily="50" charset="-127"/>
                 <a:ea typeface="나눔바른고딕" panose="020B0603020101020101" pitchFamily="50" charset="-127"/>
               </a:rPr>
-              <a:t> </a:t>
-            </a:r>
-            <a:r>
-              <a:rPr lang="en-US" altLang="ko-KR" sz="4000" b="1" dirty="0">
-                <a:solidFill>
-                  <a:srgbClr val="002060"/>
-                </a:solidFill>
-                <a:effectLst>
-                  <a:outerShdw blurRad="38100" dist="38100" dir="2700000" algn="tl">
-                    <a:srgbClr val="000000">
-                      <a:alpha val="43137"/>
-                    </a:srgbClr>
-                  </a:outerShdw>
-                </a:effectLst>
-                <a:latin typeface="나눔바른고딕" panose="020B0603020101020101" pitchFamily="50" charset="-127"/>
-                <a:ea typeface="나눔바른고딕" panose="020B0603020101020101" pitchFamily="50" charset="-127"/>
-              </a:rPr>
-              <a:t>/ </a:t>
-            </a:r>
-            <a:r>
-              <a:rPr lang="ko-KR" altLang="en-US" sz="4000" b="1" dirty="0" err="1">
-                <a:solidFill>
-                  <a:srgbClr val="002060"/>
-                </a:solidFill>
-                <a:effectLst>
-                  <a:outerShdw blurRad="38100" dist="38100" dir="2700000" algn="tl">
-                    <a:srgbClr val="000000">
-                      <a:alpha val="43137"/>
-                    </a:srgbClr>
-                  </a:outerShdw>
-                </a:effectLst>
-                <a:latin typeface="나눔바른고딕" panose="020B0603020101020101" pitchFamily="50" charset="-127"/>
-                <a:ea typeface="나눔바른고딕" panose="020B0603020101020101" pitchFamily="50" charset="-127"/>
-              </a:rPr>
-              <a:t>정강영</a:t>
+              <a:t> 조류 분류에 대한 알고리즘 비교 연구</a:t>
             </a:r>
             <a:endParaRPr lang="en-US" altLang="ko-KR" sz="4000" b="1" dirty="0">
               <a:solidFill>
@@ -3421,7 +3163,183 @@
           </a:p>
           <a:p>
             <a:pPr algn="ctr"/>
-            <a:endParaRPr lang="en-US" altLang="ko-KR" sz="1000" b="1" dirty="0">
+            <a:r>
+              <a:rPr lang="en-US" altLang="ko-KR" sz="3600" b="1" dirty="0">
+                <a:solidFill>
+                  <a:srgbClr val="002060"/>
+                </a:solidFill>
+                <a:effectLst>
+                  <a:outerShdw blurRad="38100" dist="38100" dir="2700000" algn="tl">
+                    <a:srgbClr val="000000">
+                      <a:alpha val="43137"/>
+                    </a:srgbClr>
+                  </a:outerShdw>
+                </a:effectLst>
+                <a:latin typeface="나눔바른고딕" panose="020B0603020101020101" pitchFamily="50" charset="-127"/>
+                <a:ea typeface="나눔바른고딕" panose="020B0603020101020101" pitchFamily="50" charset="-127"/>
+              </a:rPr>
+              <a:t>Comparison of algorithm for dominant algae classification in water source site in </a:t>
+            </a:r>
+            <a:r>
+              <a:rPr lang="en-US" altLang="ko-KR" sz="3600" b="1" dirty="0" err="1">
+                <a:solidFill>
+                  <a:srgbClr val="002060"/>
+                </a:solidFill>
+                <a:effectLst>
+                  <a:outerShdw blurRad="38100" dist="38100" dir="2700000" algn="tl">
+                    <a:srgbClr val="000000">
+                      <a:alpha val="43137"/>
+                    </a:srgbClr>
+                  </a:outerShdw>
+                </a:effectLst>
+                <a:latin typeface="나눔바른고딕" panose="020B0603020101020101" pitchFamily="50" charset="-127"/>
+                <a:ea typeface="나눔바른고딕" panose="020B0603020101020101" pitchFamily="50" charset="-127"/>
+              </a:rPr>
+              <a:t>Yeongsan</a:t>
+            </a:r>
+            <a:r>
+              <a:rPr lang="en-US" altLang="ko-KR" sz="3600" b="1" dirty="0">
+                <a:solidFill>
+                  <a:srgbClr val="002060"/>
+                </a:solidFill>
+                <a:effectLst>
+                  <a:outerShdw blurRad="38100" dist="38100" dir="2700000" algn="tl">
+                    <a:srgbClr val="000000">
+                      <a:alpha val="43137"/>
+                    </a:srgbClr>
+                  </a:outerShdw>
+                </a:effectLst>
+                <a:latin typeface="나눔바른고딕" panose="020B0603020101020101" pitchFamily="50" charset="-127"/>
+                <a:ea typeface="나눔바른고딕" panose="020B0603020101020101" pitchFamily="50" charset="-127"/>
+              </a:rPr>
+              <a:t>, </a:t>
+            </a:r>
+            <a:r>
+              <a:rPr lang="en-US" altLang="ko-KR" sz="3600" b="1" dirty="0" err="1">
+                <a:solidFill>
+                  <a:srgbClr val="002060"/>
+                </a:solidFill>
+                <a:effectLst>
+                  <a:outerShdw blurRad="38100" dist="38100" dir="2700000" algn="tl">
+                    <a:srgbClr val="000000">
+                      <a:alpha val="43137"/>
+                    </a:srgbClr>
+                  </a:outerShdw>
+                </a:effectLst>
+                <a:latin typeface="나눔바른고딕" panose="020B0603020101020101" pitchFamily="50" charset="-127"/>
+                <a:ea typeface="나눔바른고딕" panose="020B0603020101020101" pitchFamily="50" charset="-127"/>
+              </a:rPr>
+              <a:t>Seomjin</a:t>
+            </a:r>
+            <a:r>
+              <a:rPr lang="en-US" altLang="ko-KR" sz="3600" b="1" dirty="0">
+                <a:solidFill>
+                  <a:srgbClr val="002060"/>
+                </a:solidFill>
+                <a:effectLst>
+                  <a:outerShdw blurRad="38100" dist="38100" dir="2700000" algn="tl">
+                    <a:srgbClr val="000000">
+                      <a:alpha val="43137"/>
+                    </a:srgbClr>
+                  </a:outerShdw>
+                </a:effectLst>
+                <a:latin typeface="나눔바른고딕" panose="020B0603020101020101" pitchFamily="50" charset="-127"/>
+                <a:ea typeface="나눔바른고딕" panose="020B0603020101020101" pitchFamily="50" charset="-127"/>
+              </a:rPr>
+              <a:t> river basin </a:t>
+            </a:r>
+          </a:p>
+          <a:p>
+            <a:pPr algn="ctr"/>
+            <a:r>
+              <a:rPr lang="en-US" altLang="ko-KR" sz="3600" b="1" dirty="0">
+                <a:solidFill>
+                  <a:srgbClr val="002060"/>
+                </a:solidFill>
+                <a:effectLst>
+                  <a:outerShdw blurRad="38100" dist="38100" dir="2700000" algn="tl">
+                    <a:srgbClr val="000000">
+                      <a:alpha val="43137"/>
+                    </a:srgbClr>
+                  </a:outerShdw>
+                </a:effectLst>
+                <a:latin typeface="나눔바른고딕" panose="020B0603020101020101" pitchFamily="50" charset="-127"/>
+                <a:ea typeface="나눔바른고딕" panose="020B0603020101020101" pitchFamily="50" charset="-127"/>
+              </a:rPr>
+              <a:t>Using Statistical Machine Learning technique</a:t>
+            </a:r>
+          </a:p>
+          <a:p>
+            <a:pPr algn="ctr"/>
+            <a:r>
+              <a:rPr lang="ko-KR" altLang="en-US" sz="3600" b="1" dirty="0" err="1">
+                <a:solidFill>
+                  <a:srgbClr val="002060"/>
+                </a:solidFill>
+                <a:effectLst>
+                  <a:outerShdw blurRad="38100" dist="38100" dir="2700000" algn="tl">
+                    <a:srgbClr val="000000">
+                      <a:alpha val="43137"/>
+                    </a:srgbClr>
+                  </a:outerShdw>
+                </a:effectLst>
+                <a:latin typeface="나눔바른고딕" panose="020B0603020101020101" pitchFamily="50" charset="-127"/>
+                <a:ea typeface="나눔바른고딕" panose="020B0603020101020101" pitchFamily="50" charset="-127"/>
+              </a:rPr>
+              <a:t>황성윤ㆍ황순홍ㆍ박종환ㆍ이영재ㆍ김태성ㆍ이영미ㆍ최병웅ㆍ최지연ㆍ강태우ㆍ신동석</a:t>
+            </a:r>
+            <a:r>
+              <a:rPr lang="ko-KR" altLang="en-US" sz="3600" b="1" dirty="0">
+                <a:solidFill>
+                  <a:srgbClr val="002060"/>
+                </a:solidFill>
+                <a:effectLst>
+                  <a:outerShdw blurRad="38100" dist="38100" dir="2700000" algn="tl">
+                    <a:srgbClr val="000000">
+                      <a:alpha val="43137"/>
+                    </a:srgbClr>
+                  </a:outerShdw>
+                </a:effectLst>
+                <a:latin typeface="나눔바른고딕" panose="020B0603020101020101" pitchFamily="50" charset="-127"/>
+                <a:ea typeface="나눔바른고딕" panose="020B0603020101020101" pitchFamily="50" charset="-127"/>
+              </a:rPr>
+              <a:t> </a:t>
+            </a:r>
+            <a:r>
+              <a:rPr lang="en-US" altLang="ko-KR" sz="3600" b="1" dirty="0">
+                <a:solidFill>
+                  <a:srgbClr val="002060"/>
+                </a:solidFill>
+                <a:effectLst>
+                  <a:outerShdw blurRad="38100" dist="38100" dir="2700000" algn="tl">
+                    <a:srgbClr val="000000">
+                      <a:alpha val="43137"/>
+                    </a:srgbClr>
+                  </a:outerShdw>
+                </a:effectLst>
+                <a:latin typeface="나눔바른고딕" panose="020B0603020101020101" pitchFamily="50" charset="-127"/>
+                <a:ea typeface="나눔바른고딕" panose="020B0603020101020101" pitchFamily="50" charset="-127"/>
+              </a:rPr>
+              <a:t>/ </a:t>
+            </a:r>
+            <a:r>
+              <a:rPr lang="ko-KR" altLang="en-US" sz="3600" b="1" dirty="0" err="1">
+                <a:solidFill>
+                  <a:srgbClr val="002060"/>
+                </a:solidFill>
+                <a:effectLst>
+                  <a:outerShdw blurRad="38100" dist="38100" dir="2700000" algn="tl">
+                    <a:srgbClr val="000000">
+                      <a:alpha val="43137"/>
+                    </a:srgbClr>
+                  </a:outerShdw>
+                </a:effectLst>
+                <a:latin typeface="나눔바른고딕" panose="020B0603020101020101" pitchFamily="50" charset="-127"/>
+                <a:ea typeface="나눔바른고딕" panose="020B0603020101020101" pitchFamily="50" charset="-127"/>
+              </a:rPr>
+              <a:t>정강영</a:t>
+            </a:r>
+            <a:endParaRPr lang="en-US" altLang="ko-KR" sz="3600" b="1" dirty="0">
               <a:solidFill>
                 <a:srgbClr val="002060"/>
               </a:solidFill>
@@ -3439,7 +3357,7 @@
           <a:p>
             <a:pPr algn="ctr"/>
             <a:r>
-              <a:rPr lang="ko-KR" altLang="en-US" sz="4000" b="1" dirty="0">
+              <a:rPr lang="ko-KR" altLang="en-US" sz="3600" b="1" dirty="0">
                 <a:solidFill>
                   <a:srgbClr val="002060"/>
                 </a:solidFill>
@@ -3456,7 +3374,7 @@
               <a:t>환경부 국립환경과학원 영산강물환경연구소 </a:t>
             </a:r>
             <a:r>
-              <a:rPr lang="en-US" altLang="ko-KR" sz="4000" b="1" dirty="0">
+              <a:rPr lang="en-US" altLang="ko-KR" sz="3600" b="1" dirty="0">
                 <a:solidFill>
                   <a:srgbClr val="002060"/>
                 </a:solidFill>
@@ -3473,7 +3391,7 @@
               <a:t>/ </a:t>
             </a:r>
             <a:r>
-              <a:rPr lang="ko-KR" altLang="en-US" sz="4000" b="1" dirty="0">
+              <a:rPr lang="ko-KR" altLang="en-US" sz="3600" b="1" dirty="0">
                 <a:solidFill>
                   <a:srgbClr val="002060"/>
                 </a:solidFill>
@@ -3490,7 +3408,7 @@
               <a:t>환경부 국립환경인재개발원 </a:t>
             </a:r>
             <a:r>
-              <a:rPr lang="ko-KR" altLang="en-US" sz="4000" b="1" dirty="0" err="1">
+              <a:rPr lang="ko-KR" altLang="en-US" sz="3600" b="1" dirty="0" err="1">
                 <a:solidFill>
                   <a:srgbClr val="002060"/>
                 </a:solidFill>
@@ -3506,7 +3424,7 @@
               </a:rPr>
               <a:t>교육기획과</a:t>
             </a:r>
-            <a:endParaRPr lang="ko-KR" altLang="en-US" sz="4000" b="1" dirty="0">
+            <a:endParaRPr lang="ko-KR" altLang="en-US" sz="3600" b="1" dirty="0">
               <a:solidFill>
                 <a:srgbClr val="002060"/>
               </a:solidFill>
@@ -3537,10 +3455,10 @@
         </p:nvGrpSpPr>
         <p:grpSpPr>
           <a:xfrm>
-            <a:off x="409805" y="3802513"/>
-            <a:ext cx="15695553" cy="2315377"/>
-            <a:chOff x="640199" y="691728"/>
-            <a:chExt cx="7848872" cy="2360695"/>
+            <a:off x="409805" y="3505427"/>
+            <a:ext cx="15695553" cy="2612463"/>
+            <a:chOff x="640199" y="388828"/>
+            <a:chExt cx="7848872" cy="2663595"/>
           </a:xfrm>
         </p:grpSpPr>
         <p:sp>
@@ -3557,8 +3475,8 @@
           </p:nvSpPr>
           <p:spPr>
             <a:xfrm>
-              <a:off x="640199" y="704358"/>
-              <a:ext cx="7848872" cy="2348065"/>
+              <a:off x="640199" y="572891"/>
+              <a:ext cx="7848872" cy="2479532"/>
             </a:xfrm>
             <a:prstGeom prst="rect">
               <a:avLst/>
@@ -3631,8 +3549,8 @@
           </p:nvSpPr>
           <p:spPr>
             <a:xfrm>
-              <a:off x="707841" y="691728"/>
-              <a:ext cx="5219843" cy="596734"/>
+              <a:off x="676273" y="388828"/>
+              <a:ext cx="5219843" cy="675957"/>
             </a:xfrm>
             <a:prstGeom prst="round2SameRect">
               <a:avLst>
@@ -3853,8 +3771,8 @@
             </p:nvSpPr>
             <p:spPr>
               <a:xfrm>
-                <a:off x="671151" y="-491393"/>
-                <a:ext cx="5219843" cy="597140"/>
+                <a:off x="671151" y="-478016"/>
+                <a:ext cx="5219843" cy="559257"/>
               </a:xfrm>
               <a:prstGeom prst="round2SameRect">
                 <a:avLst>
@@ -4002,20 +3920,6 @@
                 <a:t>: </a:t>
               </a:r>
               <a:r>
-                <a:rPr lang="ko-KR" altLang="en-US" dirty="0" smtClean="0">
-                  <a:solidFill>
-                    <a:prstClr val="black">
-                      <a:lumMod val="65000"/>
-                      <a:lumOff val="35000"/>
-                    </a:prstClr>
-                  </a:solidFill>
-                  <a:latin typeface="나눔바른고딕" panose="020B0603020101020101" pitchFamily="50" charset="-127"/>
-                  <a:ea typeface="나눔바른고딕" panose="020B0603020101020101" pitchFamily="50" charset="-127"/>
-                  <a:cs typeface="Arial" charset="0"/>
-                </a:rPr>
-                <a:t>영산강 및 섬진강 </a:t>
-              </a:r>
-              <a:r>
                 <a:rPr lang="ko-KR" altLang="en-US" dirty="0">
                   <a:solidFill>
                     <a:prstClr val="black">
@@ -4027,7 +3931,7 @@
                   <a:ea typeface="나눔바른고딕" panose="020B0603020101020101" pitchFamily="50" charset="-127"/>
                   <a:cs typeface="Arial" charset="0"/>
                 </a:rPr>
-                <a:t>유역</a:t>
+                <a:t>영산강 및 섬진강 유역</a:t>
               </a:r>
               <a:r>
                 <a:rPr lang="en-US" altLang="ko-KR" dirty="0">
@@ -5555,8 +5459,8 @@
         </p:nvGrpSpPr>
         <p:grpSpPr>
           <a:xfrm>
-            <a:off x="16298704" y="3816116"/>
-            <a:ext cx="15695553" cy="31613255"/>
+            <a:off x="16298704" y="3685958"/>
+            <a:ext cx="15695553" cy="31743414"/>
             <a:chOff x="504091" y="6686446"/>
             <a:chExt cx="13554809" cy="8021713"/>
           </a:xfrm>
@@ -5702,9 +5606,9 @@
         <p:grpSpPr>
           <a:xfrm>
             <a:off x="16298705" y="35429371"/>
-            <a:ext cx="15695553" cy="2737066"/>
+            <a:ext cx="15695553" cy="2653018"/>
             <a:chOff x="504091" y="6579120"/>
-            <a:chExt cx="13554809" cy="4422999"/>
+            <a:chExt cx="13554809" cy="4287180"/>
           </a:xfrm>
         </p:grpSpPr>
         <p:grpSp>
@@ -5898,7 +5802,7 @@
           <p:spPr>
             <a:xfrm>
               <a:off x="549630" y="7647936"/>
-              <a:ext cx="13242244" cy="3354183"/>
+              <a:ext cx="13242244" cy="3207219"/>
             </a:xfrm>
             <a:prstGeom prst="rect">
               <a:avLst/>
@@ -6154,7 +6058,7 @@
                 <a:t> 분류하는 데 있어 더 좋은 알고리즘을 제안할 수 있을 것으로 여겨짐</a:t>
               </a:r>
               <a:r>
-                <a:rPr lang="en-US" altLang="ko-KR" dirty="0" smtClean="0">
+                <a:rPr lang="en-US" altLang="ko-KR" dirty="0">
                   <a:solidFill>
                     <a:prstClr val="black">
                       <a:lumMod val="65000"/>
@@ -6168,7 +6072,7 @@
                 <a:t>. </a:t>
               </a:r>
               <a:r>
-                <a:rPr lang="ko-KR" altLang="en-US" dirty="0" smtClean="0">
+                <a:rPr lang="ko-KR" altLang="en-US" dirty="0">
                   <a:solidFill>
                     <a:prstClr val="black">
                       <a:lumMod val="65000"/>
@@ -6182,7 +6086,7 @@
                 <a:t>또한 타 수계</a:t>
               </a:r>
               <a:r>
-                <a:rPr lang="en-US" altLang="ko-KR" dirty="0" smtClean="0">
+                <a:rPr lang="en-US" altLang="ko-KR" dirty="0">
                   <a:solidFill>
                     <a:prstClr val="black">
                       <a:lumMod val="65000"/>
@@ -6196,7 +6100,7 @@
                 <a:t>(</a:t>
               </a:r>
               <a:r>
-                <a:rPr lang="ko-KR" altLang="en-US" dirty="0" smtClean="0">
+                <a:rPr lang="ko-KR" altLang="en-US" dirty="0">
                   <a:solidFill>
                     <a:prstClr val="black">
                       <a:lumMod val="65000"/>
@@ -6210,7 +6114,7 @@
                 <a:t>한강</a:t>
               </a:r>
               <a:r>
-                <a:rPr lang="en-US" altLang="ko-KR" dirty="0" smtClean="0">
+                <a:rPr lang="en-US" altLang="ko-KR" dirty="0">
                   <a:solidFill>
                     <a:prstClr val="black">
                       <a:lumMod val="65000"/>
@@ -6224,7 +6128,7 @@
                 <a:t>, </a:t>
               </a:r>
               <a:r>
-                <a:rPr lang="ko-KR" altLang="en-US" dirty="0" smtClean="0">
+                <a:rPr lang="ko-KR" altLang="en-US" dirty="0">
                   <a:solidFill>
                     <a:prstClr val="black">
                       <a:lumMod val="65000"/>
@@ -6238,7 +6142,7 @@
                 <a:t>금강</a:t>
               </a:r>
               <a:r>
-                <a:rPr lang="en-US" altLang="ko-KR" dirty="0" smtClean="0">
+                <a:rPr lang="en-US" altLang="ko-KR" dirty="0">
                   <a:solidFill>
                     <a:prstClr val="black">
                       <a:lumMod val="65000"/>
@@ -6252,7 +6156,7 @@
                 <a:t>, </a:t>
               </a:r>
               <a:r>
-                <a:rPr lang="ko-KR" altLang="en-US" dirty="0" smtClean="0">
+                <a:rPr lang="ko-KR" altLang="en-US" dirty="0">
                   <a:solidFill>
                     <a:prstClr val="black">
                       <a:lumMod val="65000"/>
@@ -6266,7 +6170,7 @@
                 <a:t>낙동강</a:t>
               </a:r>
               <a:r>
-                <a:rPr lang="en-US" altLang="ko-KR" dirty="0" smtClean="0">
+                <a:rPr lang="en-US" altLang="ko-KR" dirty="0">
                   <a:solidFill>
                     <a:prstClr val="black">
                       <a:lumMod val="65000"/>
@@ -6280,7 +6184,7 @@
                 <a:t>) </a:t>
               </a:r>
               <a:r>
-                <a:rPr lang="ko-KR" altLang="en-US" dirty="0" smtClean="0">
+                <a:rPr lang="ko-KR" altLang="en-US" dirty="0">
                   <a:solidFill>
                     <a:prstClr val="black">
                       <a:lumMod val="65000"/>
@@ -6291,38 +6195,10 @@
                   <a:ea typeface="나눔바른고딕" panose="020B0603020101020101" pitchFamily="50" charset="-127"/>
                   <a:cs typeface="Arial" charset="0"/>
                 </a:rPr>
-                <a:t>내의 상수원 지점에 대해서도 본 연구에서 적용한 기법을 적용한다면 </a:t>
+                <a:t>내의 상수원 지점에 대해서도 본 연구에서 적용한 기법을 적용한다면 해당 수계의 특성에 부합하는 분석 결과를 도출할 수 있을 것으로 기대됨</a:t>
               </a:r>
               <a:r>
-                <a:rPr lang="ko-KR" altLang="en-US" dirty="0" err="1" smtClean="0">
-                  <a:solidFill>
-                    <a:prstClr val="black">
-                      <a:lumMod val="65000"/>
-                      <a:lumOff val="35000"/>
-                    </a:prstClr>
-                  </a:solidFill>
-                  <a:latin typeface="나눔바른고딕" panose="020B0603020101020101" pitchFamily="50" charset="-127"/>
-                  <a:ea typeface="나눔바른고딕" panose="020B0603020101020101" pitchFamily="50" charset="-127"/>
-                  <a:cs typeface="Arial" charset="0"/>
-                </a:rPr>
-                <a:t>의미있는</a:t>
-              </a:r>
-              <a:r>
-                <a:rPr lang="ko-KR" altLang="en-US" dirty="0" smtClean="0">
-                  <a:solidFill>
-                    <a:prstClr val="black">
-                      <a:lumMod val="65000"/>
-                      <a:lumOff val="35000"/>
-                    </a:prstClr>
-                  </a:solidFill>
-                  <a:latin typeface="나눔바른고딕" panose="020B0603020101020101" pitchFamily="50" charset="-127"/>
-                  <a:ea typeface="나눔바른고딕" panose="020B0603020101020101" pitchFamily="50" charset="-127"/>
-                  <a:cs typeface="Arial" charset="0"/>
-                </a:rPr>
-                <a:t> 결과를 도출할 수 있을 것으로 기대됨</a:t>
-              </a:r>
-              <a:r>
-                <a:rPr lang="en-US" altLang="ko-KR" dirty="0" smtClean="0">
+                <a:rPr lang="en-US" altLang="ko-KR" dirty="0">
                   <a:solidFill>
                     <a:prstClr val="black">
                       <a:lumMod val="65000"/>
@@ -6335,17 +6211,6 @@
                 </a:rPr>
                 <a:t>.</a:t>
               </a:r>
-              <a:endParaRPr lang="en-US" altLang="ko-KR" dirty="0">
-                <a:solidFill>
-                  <a:prstClr val="black">
-                    <a:lumMod val="65000"/>
-                    <a:lumOff val="35000"/>
-                  </a:prstClr>
-                </a:solidFill>
-                <a:latin typeface="나눔바른고딕" panose="020B0603020101020101" pitchFamily="50" charset="-127"/>
-                <a:ea typeface="나눔바른고딕" panose="020B0603020101020101" pitchFamily="50" charset="-127"/>
-                <a:cs typeface="Arial" charset="0"/>
-              </a:endParaRPr>
             </a:p>
           </p:txBody>
         </p:sp>
@@ -6518,10 +6383,10 @@
         </p:nvGrpSpPr>
         <p:grpSpPr>
           <a:xfrm>
-            <a:off x="409802" y="12710010"/>
-            <a:ext cx="15695555" cy="25372380"/>
-            <a:chOff x="590429" y="4235035"/>
-            <a:chExt cx="13554811" cy="18030975"/>
+            <a:off x="409802" y="12595585"/>
+            <a:ext cx="15695555" cy="25486808"/>
+            <a:chOff x="590429" y="4153718"/>
+            <a:chExt cx="13554811" cy="18112293"/>
           </a:xfrm>
         </p:grpSpPr>
         <p:grpSp>
@@ -6538,10 +6403,10 @@
           </p:nvGrpSpPr>
           <p:grpSpPr>
             <a:xfrm>
-              <a:off x="590431" y="4235035"/>
-              <a:ext cx="13554809" cy="18030975"/>
-              <a:chOff x="690578" y="504322"/>
-              <a:chExt cx="7848872" cy="8278301"/>
+              <a:off x="590431" y="4153718"/>
+              <a:ext cx="13554809" cy="18112293"/>
+              <a:chOff x="690578" y="466988"/>
+              <a:chExt cx="7848872" cy="8315635"/>
             </a:xfrm>
           </p:grpSpPr>
           <p:sp>
@@ -6632,8 +6497,8 @@
             </p:nvSpPr>
             <p:spPr>
               <a:xfrm>
-                <a:off x="706781" y="504322"/>
-                <a:ext cx="5219843" cy="233798"/>
+                <a:off x="706781" y="466988"/>
+                <a:ext cx="5219843" cy="253413"/>
               </a:xfrm>
               <a:prstGeom prst="round2SameRect">
                 <a:avLst>
@@ -6873,24 +6738,10 @@
                       <a:ea typeface="나눔바른고딕" panose="020B0603020101020101" pitchFamily="50" charset="-127"/>
                       <a:cs typeface="Arial" charset="0"/>
                     </a:rPr>
-                    <a:t>년 </a:t>
+                    <a:t>년 수질측정망</a:t>
                   </a:r>
                   <a:r>
-                    <a:rPr lang="ko-KR" altLang="en-US" dirty="0" smtClean="0">
-                      <a:solidFill>
-                        <a:prstClr val="black">
-                          <a:lumMod val="65000"/>
-                          <a:lumOff val="35000"/>
-                        </a:prstClr>
-                      </a:solidFill>
-                      <a:latin typeface="나눔바른고딕" panose="020B0603020101020101" pitchFamily="50" charset="-127"/>
-                      <a:ea typeface="나눔바른고딕" panose="020B0603020101020101" pitchFamily="50" charset="-127"/>
-                      <a:cs typeface="Arial" charset="0"/>
-                    </a:rPr>
-                    <a:t>수질측정망</a:t>
-                  </a:r>
-                  <a:r>
-                    <a:rPr lang="en-US" altLang="ko-KR" dirty="0" smtClean="0">
+                    <a:rPr lang="en-US" altLang="ko-KR" dirty="0">
                       <a:solidFill>
                         <a:prstClr val="black">
                           <a:lumMod val="65000"/>
@@ -6904,7 +6755,7 @@
                     <a:t>, </a:t>
                   </a:r>
                   <a:r>
-                    <a:rPr lang="ko-KR" altLang="en-US" dirty="0" err="1" smtClean="0">
+                    <a:rPr lang="ko-KR" altLang="en-US" dirty="0" err="1">
                       <a:solidFill>
                         <a:prstClr val="black">
                           <a:lumMod val="65000"/>
@@ -6918,7 +6769,7 @@
                     <a:t>조류경보제</a:t>
                   </a:r>
                   <a:r>
-                    <a:rPr lang="en-US" altLang="ko-KR" dirty="0" smtClean="0">
+                    <a:rPr lang="en-US" altLang="ko-KR" dirty="0">
                       <a:solidFill>
                         <a:prstClr val="black">
                           <a:lumMod val="65000"/>
@@ -6932,7 +6783,7 @@
                     <a:t>, </a:t>
                   </a:r>
                   <a:r>
-                    <a:rPr lang="ko-KR" altLang="en-US" dirty="0" smtClean="0">
+                    <a:rPr lang="ko-KR" altLang="en-US" dirty="0">
                       <a:solidFill>
                         <a:prstClr val="black">
                           <a:lumMod val="65000"/>
@@ -6946,7 +6797,7 @@
                     <a:t>수리</a:t>
                   </a:r>
                   <a:r>
-                    <a:rPr lang="en-US" altLang="ko-KR" dirty="0" smtClean="0">
+                    <a:rPr lang="en-US" altLang="ko-KR" dirty="0">
                       <a:solidFill>
                         <a:prstClr val="black">
                           <a:lumMod val="65000"/>
@@ -6960,20 +6811,6 @@
                     <a:t>, </a:t>
                   </a:r>
                   <a:r>
-                    <a:rPr lang="ko-KR" altLang="en-US" dirty="0" smtClean="0">
-                      <a:solidFill>
-                        <a:prstClr val="black">
-                          <a:lumMod val="65000"/>
-                          <a:lumOff val="35000"/>
-                        </a:prstClr>
-                      </a:solidFill>
-                      <a:latin typeface="나눔바른고딕" panose="020B0603020101020101" pitchFamily="50" charset="-127"/>
-                      <a:ea typeface="나눔바른고딕" panose="020B0603020101020101" pitchFamily="50" charset="-127"/>
-                      <a:cs typeface="Arial" charset="0"/>
-                    </a:rPr>
-                    <a:t>수문 관련 </a:t>
-                  </a:r>
-                  <a:r>
                     <a:rPr lang="ko-KR" altLang="en-US" dirty="0">
                       <a:solidFill>
                         <a:prstClr val="black">
@@ -6985,7 +6822,7 @@
                       <a:ea typeface="나눔바른고딕" panose="020B0603020101020101" pitchFamily="50" charset="-127"/>
                       <a:cs typeface="Arial" charset="0"/>
                     </a:rPr>
-                    <a:t>주</a:t>
+                    <a:t>수문 관련 주</a:t>
                   </a:r>
                   <a:r>
                     <a:rPr lang="en-US" altLang="ko-KR" dirty="0">
@@ -7204,21 +7041,7 @@
                       <a:ea typeface="나눔바른고딕" panose="020B0603020101020101" pitchFamily="50" charset="-127"/>
                       <a:cs typeface="Arial" charset="0"/>
                     </a:rPr>
-                    <a:t>(</a:t>
-                  </a:r>
-                  <a:r>
-                    <a:rPr lang="en-US" altLang="ko-KR" dirty="0" smtClean="0">
-                      <a:solidFill>
-                        <a:prstClr val="black">
-                          <a:lumMod val="65000"/>
-                          <a:lumOff val="35000"/>
-                        </a:prstClr>
-                      </a:solidFill>
-                      <a:latin typeface="나눔바른고딕" panose="020B0603020101020101" pitchFamily="50" charset="-127"/>
-                      <a:ea typeface="나눔바른고딕" panose="020B0603020101020101" pitchFamily="50" charset="-127"/>
-                      <a:cs typeface="Arial" charset="0"/>
-                    </a:rPr>
-                    <a:t>T-P), </a:t>
+                    <a:t>(T-P), </a:t>
                   </a:r>
                   <a:r>
                     <a:rPr lang="ko-KR" altLang="en-US" dirty="0">
@@ -15459,7 +15282,7 @@
         </p:nvSpPr>
         <p:spPr>
           <a:xfrm>
-            <a:off x="471695" y="4560149"/>
+            <a:off x="442205" y="4168409"/>
             <a:ext cx="15514586" cy="1643527"/>
           </a:xfrm>
           <a:prstGeom prst="rect">
@@ -15483,20 +15306,6 @@
               </a:tabLst>
             </a:pPr>
             <a:r>
-              <a:rPr lang="ko-KR" altLang="en-US" dirty="0" smtClean="0">
-                <a:solidFill>
-                  <a:prstClr val="black">
-                    <a:lumMod val="65000"/>
-                    <a:lumOff val="35000"/>
-                  </a:prstClr>
-                </a:solidFill>
-                <a:latin typeface="나눔바른고딕" panose="020B0603020101020101" pitchFamily="50" charset="-127"/>
-                <a:ea typeface="나눔바른고딕" panose="020B0603020101020101" pitchFamily="50" charset="-127"/>
-                <a:cs typeface="Arial" charset="0"/>
-              </a:rPr>
-              <a:t>영산강 및 섬진강 수계 대표 </a:t>
-            </a:r>
-            <a:r>
               <a:rPr lang="ko-KR" altLang="en-US" dirty="0">
                 <a:solidFill>
                   <a:prstClr val="black">
@@ -15508,7 +15317,7 @@
                 <a:ea typeface="나눔바른고딕" panose="020B0603020101020101" pitchFamily="50" charset="-127"/>
                 <a:cs typeface="Arial" charset="0"/>
               </a:rPr>
-              <a:t>상수원 지점인 </a:t>
+              <a:t>영산강 및 섬진강 수계 대표 상수원 지점인 </a:t>
             </a:r>
             <a:r>
               <a:rPr lang="ko-KR" altLang="en-US" dirty="0" err="1">
@@ -15620,10 +15429,10 @@
                 <a:ea typeface="나눔바른고딕" panose="020B0603020101020101" pitchFamily="50" charset="-127"/>
                 <a:cs typeface="Arial" charset="0"/>
               </a:rPr>
-              <a:t>년 </a:t>
+              <a:t>년 이후 시작된 급격한 강수량 감소와 </a:t>
             </a:r>
             <a:r>
-              <a:rPr lang="ko-KR" altLang="en-US" dirty="0" smtClean="0">
+              <a:rPr lang="en-US" altLang="ko-KR" dirty="0">
                 <a:solidFill>
                   <a:prstClr val="black">
                     <a:lumMod val="65000"/>
@@ -15634,7 +15443,7 @@
                 <a:ea typeface="나눔바른고딕" panose="020B0603020101020101" pitchFamily="50" charset="-127"/>
                 <a:cs typeface="Arial" charset="0"/>
               </a:rPr>
-              <a:t>이후 시작된 </a:t>
+              <a:t>`22</a:t>
             </a:r>
             <a:r>
               <a:rPr lang="ko-KR" altLang="en-US" dirty="0">
@@ -15648,63 +15457,7 @@
                 <a:ea typeface="나눔바른고딕" panose="020B0603020101020101" pitchFamily="50" charset="-127"/>
                 <a:cs typeface="Arial" charset="0"/>
               </a:rPr>
-              <a:t>급격한 강수량 </a:t>
-            </a:r>
-            <a:r>
-              <a:rPr lang="ko-KR" altLang="en-US" dirty="0" smtClean="0">
-                <a:solidFill>
-                  <a:prstClr val="black">
-                    <a:lumMod val="65000"/>
-                    <a:lumOff val="35000"/>
-                  </a:prstClr>
-                </a:solidFill>
-                <a:latin typeface="나눔바른고딕" panose="020B0603020101020101" pitchFamily="50" charset="-127"/>
-                <a:ea typeface="나눔바른고딕" panose="020B0603020101020101" pitchFamily="50" charset="-127"/>
-                <a:cs typeface="Arial" charset="0"/>
-              </a:rPr>
-              <a:t>감소와 </a:t>
-            </a:r>
-            <a:r>
-              <a:rPr lang="en-US" altLang="ko-KR" dirty="0" smtClean="0">
-                <a:solidFill>
-                  <a:prstClr val="black">
-                    <a:lumMod val="65000"/>
-                    <a:lumOff val="35000"/>
-                  </a:prstClr>
-                </a:solidFill>
-                <a:latin typeface="나눔바른고딕" panose="020B0603020101020101" pitchFamily="50" charset="-127"/>
-                <a:ea typeface="나눔바른고딕" panose="020B0603020101020101" pitchFamily="50" charset="-127"/>
-                <a:cs typeface="Arial" charset="0"/>
-              </a:rPr>
-              <a:t>`22</a:t>
-            </a:r>
-            <a:r>
-              <a:rPr lang="ko-KR" altLang="en-US" dirty="0" smtClean="0">
-                <a:solidFill>
-                  <a:prstClr val="black">
-                    <a:lumMod val="65000"/>
-                    <a:lumOff val="35000"/>
-                  </a:prstClr>
-                </a:solidFill>
-                <a:latin typeface="나눔바른고딕" panose="020B0603020101020101" pitchFamily="50" charset="-127"/>
-                <a:ea typeface="나눔바른고딕" panose="020B0603020101020101" pitchFamily="50" charset="-127"/>
-                <a:cs typeface="Arial" charset="0"/>
-              </a:rPr>
-              <a:t>년 극심한 가뭄으로 </a:t>
-            </a:r>
-            <a:r>
-              <a:rPr lang="ko-KR" altLang="en-US" dirty="0">
-                <a:solidFill>
-                  <a:prstClr val="black">
-                    <a:lumMod val="65000"/>
-                    <a:lumOff val="35000"/>
-                  </a:prstClr>
-                </a:solidFill>
-                <a:latin typeface="나눔바른고딕" panose="020B0603020101020101" pitchFamily="50" charset="-127"/>
-                <a:ea typeface="나눔바른고딕" panose="020B0603020101020101" pitchFamily="50" charset="-127"/>
-                <a:cs typeface="Arial" charset="0"/>
-              </a:rPr>
-              <a:t>인해 수자원이 부족할 위기에 처해 있으며 이에 따라 발생하는 </a:t>
+              <a:t>년 극심한 가뭄으로 인해 수자원이 부족할 위기에 처해 있으며 이에 따라 발생하는 </a:t>
             </a:r>
             <a:r>
               <a:rPr lang="ko-KR" altLang="en-US" dirty="0" err="1">
@@ -16590,10 +16343,9 @@
                     <a:p>
                       <a:pPr algn="ctr" latinLnBrk="1"/>
                       <a:r>
-                        <a:rPr lang="en-US" altLang="ko-KR" sz="1600" b="1" dirty="0" smtClean="0"/>
+                        <a:rPr lang="en-US" altLang="ko-KR" sz="1600" b="1" dirty="0"/>
                         <a:t>Explanatory</a:t>
                       </a:r>
-                      <a:endParaRPr lang="en-US" altLang="ko-KR" sz="1600" b="1" dirty="0"/>
                     </a:p>
                     <a:p>
                       <a:pPr algn="ctr" latinLnBrk="1"/>
@@ -22884,19 +22636,15 @@
                         <a:defRPr/>
                       </a:pPr>
                       <a:r>
-                        <a:rPr lang="en-US" altLang="ko-KR" sz="1600" b="1" dirty="0" smtClean="0"/>
+                        <a:rPr lang="en-US" altLang="ko-KR" sz="1600" b="1" dirty="0"/>
                         <a:t>Explanatory</a:t>
                       </a:r>
                     </a:p>
                     <a:p>
                       <a:pPr algn="ctr" latinLnBrk="1"/>
                       <a:r>
-                        <a:rPr lang="en-US" altLang="ko-KR" sz="1600" b="1" dirty="0" smtClean="0"/>
-                        <a:t> </a:t>
-                      </a:r>
-                      <a:r>
                         <a:rPr lang="en-US" altLang="ko-KR" sz="1600" b="1" dirty="0"/>
-                        <a:t>Variable</a:t>
+                        <a:t> Variable</a:t>
                       </a:r>
                       <a:endParaRPr lang="ko-KR" altLang="en-US" sz="1600" b="1" dirty="0"/>
                     </a:p>
@@ -26939,14 +26687,14 @@
                     <a:p>
                       <a:pPr algn="ctr" latinLnBrk="1"/>
                       <a:r>
-                        <a:rPr lang="en-US" altLang="ko-KR" sz="1600" b="1" dirty="0" smtClean="0"/>
+                        <a:rPr lang="en-US" altLang="ko-KR" sz="1600" b="1" dirty="0"/>
                         <a:t>Explanatory</a:t>
                       </a:r>
                     </a:p>
                     <a:p>
                       <a:pPr algn="ctr" latinLnBrk="1"/>
                       <a:r>
-                        <a:rPr lang="en-US" altLang="ko-KR" sz="1600" b="1" dirty="0" smtClean="0"/>
+                        <a:rPr lang="en-US" altLang="ko-KR" sz="1600" b="1" dirty="0"/>
                         <a:t>Variable</a:t>
                       </a:r>
                       <a:endParaRPr lang="ko-KR" altLang="en-US" sz="1600" b="1" dirty="0"/>

--- a/논문데이터분석(Comparison of algorithm for dominant species classification in water source site in Yeongsan river basin using statistical machine learning technique)/통계학회 관련(2023년 하계)/2023년 하계 통계학회 포스터 논문_황성윤_과학원.pptx
+++ b/논문데이터분석(Comparison of algorithm for dominant species classification in water source site in Yeongsan river basin using statistical machine learning technique)/통계학회 관련(2023년 하계)/2023년 하계 통계학회 포스터 논문_황성윤_과학원.pptx
@@ -254,7 +254,7 @@
           <a:p>
             <a:fld id="{B8F6B9A3-BAD0-4D3D-96AC-195AD465836F}" type="datetimeFigureOut">
               <a:rPr lang="ko-KR" altLang="en-US" smtClean="0"/>
-              <a:t>2023-01-24</a:t>
+              <a:t>2023-03-13</a:t>
             </a:fld>
             <a:endParaRPr lang="ko-KR" altLang="en-US"/>
           </a:p>
@@ -424,7 +424,7 @@
           <a:p>
             <a:fld id="{B8F6B9A3-BAD0-4D3D-96AC-195AD465836F}" type="datetimeFigureOut">
               <a:rPr lang="ko-KR" altLang="en-US" smtClean="0"/>
-              <a:t>2023-01-24</a:t>
+              <a:t>2023-03-13</a:t>
             </a:fld>
             <a:endParaRPr lang="ko-KR" altLang="en-US"/>
           </a:p>
@@ -604,7 +604,7 @@
           <a:p>
             <a:fld id="{B8F6B9A3-BAD0-4D3D-96AC-195AD465836F}" type="datetimeFigureOut">
               <a:rPr lang="ko-KR" altLang="en-US" smtClean="0"/>
-              <a:t>2023-01-24</a:t>
+              <a:t>2023-03-13</a:t>
             </a:fld>
             <a:endParaRPr lang="ko-KR" altLang="en-US"/>
           </a:p>
@@ -774,7 +774,7 @@
           <a:p>
             <a:fld id="{B8F6B9A3-BAD0-4D3D-96AC-195AD465836F}" type="datetimeFigureOut">
               <a:rPr lang="ko-KR" altLang="en-US" smtClean="0"/>
-              <a:t>2023-01-24</a:t>
+              <a:t>2023-03-13</a:t>
             </a:fld>
             <a:endParaRPr lang="ko-KR" altLang="en-US"/>
           </a:p>
@@ -1018,7 +1018,7 @@
           <a:p>
             <a:fld id="{B8F6B9A3-BAD0-4D3D-96AC-195AD465836F}" type="datetimeFigureOut">
               <a:rPr lang="ko-KR" altLang="en-US" smtClean="0"/>
-              <a:t>2023-01-24</a:t>
+              <a:t>2023-03-13</a:t>
             </a:fld>
             <a:endParaRPr lang="ko-KR" altLang="en-US"/>
           </a:p>
@@ -1250,7 +1250,7 @@
           <a:p>
             <a:fld id="{B8F6B9A3-BAD0-4D3D-96AC-195AD465836F}" type="datetimeFigureOut">
               <a:rPr lang="ko-KR" altLang="en-US" smtClean="0"/>
-              <a:t>2023-01-24</a:t>
+              <a:t>2023-03-13</a:t>
             </a:fld>
             <a:endParaRPr lang="ko-KR" altLang="en-US"/>
           </a:p>
@@ -1617,7 +1617,7 @@
           <a:p>
             <a:fld id="{B8F6B9A3-BAD0-4D3D-96AC-195AD465836F}" type="datetimeFigureOut">
               <a:rPr lang="ko-KR" altLang="en-US" smtClean="0"/>
-              <a:t>2023-01-24</a:t>
+              <a:t>2023-03-13</a:t>
             </a:fld>
             <a:endParaRPr lang="ko-KR" altLang="en-US"/>
           </a:p>
@@ -1735,7 +1735,7 @@
           <a:p>
             <a:fld id="{B8F6B9A3-BAD0-4D3D-96AC-195AD465836F}" type="datetimeFigureOut">
               <a:rPr lang="ko-KR" altLang="en-US" smtClean="0"/>
-              <a:t>2023-01-24</a:t>
+              <a:t>2023-03-13</a:t>
             </a:fld>
             <a:endParaRPr lang="ko-KR" altLang="en-US"/>
           </a:p>
@@ -1830,7 +1830,7 @@
           <a:p>
             <a:fld id="{B8F6B9A3-BAD0-4D3D-96AC-195AD465836F}" type="datetimeFigureOut">
               <a:rPr lang="ko-KR" altLang="en-US" smtClean="0"/>
-              <a:t>2023-01-24</a:t>
+              <a:t>2023-03-13</a:t>
             </a:fld>
             <a:endParaRPr lang="ko-KR" altLang="en-US"/>
           </a:p>
@@ -2107,7 +2107,7 @@
           <a:p>
             <a:fld id="{B8F6B9A3-BAD0-4D3D-96AC-195AD465836F}" type="datetimeFigureOut">
               <a:rPr lang="ko-KR" altLang="en-US" smtClean="0"/>
-              <a:t>2023-01-24</a:t>
+              <a:t>2023-03-13</a:t>
             </a:fld>
             <a:endParaRPr lang="ko-KR" altLang="en-US"/>
           </a:p>
@@ -2364,7 +2364,7 @@
           <a:p>
             <a:fld id="{B8F6B9A3-BAD0-4D3D-96AC-195AD465836F}" type="datetimeFigureOut">
               <a:rPr lang="ko-KR" altLang="en-US" smtClean="0"/>
-              <a:t>2023-01-24</a:t>
+              <a:t>2023-03-13</a:t>
             </a:fld>
             <a:endParaRPr lang="ko-KR" altLang="en-US"/>
           </a:p>
@@ -2577,7 +2577,7 @@
           <a:p>
             <a:fld id="{B8F6B9A3-BAD0-4D3D-96AC-195AD465836F}" type="datetimeFigureOut">
               <a:rPr lang="ko-KR" altLang="en-US" smtClean="0"/>
-              <a:t>2023-01-24</a:t>
+              <a:t>2023-03-13</a:t>
             </a:fld>
             <a:endParaRPr lang="ko-KR" altLang="en-US"/>
           </a:p>
@@ -3272,7 +3272,7 @@
           <a:p>
             <a:pPr algn="ctr"/>
             <a:r>
-              <a:rPr lang="ko-KR" altLang="en-US" sz="3600" b="1" dirty="0" err="1">
+              <a:rPr lang="ko-KR" altLang="en-US" sz="3600" b="1">
                 <a:solidFill>
                   <a:srgbClr val="002060"/>
                 </a:solidFill>
@@ -3286,7 +3286,7 @@
                 <a:latin typeface="나눔바른고딕" panose="020B0603020101020101" pitchFamily="50" charset="-127"/>
                 <a:ea typeface="나눔바른고딕" panose="020B0603020101020101" pitchFamily="50" charset="-127"/>
               </a:rPr>
-              <a:t>황성윤ㆍ황순홍ㆍ박종환ㆍ이영재ㆍ김태성ㆍ이영미ㆍ최병웅ㆍ최지연ㆍ강태우ㆍ신동석</a:t>
+              <a:t>황성윤ㆍ박종환ㆍ최병웅ㆍ신동석</a:t>
             </a:r>
             <a:r>
               <a:rPr lang="ko-KR" altLang="en-US" sz="3600" b="1" dirty="0">
